--- a/nflight-application/architecture.pptx
+++ b/nflight-application/architecture.pptx
@@ -7,6 +7,7 @@
   <p:sldIdLst>
     <p:sldId id="256" r:id="rId2"/>
     <p:sldId id="257" r:id="rId3"/>
+    <p:sldId id="258" r:id="rId4"/>
   </p:sldIdLst>
   <p:sldSz cx="6858000" cy="9906000" type="A4"/>
   <p:notesSz cx="9939338" cy="6807200"/>
@@ -255,7 +256,7 @@
           <a:p>
             <a:fld id="{7DB3FF8E-DEF7-4D03-B394-7E8014C0F5CD}" type="datetimeFigureOut">
               <a:rPr lang="ko-KR" altLang="en-US" smtClean="0"/>
-              <a:t>2013-08-06</a:t>
+              <a:t>2013-08-07</a:t>
             </a:fld>
             <a:endParaRPr lang="ko-KR" altLang="en-US"/>
           </a:p>
@@ -425,7 +426,7 @@
           <a:p>
             <a:fld id="{7DB3FF8E-DEF7-4D03-B394-7E8014C0F5CD}" type="datetimeFigureOut">
               <a:rPr lang="ko-KR" altLang="en-US" smtClean="0"/>
-              <a:t>2013-08-06</a:t>
+              <a:t>2013-08-07</a:t>
             </a:fld>
             <a:endParaRPr lang="ko-KR" altLang="en-US"/>
           </a:p>
@@ -605,7 +606,7 @@
           <a:p>
             <a:fld id="{7DB3FF8E-DEF7-4D03-B394-7E8014C0F5CD}" type="datetimeFigureOut">
               <a:rPr lang="ko-KR" altLang="en-US" smtClean="0"/>
-              <a:t>2013-08-06</a:t>
+              <a:t>2013-08-07</a:t>
             </a:fld>
             <a:endParaRPr lang="ko-KR" altLang="en-US"/>
           </a:p>
@@ -775,7 +776,7 @@
           <a:p>
             <a:fld id="{7DB3FF8E-DEF7-4D03-B394-7E8014C0F5CD}" type="datetimeFigureOut">
               <a:rPr lang="ko-KR" altLang="en-US" smtClean="0"/>
-              <a:t>2013-08-06</a:t>
+              <a:t>2013-08-07</a:t>
             </a:fld>
             <a:endParaRPr lang="ko-KR" altLang="en-US"/>
           </a:p>
@@ -1019,7 +1020,7 @@
           <a:p>
             <a:fld id="{7DB3FF8E-DEF7-4D03-B394-7E8014C0F5CD}" type="datetimeFigureOut">
               <a:rPr lang="ko-KR" altLang="en-US" smtClean="0"/>
-              <a:t>2013-08-06</a:t>
+              <a:t>2013-08-07</a:t>
             </a:fld>
             <a:endParaRPr lang="ko-KR" altLang="en-US"/>
           </a:p>
@@ -1251,7 +1252,7 @@
           <a:p>
             <a:fld id="{7DB3FF8E-DEF7-4D03-B394-7E8014C0F5CD}" type="datetimeFigureOut">
               <a:rPr lang="ko-KR" altLang="en-US" smtClean="0"/>
-              <a:t>2013-08-06</a:t>
+              <a:t>2013-08-07</a:t>
             </a:fld>
             <a:endParaRPr lang="ko-KR" altLang="en-US"/>
           </a:p>
@@ -1618,7 +1619,7 @@
           <a:p>
             <a:fld id="{7DB3FF8E-DEF7-4D03-B394-7E8014C0F5CD}" type="datetimeFigureOut">
               <a:rPr lang="ko-KR" altLang="en-US" smtClean="0"/>
-              <a:t>2013-08-06</a:t>
+              <a:t>2013-08-07</a:t>
             </a:fld>
             <a:endParaRPr lang="ko-KR" altLang="en-US"/>
           </a:p>
@@ -1736,7 +1737,7 @@
           <a:p>
             <a:fld id="{7DB3FF8E-DEF7-4D03-B394-7E8014C0F5CD}" type="datetimeFigureOut">
               <a:rPr lang="ko-KR" altLang="en-US" smtClean="0"/>
-              <a:t>2013-08-06</a:t>
+              <a:t>2013-08-07</a:t>
             </a:fld>
             <a:endParaRPr lang="ko-KR" altLang="en-US"/>
           </a:p>
@@ -1831,7 +1832,7 @@
           <a:p>
             <a:fld id="{7DB3FF8E-DEF7-4D03-B394-7E8014C0F5CD}" type="datetimeFigureOut">
               <a:rPr lang="ko-KR" altLang="en-US" smtClean="0"/>
-              <a:t>2013-08-06</a:t>
+              <a:t>2013-08-07</a:t>
             </a:fld>
             <a:endParaRPr lang="ko-KR" altLang="en-US"/>
           </a:p>
@@ -2108,7 +2109,7 @@
           <a:p>
             <a:fld id="{7DB3FF8E-DEF7-4D03-B394-7E8014C0F5CD}" type="datetimeFigureOut">
               <a:rPr lang="ko-KR" altLang="en-US" smtClean="0"/>
-              <a:t>2013-08-06</a:t>
+              <a:t>2013-08-07</a:t>
             </a:fld>
             <a:endParaRPr lang="ko-KR" altLang="en-US"/>
           </a:p>
@@ -2365,7 +2366,7 @@
           <a:p>
             <a:fld id="{7DB3FF8E-DEF7-4D03-B394-7E8014C0F5CD}" type="datetimeFigureOut">
               <a:rPr lang="ko-KR" altLang="en-US" smtClean="0"/>
-              <a:t>2013-08-06</a:t>
+              <a:t>2013-08-07</a:t>
             </a:fld>
             <a:endParaRPr lang="ko-KR" altLang="en-US"/>
           </a:p>
@@ -2578,7 +2579,7 @@
           <a:p>
             <a:fld id="{7DB3FF8E-DEF7-4D03-B394-7E8014C0F5CD}" type="datetimeFigureOut">
               <a:rPr lang="ko-KR" altLang="en-US" smtClean="0"/>
-              <a:t>2013-08-06</a:t>
+              <a:t>2013-08-07</a:t>
             </a:fld>
             <a:endParaRPr lang="ko-KR" altLang="en-US"/>
           </a:p>
@@ -8713,6 +8714,5343 @@
 </p:sld>
 </file>
 
+<file path=ppt/slides/slide3.xml><?xml version="1.0" encoding="utf-8"?>
+<p:sld xmlns:a="http://schemas.openxmlformats.org/drawingml/2006/main" xmlns:r="http://schemas.openxmlformats.org/officeDocument/2006/relationships" xmlns:p="http://schemas.openxmlformats.org/presentationml/2006/main">
+  <p:cSld>
+    <p:spTree>
+      <p:nvGrpSpPr>
+        <p:cNvPr id="1" name=""/>
+        <p:cNvGrpSpPr/>
+        <p:nvPr/>
+      </p:nvGrpSpPr>
+      <p:grpSpPr>
+        <a:xfrm>
+          <a:off x="0" y="0"/>
+          <a:ext cx="0" cy="0"/>
+          <a:chOff x="0" y="0"/>
+          <a:chExt cx="0" cy="0"/>
+        </a:xfrm>
+      </p:grpSpPr>
+      <p:sp>
+        <p:nvSpPr>
+          <p:cNvPr id="2" name="Rectangle 92"/>
+          <p:cNvSpPr>
+            <a:spLocks noChangeArrowheads="1"/>
+          </p:cNvSpPr>
+          <p:nvPr/>
+        </p:nvSpPr>
+        <p:spPr bwMode="auto">
+          <a:xfrm>
+            <a:off x="152400" y="152400"/>
+            <a:ext cx="6858000" cy="0"/>
+          </a:xfrm>
+          <a:prstGeom prst="rect">
+            <a:avLst/>
+          </a:prstGeom>
+          <a:noFill/>
+          <a:ln>
+            <a:noFill/>
+          </a:ln>
+          <a:effectLst/>
+          <a:extLst>
+            <a:ext uri="{909E8E84-426E-40DD-AFC4-6F175D3DCCD1}">
+              <a14:hiddenFill xmlns:a14="http://schemas.microsoft.com/office/drawing/2010/main">
+                <a:solidFill>
+                  <a:schemeClr val="accent1"/>
+                </a:solidFill>
+              </a14:hiddenFill>
+            </a:ext>
+            <a:ext uri="{91240B29-F687-4F45-9708-019B960494DF}">
+              <a14:hiddenLine xmlns:a14="http://schemas.microsoft.com/office/drawing/2010/main" w="9525">
+                <a:solidFill>
+                  <a:schemeClr val="tx1"/>
+                </a:solidFill>
+                <a:miter lim="800000"/>
+                <a:headEnd/>
+                <a:tailEnd/>
+              </a14:hiddenLine>
+            </a:ext>
+            <a:ext uri="{AF507438-7753-43E0-B8FC-AC1667EBCBE1}">
+              <a14:hiddenEffects xmlns:a14="http://schemas.microsoft.com/office/drawing/2010/main">
+                <a:effectLst>
+                  <a:outerShdw dist="35921" dir="2700000" algn="ctr" rotWithShape="0">
+                    <a:schemeClr val="bg2"/>
+                  </a:outerShdw>
+                </a:effectLst>
+              </a14:hiddenEffects>
+            </a:ext>
+          </a:extLst>
+        </p:spPr>
+        <p:txBody>
+          <a:bodyPr vert="horz" wrap="none" lIns="91440" tIns="45720" rIns="91440" bIns="45720" numCol="1" anchor="ctr" anchorCtr="0" compatLnSpc="1">
+            <a:prstTxWarp prst="textNoShape">
+              <a:avLst/>
+            </a:prstTxWarp>
+            <a:spAutoFit/>
+          </a:bodyPr>
+          <a:lstStyle/>
+          <a:p>
+            <a:endParaRPr lang="ko-KR" altLang="en-US"/>
+          </a:p>
+        </p:txBody>
+      </p:sp>
+      <p:grpSp>
+        <p:nvGrpSpPr>
+          <p:cNvPr id="3" name="Group 1"/>
+          <p:cNvGrpSpPr>
+            <a:grpSpLocks noChangeAspect="1"/>
+          </p:cNvGrpSpPr>
+          <p:nvPr/>
+        </p:nvGrpSpPr>
+        <p:grpSpPr bwMode="auto">
+          <a:xfrm>
+            <a:off x="152400" y="152400"/>
+            <a:ext cx="6286500" cy="3990975"/>
+            <a:chOff x="1707" y="2412"/>
+            <a:chExt cx="9900" cy="6286"/>
+          </a:xfrm>
+        </p:grpSpPr>
+        <p:sp>
+          <p:nvSpPr>
+            <p:cNvPr id="4" name="AutoShape 91"/>
+            <p:cNvSpPr>
+              <a:spLocks noChangeAspect="1" noChangeArrowheads="1" noTextEdit="1"/>
+            </p:cNvSpPr>
+            <p:nvPr/>
+          </p:nvSpPr>
+          <p:spPr bwMode="auto">
+            <a:xfrm>
+              <a:off x="1707" y="2412"/>
+              <a:ext cx="9900" cy="6286"/>
+            </a:xfrm>
+            <a:prstGeom prst="rect">
+              <a:avLst/>
+            </a:prstGeom>
+            <a:noFill/>
+            <a:extLst>
+              <a:ext uri="{909E8E84-426E-40DD-AFC4-6F175D3DCCD1}">
+                <a14:hiddenFill xmlns:a14="http://schemas.microsoft.com/office/drawing/2010/main">
+                  <a:solidFill>
+                    <a:srgbClr val="FFFFFF"/>
+                  </a:solidFill>
+                </a14:hiddenFill>
+              </a:ext>
+            </a:extLst>
+          </p:spPr>
+          <p:txBody>
+            <a:bodyPr vert="horz" wrap="square" lIns="91440" tIns="45720" rIns="91440" bIns="45720" numCol="1" anchor="t" anchorCtr="0" compatLnSpc="1">
+              <a:prstTxWarp prst="textNoShape">
+                <a:avLst/>
+              </a:prstTxWarp>
+            </a:bodyPr>
+            <a:lstStyle/>
+            <a:p>
+              <a:endParaRPr lang="ko-KR" altLang="en-US"/>
+            </a:p>
+          </p:txBody>
+        </p:sp>
+        <p:pic>
+          <p:nvPicPr>
+            <p:cNvPr id="2138" name="Picture 90" descr="ac0051-48"/>
+            <p:cNvPicPr>
+              <a:picLocks noChangeAspect="1" noChangeArrowheads="1"/>
+            </p:cNvPicPr>
+            <p:nvPr/>
+          </p:nvPicPr>
+          <p:blipFill>
+            <a:blip r:embed="rId2">
+              <a:extLst>
+                <a:ext uri="{28A0092B-C50C-407E-A947-70E740481C1C}">
+                  <a14:useLocalDpi xmlns:a14="http://schemas.microsoft.com/office/drawing/2010/main" val="0"/>
+                </a:ext>
+              </a:extLst>
+            </a:blip>
+            <a:srcRect/>
+            <a:stretch>
+              <a:fillRect/>
+            </a:stretch>
+          </p:blipFill>
+          <p:spPr bwMode="auto">
+            <a:xfrm>
+              <a:off x="1887" y="5652"/>
+              <a:ext cx="480" cy="480"/>
+            </a:xfrm>
+            <a:prstGeom prst="rect">
+              <a:avLst/>
+            </a:prstGeom>
+            <a:noFill/>
+            <a:extLst>
+              <a:ext uri="{909E8E84-426E-40DD-AFC4-6F175D3DCCD1}">
+                <a14:hiddenFill xmlns:a14="http://schemas.microsoft.com/office/drawing/2010/main">
+                  <a:solidFill>
+                    <a:srgbClr val="FFFFFF"/>
+                  </a:solidFill>
+                </a14:hiddenFill>
+              </a:ext>
+            </a:extLst>
+          </p:spPr>
+        </p:pic>
+        <p:pic>
+          <p:nvPicPr>
+            <p:cNvPr id="2137" name="Picture 89" descr="ei0008-48"/>
+            <p:cNvPicPr>
+              <a:picLocks noChangeAspect="1" noChangeArrowheads="1"/>
+            </p:cNvPicPr>
+            <p:nvPr/>
+          </p:nvPicPr>
+          <p:blipFill>
+            <a:blip r:embed="rId3">
+              <a:extLst>
+                <a:ext uri="{28A0092B-C50C-407E-A947-70E740481C1C}">
+                  <a14:useLocalDpi xmlns:a14="http://schemas.microsoft.com/office/drawing/2010/main" val="0"/>
+                </a:ext>
+              </a:extLst>
+            </a:blip>
+            <a:srcRect/>
+            <a:stretch>
+              <a:fillRect/>
+            </a:stretch>
+          </p:blipFill>
+          <p:spPr bwMode="auto">
+            <a:xfrm>
+              <a:off x="8007" y="2502"/>
+              <a:ext cx="540" cy="540"/>
+            </a:xfrm>
+            <a:prstGeom prst="rect">
+              <a:avLst/>
+            </a:prstGeom>
+            <a:noFill/>
+            <a:extLst>
+              <a:ext uri="{909E8E84-426E-40DD-AFC4-6F175D3DCCD1}">
+                <a14:hiddenFill xmlns:a14="http://schemas.microsoft.com/office/drawing/2010/main">
+                  <a:solidFill>
+                    <a:srgbClr val="FFFFFF"/>
+                  </a:solidFill>
+                </a14:hiddenFill>
+              </a:ext>
+            </a:extLst>
+          </p:spPr>
+        </p:pic>
+        <p:sp>
+          <p:nvSpPr>
+            <p:cNvPr id="5" name="Text Box 88"/>
+            <p:cNvSpPr txBox="1">
+              <a:spLocks noChangeArrowheads="1"/>
+            </p:cNvSpPr>
+            <p:nvPr/>
+          </p:nvSpPr>
+          <p:spPr bwMode="auto">
+            <a:xfrm>
+              <a:off x="1707" y="6912"/>
+              <a:ext cx="2520" cy="720"/>
+            </a:xfrm>
+            <a:prstGeom prst="rect">
+              <a:avLst/>
+            </a:prstGeom>
+            <a:noFill/>
+            <a:ln>
+              <a:noFill/>
+            </a:ln>
+            <a:extLst>
+              <a:ext uri="{909E8E84-426E-40DD-AFC4-6F175D3DCCD1}">
+                <a14:hiddenFill xmlns:a14="http://schemas.microsoft.com/office/drawing/2010/main">
+                  <a:solidFill>
+                    <a:srgbClr val="FFFFFF"/>
+                  </a:solidFill>
+                </a14:hiddenFill>
+              </a:ext>
+              <a:ext uri="{91240B29-F687-4F45-9708-019B960494DF}">
+                <a14:hiddenLine xmlns:a14="http://schemas.microsoft.com/office/drawing/2010/main" w="9525">
+                  <a:solidFill>
+                    <a:srgbClr val="000000"/>
+                  </a:solidFill>
+                  <a:miter lim="800000"/>
+                  <a:headEnd/>
+                  <a:tailEnd/>
+                </a14:hiddenLine>
+              </a:ext>
+            </a:extLst>
+          </p:spPr>
+          <p:txBody>
+            <a:bodyPr vert="horz" wrap="square" lIns="91440" tIns="45720" rIns="91440" bIns="45720" numCol="1" anchor="t" anchorCtr="0" compatLnSpc="1">
+              <a:prstTxWarp prst="textNoShape">
+                <a:avLst/>
+              </a:prstTxWarp>
+            </a:bodyPr>
+            <a:lstStyle/>
+            <a:p>
+              <a:pPr marL="0" marR="0" lvl="0" indent="0" algn="l" defTabSz="914400" rtl="0" eaLnBrk="0" fontAlgn="base" latinLnBrk="0" hangingPunct="0">
+                <a:lnSpc>
+                  <a:spcPct val="100000"/>
+                </a:lnSpc>
+                <a:spcBef>
+                  <a:spcPct val="0"/>
+                </a:spcBef>
+                <a:spcAft>
+                  <a:spcPct val="0"/>
+                </a:spcAft>
+                <a:buClrTx/>
+                <a:buSzTx/>
+                <a:buFontTx/>
+                <a:buNone/>
+                <a:tabLst/>
+              </a:pPr>
+              <a:r>
+                <a:rPr kumimoji="0" lang="en-GB" altLang="ko-KR" sz="800" b="0" i="0" u="none" strike="noStrike" cap="none" normalizeH="0" baseline="0" smtClean="0">
+                  <a:ln>
+                    <a:noFill/>
+                  </a:ln>
+                  <a:solidFill>
+                    <a:schemeClr val="tx1"/>
+                  </a:solidFill>
+                  <a:effectLst/>
+                  <a:latin typeface="Times New Roman" panose="02020603050405020304" pitchFamily="18" charset="0"/>
+                  <a:ea typeface="맑은 고딕" panose="020B0503020000020004" pitchFamily="50" charset="-127"/>
+                  <a:cs typeface="Times New Roman" panose="02020603050405020304" pitchFamily="18" charset="0"/>
+                </a:rPr>
+                <a:t>Customer provides story cards. Project Engineer adds test cases on the back of the card</a:t>
+              </a:r>
+              <a:endParaRPr kumimoji="0" lang="en-GB" altLang="ko-KR" sz="1800" b="0" i="0" u="none" strike="noStrike" cap="none" normalizeH="0" baseline="0" smtClean="0">
+                <a:ln>
+                  <a:noFill/>
+                </a:ln>
+                <a:solidFill>
+                  <a:schemeClr val="tx1"/>
+                </a:solidFill>
+                <a:effectLst/>
+                <a:latin typeface="Arial" panose="020B0604020202020204" pitchFamily="34" charset="0"/>
+              </a:endParaRPr>
+            </a:p>
+          </p:txBody>
+        </p:sp>
+        <p:sp>
+          <p:nvSpPr>
+            <p:cNvPr id="6" name="Text Box 87"/>
+            <p:cNvSpPr txBox="1">
+              <a:spLocks noChangeArrowheads="1"/>
+            </p:cNvSpPr>
+            <p:nvPr/>
+          </p:nvSpPr>
+          <p:spPr bwMode="auto">
+            <a:xfrm>
+              <a:off x="3687" y="6297"/>
+              <a:ext cx="1065" cy="435"/>
+            </a:xfrm>
+            <a:prstGeom prst="rect">
+              <a:avLst/>
+            </a:prstGeom>
+            <a:noFill/>
+            <a:ln>
+              <a:noFill/>
+            </a:ln>
+            <a:extLst>
+              <a:ext uri="{909E8E84-426E-40DD-AFC4-6F175D3DCCD1}">
+                <a14:hiddenFill xmlns:a14="http://schemas.microsoft.com/office/drawing/2010/main">
+                  <a:solidFill>
+                    <a:srgbClr val="FFFFFF"/>
+                  </a:solidFill>
+                </a14:hiddenFill>
+              </a:ext>
+              <a:ext uri="{91240B29-F687-4F45-9708-019B960494DF}">
+                <a14:hiddenLine xmlns:a14="http://schemas.microsoft.com/office/drawing/2010/main" w="9525">
+                  <a:solidFill>
+                    <a:srgbClr val="000000"/>
+                  </a:solidFill>
+                  <a:miter lim="800000"/>
+                  <a:headEnd/>
+                  <a:tailEnd/>
+                </a14:hiddenLine>
+              </a:ext>
+            </a:extLst>
+          </p:spPr>
+          <p:txBody>
+            <a:bodyPr vert="horz" wrap="square" lIns="91440" tIns="45720" rIns="91440" bIns="45720" numCol="1" anchor="t" anchorCtr="0" compatLnSpc="1">
+              <a:prstTxWarp prst="textNoShape">
+                <a:avLst/>
+              </a:prstTxWarp>
+            </a:bodyPr>
+            <a:lstStyle/>
+            <a:p>
+              <a:pPr marL="0" marR="0" lvl="0" indent="0" algn="l" defTabSz="914400" rtl="0" eaLnBrk="0" fontAlgn="base" latinLnBrk="0" hangingPunct="0">
+                <a:lnSpc>
+                  <a:spcPct val="100000"/>
+                </a:lnSpc>
+                <a:spcBef>
+                  <a:spcPct val="0"/>
+                </a:spcBef>
+                <a:spcAft>
+                  <a:spcPct val="0"/>
+                </a:spcAft>
+                <a:buClrTx/>
+                <a:buSzTx/>
+                <a:buFontTx/>
+                <a:buNone/>
+                <a:tabLst/>
+              </a:pPr>
+              <a:r>
+                <a:rPr kumimoji="0" lang="en-US" altLang="ko-KR" sz="800" b="0" i="0" u="none" strike="noStrike" cap="none" normalizeH="0" baseline="0" smtClean="0">
+                  <a:ln>
+                    <a:noFill/>
+                  </a:ln>
+                  <a:solidFill>
+                    <a:schemeClr val="tx1"/>
+                  </a:solidFill>
+                  <a:effectLst/>
+                  <a:latin typeface="Times New Roman" panose="02020603050405020304" pitchFamily="18" charset="0"/>
+                  <a:ea typeface="맑은 고딕" panose="020B0503020000020004" pitchFamily="50" charset="-127"/>
+                  <a:cs typeface="Times New Roman" panose="02020603050405020304" pitchFamily="18" charset="0"/>
+                </a:rPr>
+                <a:t>Workshop</a:t>
+              </a:r>
+              <a:endParaRPr kumimoji="0" lang="en-US" altLang="ko-KR" sz="1800" b="0" i="0" u="none" strike="noStrike" cap="none" normalizeH="0" baseline="0" smtClean="0">
+                <a:ln>
+                  <a:noFill/>
+                </a:ln>
+                <a:solidFill>
+                  <a:schemeClr val="tx1"/>
+                </a:solidFill>
+                <a:effectLst/>
+                <a:latin typeface="Arial" panose="020B0604020202020204" pitchFamily="34" charset="0"/>
+              </a:endParaRPr>
+            </a:p>
+          </p:txBody>
+        </p:sp>
+        <p:sp>
+          <p:nvSpPr>
+            <p:cNvPr id="7" name="Text Box 86"/>
+            <p:cNvSpPr txBox="1">
+              <a:spLocks noChangeArrowheads="1"/>
+            </p:cNvSpPr>
+            <p:nvPr/>
+          </p:nvSpPr>
+          <p:spPr bwMode="auto">
+            <a:xfrm>
+              <a:off x="4092" y="6732"/>
+              <a:ext cx="1800" cy="985"/>
+            </a:xfrm>
+            <a:prstGeom prst="rect">
+              <a:avLst/>
+            </a:prstGeom>
+            <a:noFill/>
+            <a:ln>
+              <a:noFill/>
+            </a:ln>
+            <a:extLst>
+              <a:ext uri="{909E8E84-426E-40DD-AFC4-6F175D3DCCD1}">
+                <a14:hiddenFill xmlns:a14="http://schemas.microsoft.com/office/drawing/2010/main">
+                  <a:solidFill>
+                    <a:srgbClr val="FFFFFF"/>
+                  </a:solidFill>
+                </a14:hiddenFill>
+              </a:ext>
+              <a:ext uri="{91240B29-F687-4F45-9708-019B960494DF}">
+                <a14:hiddenLine xmlns:a14="http://schemas.microsoft.com/office/drawing/2010/main" w="9525">
+                  <a:solidFill>
+                    <a:srgbClr val="000000"/>
+                  </a:solidFill>
+                  <a:miter lim="800000"/>
+                  <a:headEnd/>
+                  <a:tailEnd/>
+                </a14:hiddenLine>
+              </a:ext>
+            </a:extLst>
+          </p:spPr>
+          <p:txBody>
+            <a:bodyPr vert="horz" wrap="square" lIns="91440" tIns="45720" rIns="91440" bIns="45720" numCol="1" anchor="t" anchorCtr="0" compatLnSpc="1">
+              <a:prstTxWarp prst="textNoShape">
+                <a:avLst/>
+              </a:prstTxWarp>
+            </a:bodyPr>
+            <a:lstStyle/>
+            <a:p>
+              <a:pPr marL="0" marR="0" lvl="0" indent="0" algn="l" defTabSz="914400" rtl="0" eaLnBrk="0" fontAlgn="base" latinLnBrk="0" hangingPunct="0">
+                <a:lnSpc>
+                  <a:spcPct val="100000"/>
+                </a:lnSpc>
+                <a:spcBef>
+                  <a:spcPct val="0"/>
+                </a:spcBef>
+                <a:spcAft>
+                  <a:spcPct val="0"/>
+                </a:spcAft>
+                <a:buClrTx/>
+                <a:buSzTx/>
+                <a:buFontTx/>
+                <a:buNone/>
+                <a:tabLst/>
+              </a:pPr>
+              <a:r>
+                <a:rPr kumimoji="0" lang="en-GB" altLang="ko-KR" sz="800" b="0" i="0" u="none" strike="noStrike" cap="none" normalizeH="0" baseline="0" dirty="0" smtClean="0">
+                  <a:ln>
+                    <a:noFill/>
+                  </a:ln>
+                  <a:solidFill>
+                    <a:schemeClr val="tx1"/>
+                  </a:solidFill>
+                  <a:effectLst/>
+                  <a:latin typeface="Times New Roman" panose="02020603050405020304" pitchFamily="18" charset="0"/>
+                  <a:ea typeface="맑은 고딕" panose="020B0503020000020004" pitchFamily="50" charset="-127"/>
+                  <a:cs typeface="Times New Roman" panose="02020603050405020304" pitchFamily="18" charset="0"/>
+                </a:rPr>
+                <a:t>Story cards are prioritized according </a:t>
+              </a:r>
+              <a:endParaRPr kumimoji="0" lang="en-GB" altLang="ko-KR" sz="600" b="0" i="0" u="none" strike="noStrike" cap="none" normalizeH="0" baseline="0" dirty="0" smtClean="0">
+                <a:ln>
+                  <a:noFill/>
+                </a:ln>
+                <a:solidFill>
+                  <a:schemeClr val="tx1"/>
+                </a:solidFill>
+                <a:effectLst/>
+              </a:endParaRPr>
+            </a:p>
+            <a:p>
+              <a:pPr marL="0" marR="0" lvl="0" indent="0" algn="l" defTabSz="914400" rtl="0" eaLnBrk="0" fontAlgn="base" latinLnBrk="0" hangingPunct="0">
+                <a:lnSpc>
+                  <a:spcPct val="100000"/>
+                </a:lnSpc>
+                <a:spcBef>
+                  <a:spcPct val="0"/>
+                </a:spcBef>
+                <a:spcAft>
+                  <a:spcPct val="0"/>
+                </a:spcAft>
+                <a:buClrTx/>
+                <a:buSzTx/>
+                <a:buFontTx/>
+                <a:buNone/>
+                <a:tabLst/>
+              </a:pPr>
+              <a:r>
+                <a:rPr kumimoji="0" lang="en-GB" altLang="ko-KR" sz="800" b="0" i="0" u="none" strike="noStrike" cap="none" normalizeH="0" baseline="0" dirty="0" smtClean="0">
+                  <a:ln>
+                    <a:noFill/>
+                  </a:ln>
+                  <a:solidFill>
+                    <a:schemeClr val="tx1"/>
+                  </a:solidFill>
+                  <a:effectLst/>
+                  <a:latin typeface="Times New Roman" panose="02020603050405020304" pitchFamily="18" charset="0"/>
+                  <a:ea typeface="맑은 고딕" panose="020B0503020000020004" pitchFamily="50" charset="-127"/>
+                  <a:cs typeface="Times New Roman" panose="02020603050405020304" pitchFamily="18" charset="0"/>
+                </a:rPr>
+                <a:t>to dependencies, risks and client constraints</a:t>
+              </a:r>
+              <a:endParaRPr kumimoji="0" lang="en-GB" altLang="ko-KR" sz="1800" b="0" i="0" u="none" strike="noStrike" cap="none" normalizeH="0" baseline="0" dirty="0" smtClean="0">
+                <a:ln>
+                  <a:noFill/>
+                </a:ln>
+                <a:solidFill>
+                  <a:schemeClr val="tx1"/>
+                </a:solidFill>
+                <a:effectLst/>
+                <a:latin typeface="Arial" panose="020B0604020202020204" pitchFamily="34" charset="0"/>
+              </a:endParaRPr>
+            </a:p>
+          </p:txBody>
+        </p:sp>
+        <p:sp>
+          <p:nvSpPr>
+            <p:cNvPr id="8" name="Text Box 85"/>
+            <p:cNvSpPr txBox="1">
+              <a:spLocks noChangeArrowheads="1"/>
+            </p:cNvSpPr>
+            <p:nvPr/>
+          </p:nvSpPr>
+          <p:spPr bwMode="auto">
+            <a:xfrm>
+              <a:off x="8637" y="3747"/>
+              <a:ext cx="1260" cy="720"/>
+            </a:xfrm>
+            <a:prstGeom prst="rect">
+              <a:avLst/>
+            </a:prstGeom>
+            <a:noFill/>
+            <a:ln>
+              <a:noFill/>
+            </a:ln>
+            <a:extLst>
+              <a:ext uri="{909E8E84-426E-40DD-AFC4-6F175D3DCCD1}">
+                <a14:hiddenFill xmlns:a14="http://schemas.microsoft.com/office/drawing/2010/main">
+                  <a:solidFill>
+                    <a:srgbClr val="FFFFFF"/>
+                  </a:solidFill>
+                </a14:hiddenFill>
+              </a:ext>
+              <a:ext uri="{91240B29-F687-4F45-9708-019B960494DF}">
+                <a14:hiddenLine xmlns:a14="http://schemas.microsoft.com/office/drawing/2010/main" w="9525">
+                  <a:solidFill>
+                    <a:srgbClr val="000000"/>
+                  </a:solidFill>
+                  <a:miter lim="800000"/>
+                  <a:headEnd/>
+                  <a:tailEnd/>
+                </a14:hiddenLine>
+              </a:ext>
+            </a:extLst>
+          </p:spPr>
+          <p:txBody>
+            <a:bodyPr vert="horz" wrap="square" lIns="91440" tIns="45720" rIns="91440" bIns="45720" numCol="1" anchor="t" anchorCtr="0" compatLnSpc="1">
+              <a:prstTxWarp prst="textNoShape">
+                <a:avLst/>
+              </a:prstTxWarp>
+            </a:bodyPr>
+            <a:lstStyle/>
+            <a:p>
+              <a:pPr marL="0" marR="0" lvl="0" indent="0" algn="l" defTabSz="914400" rtl="0" eaLnBrk="0" fontAlgn="base" latinLnBrk="0" hangingPunct="0">
+                <a:lnSpc>
+                  <a:spcPct val="100000"/>
+                </a:lnSpc>
+                <a:spcBef>
+                  <a:spcPct val="0"/>
+                </a:spcBef>
+                <a:spcAft>
+                  <a:spcPct val="0"/>
+                </a:spcAft>
+                <a:buClrTx/>
+                <a:buSzTx/>
+                <a:buFontTx/>
+                <a:buNone/>
+                <a:tabLst/>
+              </a:pPr>
+              <a:r>
+                <a:rPr kumimoji="0" lang="en-US" altLang="ko-KR" sz="800" b="0" i="0" u="none" strike="noStrike" cap="none" normalizeH="0" baseline="0" smtClean="0">
+                  <a:ln>
+                    <a:noFill/>
+                  </a:ln>
+                  <a:solidFill>
+                    <a:schemeClr val="tx1"/>
+                  </a:solidFill>
+                  <a:effectLst/>
+                  <a:latin typeface="Times New Roman" panose="02020603050405020304" pitchFamily="18" charset="0"/>
+                  <a:ea typeface="맑은 고딕" panose="020B0503020000020004" pitchFamily="50" charset="-127"/>
+                  <a:cs typeface="Times New Roman" panose="02020603050405020304" pitchFamily="18" charset="0"/>
+                </a:rPr>
+                <a:t>Daily stand-up meetings</a:t>
+              </a:r>
+              <a:endParaRPr kumimoji="0" lang="en-US" altLang="ko-KR" sz="1800" b="0" i="0" u="none" strike="noStrike" cap="none" normalizeH="0" baseline="0" smtClean="0">
+                <a:ln>
+                  <a:noFill/>
+                </a:ln>
+                <a:solidFill>
+                  <a:schemeClr val="tx1"/>
+                </a:solidFill>
+                <a:effectLst/>
+                <a:latin typeface="Arial" panose="020B0604020202020204" pitchFamily="34" charset="0"/>
+              </a:endParaRPr>
+            </a:p>
+          </p:txBody>
+        </p:sp>
+        <p:sp>
+          <p:nvSpPr>
+            <p:cNvPr id="9" name="Text Box 84"/>
+            <p:cNvSpPr txBox="1">
+              <a:spLocks noChangeArrowheads="1"/>
+            </p:cNvSpPr>
+            <p:nvPr/>
+          </p:nvSpPr>
+          <p:spPr bwMode="auto">
+            <a:xfrm>
+              <a:off x="7677" y="4572"/>
+              <a:ext cx="1260" cy="1170"/>
+            </a:xfrm>
+            <a:prstGeom prst="rect">
+              <a:avLst/>
+            </a:prstGeom>
+            <a:noFill/>
+            <a:ln>
+              <a:noFill/>
+            </a:ln>
+            <a:extLst>
+              <a:ext uri="{909E8E84-426E-40DD-AFC4-6F175D3DCCD1}">
+                <a14:hiddenFill xmlns:a14="http://schemas.microsoft.com/office/drawing/2010/main">
+                  <a:solidFill>
+                    <a:srgbClr val="FFFFFF"/>
+                  </a:solidFill>
+                </a14:hiddenFill>
+              </a:ext>
+              <a:ext uri="{91240B29-F687-4F45-9708-019B960494DF}">
+                <a14:hiddenLine xmlns:a14="http://schemas.microsoft.com/office/drawing/2010/main" w="9525">
+                  <a:solidFill>
+                    <a:srgbClr val="000000"/>
+                  </a:solidFill>
+                  <a:miter lim="800000"/>
+                  <a:headEnd/>
+                  <a:tailEnd/>
+                </a14:hiddenLine>
+              </a:ext>
+            </a:extLst>
+          </p:spPr>
+          <p:txBody>
+            <a:bodyPr vert="horz" wrap="square" lIns="91440" tIns="45720" rIns="91440" bIns="45720" numCol="1" anchor="t" anchorCtr="0" compatLnSpc="1">
+              <a:prstTxWarp prst="textNoShape">
+                <a:avLst/>
+              </a:prstTxWarp>
+            </a:bodyPr>
+            <a:lstStyle/>
+            <a:p>
+              <a:pPr marL="0" marR="0" lvl="0" indent="0" algn="ctr" defTabSz="914400" rtl="0" eaLnBrk="0" fontAlgn="base" latinLnBrk="0" hangingPunct="0">
+                <a:lnSpc>
+                  <a:spcPct val="100000"/>
+                </a:lnSpc>
+                <a:spcBef>
+                  <a:spcPct val="0"/>
+                </a:spcBef>
+                <a:spcAft>
+                  <a:spcPct val="0"/>
+                </a:spcAft>
+                <a:buClrTx/>
+                <a:buSzTx/>
+                <a:buFontTx/>
+                <a:buNone/>
+                <a:tabLst/>
+              </a:pPr>
+              <a:r>
+                <a:rPr kumimoji="0" lang="en-US" altLang="ko-KR" sz="800" b="0" i="0" u="none" strike="noStrike" cap="none" normalizeH="0" baseline="0" smtClean="0">
+                  <a:ln>
+                    <a:noFill/>
+                  </a:ln>
+                  <a:solidFill>
+                    <a:schemeClr val="tx1"/>
+                  </a:solidFill>
+                  <a:effectLst/>
+                  <a:latin typeface="Times New Roman" panose="02020603050405020304" pitchFamily="18" charset="0"/>
+                  <a:ea typeface="맑은 고딕" panose="020B0503020000020004" pitchFamily="50" charset="-127"/>
+                  <a:cs typeface="Times New Roman" panose="02020603050405020304" pitchFamily="18" charset="0"/>
+                </a:rPr>
+                <a:t>Variable Timebox </a:t>
+              </a:r>
+              <a:endParaRPr kumimoji="0" lang="en-US" altLang="ko-KR" sz="600" b="0" i="0" u="none" strike="noStrike" cap="none" normalizeH="0" baseline="0" smtClean="0">
+                <a:ln>
+                  <a:noFill/>
+                </a:ln>
+                <a:solidFill>
+                  <a:schemeClr val="tx1"/>
+                </a:solidFill>
+                <a:effectLst/>
+              </a:endParaRPr>
+            </a:p>
+            <a:p>
+              <a:pPr marL="0" marR="0" lvl="0" indent="0" algn="ctr" defTabSz="914400" rtl="0" eaLnBrk="0" fontAlgn="base" latinLnBrk="0" hangingPunct="0">
+                <a:lnSpc>
+                  <a:spcPct val="100000"/>
+                </a:lnSpc>
+                <a:spcBef>
+                  <a:spcPct val="0"/>
+                </a:spcBef>
+                <a:spcAft>
+                  <a:spcPct val="0"/>
+                </a:spcAft>
+                <a:buClrTx/>
+                <a:buSzTx/>
+                <a:buFontTx/>
+                <a:buNone/>
+                <a:tabLst/>
+              </a:pPr>
+              <a:r>
+                <a:rPr kumimoji="0" lang="en-US" altLang="ko-KR" sz="800" b="0" i="0" u="none" strike="noStrike" cap="none" normalizeH="0" baseline="0" smtClean="0">
+                  <a:ln>
+                    <a:noFill/>
+                  </a:ln>
+                  <a:solidFill>
+                    <a:schemeClr val="tx1"/>
+                  </a:solidFill>
+                  <a:effectLst/>
+                  <a:latin typeface="Times New Roman" panose="02020603050405020304" pitchFamily="18" charset="0"/>
+                  <a:ea typeface="맑은 고딕" panose="020B0503020000020004" pitchFamily="50" charset="-127"/>
+                  <a:cs typeface="Times New Roman" panose="02020603050405020304" pitchFamily="18" charset="0"/>
+                </a:rPr>
+                <a:t>(2-4 weeks)</a:t>
+              </a:r>
+              <a:endParaRPr kumimoji="0" lang="en-US" altLang="ko-KR" sz="600" b="0" i="0" u="none" strike="noStrike" cap="none" normalizeH="0" baseline="0" smtClean="0">
+                <a:ln>
+                  <a:noFill/>
+                </a:ln>
+                <a:solidFill>
+                  <a:schemeClr val="tx1"/>
+                </a:solidFill>
+                <a:effectLst/>
+              </a:endParaRPr>
+            </a:p>
+            <a:p>
+              <a:pPr marL="0" marR="0" lvl="0" indent="0" algn="l" defTabSz="914400" rtl="0" eaLnBrk="0" fontAlgn="base" latinLnBrk="0" hangingPunct="0">
+                <a:lnSpc>
+                  <a:spcPct val="100000"/>
+                </a:lnSpc>
+                <a:spcBef>
+                  <a:spcPct val="0"/>
+                </a:spcBef>
+                <a:spcAft>
+                  <a:spcPct val="0"/>
+                </a:spcAft>
+                <a:buClrTx/>
+                <a:buSzTx/>
+                <a:buFontTx/>
+                <a:buNone/>
+                <a:tabLst/>
+              </a:pPr>
+              <a:r>
+                <a:rPr kumimoji="0" lang="en-US" altLang="ko-KR" sz="800" b="0" i="0" u="none" strike="noStrike" cap="none" normalizeH="0" baseline="0" smtClean="0">
+                  <a:ln>
+                    <a:noFill/>
+                  </a:ln>
+                  <a:solidFill>
+                    <a:schemeClr val="tx1"/>
+                  </a:solidFill>
+                  <a:effectLst/>
+                  <a:latin typeface="Times New Roman" panose="02020603050405020304" pitchFamily="18" charset="0"/>
+                  <a:ea typeface="맑은 고딕" panose="020B0503020000020004" pitchFamily="50" charset="-127"/>
+                  <a:cs typeface="Times New Roman" panose="02020603050405020304" pitchFamily="18" charset="0"/>
+                </a:rPr>
+                <a:t>Code and test </a:t>
+              </a:r>
+              <a:endParaRPr kumimoji="0" lang="en-US" altLang="ko-KR" sz="600" b="0" i="0" u="none" strike="noStrike" cap="none" normalizeH="0" baseline="0" smtClean="0">
+                <a:ln>
+                  <a:noFill/>
+                </a:ln>
+                <a:solidFill>
+                  <a:schemeClr val="tx1"/>
+                </a:solidFill>
+                <a:effectLst/>
+              </a:endParaRPr>
+            </a:p>
+            <a:p>
+              <a:pPr marL="0" marR="0" lvl="0" indent="0" algn="l" defTabSz="914400" rtl="0" eaLnBrk="0" fontAlgn="base" latinLnBrk="0" hangingPunct="0">
+                <a:lnSpc>
+                  <a:spcPct val="100000"/>
+                </a:lnSpc>
+                <a:spcBef>
+                  <a:spcPct val="0"/>
+                </a:spcBef>
+                <a:spcAft>
+                  <a:spcPct val="0"/>
+                </a:spcAft>
+                <a:buClrTx/>
+                <a:buSzTx/>
+                <a:buFontTx/>
+                <a:buNone/>
+                <a:tabLst/>
+              </a:pPr>
+              <a:endParaRPr kumimoji="0" lang="en-US" altLang="ko-KR" sz="1800" b="0" i="0" u="none" strike="noStrike" cap="none" normalizeH="0" baseline="0" smtClean="0">
+                <a:ln>
+                  <a:noFill/>
+                </a:ln>
+                <a:solidFill>
+                  <a:schemeClr val="tx1"/>
+                </a:solidFill>
+                <a:effectLst/>
+                <a:latin typeface="Arial" panose="020B0604020202020204" pitchFamily="34" charset="0"/>
+              </a:endParaRPr>
+            </a:p>
+          </p:txBody>
+        </p:sp>
+        <p:sp>
+          <p:nvSpPr>
+            <p:cNvPr id="10" name="AutoShape 83"/>
+            <p:cNvSpPr>
+              <a:spLocks noChangeArrowheads="1"/>
+            </p:cNvSpPr>
+            <p:nvPr/>
+          </p:nvSpPr>
+          <p:spPr bwMode="auto">
+            <a:xfrm>
+              <a:off x="3147" y="6372"/>
+              <a:ext cx="482" cy="369"/>
+            </a:xfrm>
+            <a:prstGeom prst="foldedCorner">
+              <a:avLst>
+                <a:gd name="adj" fmla="val 12500"/>
+              </a:avLst>
+            </a:prstGeom>
+            <a:solidFill>
+              <a:srgbClr val="FFFFFF"/>
+            </a:solidFill>
+            <a:ln w="9525">
+              <a:solidFill>
+                <a:srgbClr val="000000"/>
+              </a:solidFill>
+              <a:round/>
+              <a:headEnd/>
+              <a:tailEnd/>
+            </a:ln>
+          </p:spPr>
+          <p:txBody>
+            <a:bodyPr vert="horz" wrap="square" lIns="91440" tIns="45720" rIns="91440" bIns="45720" numCol="1" anchor="t" anchorCtr="0" compatLnSpc="1">
+              <a:prstTxWarp prst="textNoShape">
+                <a:avLst/>
+              </a:prstTxWarp>
+            </a:bodyPr>
+            <a:lstStyle/>
+            <a:p>
+              <a:endParaRPr lang="ko-KR" altLang="en-US"/>
+            </a:p>
+          </p:txBody>
+        </p:sp>
+        <p:sp>
+          <p:nvSpPr>
+            <p:cNvPr id="11" name="AutoShape 82"/>
+            <p:cNvSpPr>
+              <a:spLocks noChangeArrowheads="1"/>
+            </p:cNvSpPr>
+            <p:nvPr/>
+          </p:nvSpPr>
+          <p:spPr bwMode="auto">
+            <a:xfrm>
+              <a:off x="2607" y="6372"/>
+              <a:ext cx="482" cy="369"/>
+            </a:xfrm>
+            <a:prstGeom prst="foldedCorner">
+              <a:avLst>
+                <a:gd name="adj" fmla="val 12500"/>
+              </a:avLst>
+            </a:prstGeom>
+            <a:solidFill>
+              <a:srgbClr val="FFFFFF"/>
+            </a:solidFill>
+            <a:ln w="9525">
+              <a:solidFill>
+                <a:srgbClr val="000000"/>
+              </a:solidFill>
+              <a:round/>
+              <a:headEnd/>
+              <a:tailEnd/>
+            </a:ln>
+          </p:spPr>
+          <p:txBody>
+            <a:bodyPr vert="horz" wrap="square" lIns="91440" tIns="45720" rIns="91440" bIns="45720" numCol="1" anchor="t" anchorCtr="0" compatLnSpc="1">
+              <a:prstTxWarp prst="textNoShape">
+                <a:avLst/>
+              </a:prstTxWarp>
+            </a:bodyPr>
+            <a:lstStyle/>
+            <a:p>
+              <a:endParaRPr lang="ko-KR" altLang="en-US"/>
+            </a:p>
+          </p:txBody>
+        </p:sp>
+        <p:sp>
+          <p:nvSpPr>
+            <p:cNvPr id="12" name="AutoShape 81"/>
+            <p:cNvSpPr>
+              <a:spLocks noChangeArrowheads="1"/>
+            </p:cNvSpPr>
+            <p:nvPr/>
+          </p:nvSpPr>
+          <p:spPr bwMode="auto">
+            <a:xfrm>
+              <a:off x="2607" y="4752"/>
+              <a:ext cx="482" cy="369"/>
+            </a:xfrm>
+            <a:prstGeom prst="foldedCorner">
+              <a:avLst>
+                <a:gd name="adj" fmla="val 12500"/>
+              </a:avLst>
+            </a:prstGeom>
+            <a:solidFill>
+              <a:srgbClr val="FFFFFF"/>
+            </a:solidFill>
+            <a:ln w="9525">
+              <a:solidFill>
+                <a:srgbClr val="000000"/>
+              </a:solidFill>
+              <a:round/>
+              <a:headEnd/>
+              <a:tailEnd/>
+            </a:ln>
+          </p:spPr>
+          <p:txBody>
+            <a:bodyPr vert="horz" wrap="square" lIns="91440" tIns="45720" rIns="91440" bIns="45720" numCol="1" anchor="t" anchorCtr="0" compatLnSpc="1">
+              <a:prstTxWarp prst="textNoShape">
+                <a:avLst/>
+              </a:prstTxWarp>
+            </a:bodyPr>
+            <a:lstStyle/>
+            <a:p>
+              <a:endParaRPr lang="ko-KR" altLang="en-US"/>
+            </a:p>
+          </p:txBody>
+        </p:sp>
+        <p:sp>
+          <p:nvSpPr>
+            <p:cNvPr id="13" name="AutoShape 80"/>
+            <p:cNvSpPr>
+              <a:spLocks noChangeArrowheads="1"/>
+            </p:cNvSpPr>
+            <p:nvPr/>
+          </p:nvSpPr>
+          <p:spPr bwMode="auto">
+            <a:xfrm>
+              <a:off x="3147" y="5292"/>
+              <a:ext cx="482" cy="369"/>
+            </a:xfrm>
+            <a:prstGeom prst="foldedCorner">
+              <a:avLst>
+                <a:gd name="adj" fmla="val 12500"/>
+              </a:avLst>
+            </a:prstGeom>
+            <a:solidFill>
+              <a:srgbClr val="FFFFFF"/>
+            </a:solidFill>
+            <a:ln w="9525">
+              <a:solidFill>
+                <a:srgbClr val="000000"/>
+              </a:solidFill>
+              <a:round/>
+              <a:headEnd/>
+              <a:tailEnd/>
+            </a:ln>
+          </p:spPr>
+          <p:txBody>
+            <a:bodyPr vert="horz" wrap="square" lIns="91440" tIns="45720" rIns="91440" bIns="45720" numCol="1" anchor="t" anchorCtr="0" compatLnSpc="1">
+              <a:prstTxWarp prst="textNoShape">
+                <a:avLst/>
+              </a:prstTxWarp>
+            </a:bodyPr>
+            <a:lstStyle/>
+            <a:p>
+              <a:endParaRPr lang="ko-KR" altLang="en-US"/>
+            </a:p>
+          </p:txBody>
+        </p:sp>
+        <p:sp>
+          <p:nvSpPr>
+            <p:cNvPr id="14" name="AutoShape 79"/>
+            <p:cNvSpPr>
+              <a:spLocks noChangeArrowheads="1"/>
+            </p:cNvSpPr>
+            <p:nvPr/>
+          </p:nvSpPr>
+          <p:spPr bwMode="auto">
+            <a:xfrm>
+              <a:off x="5037" y="5112"/>
+              <a:ext cx="482" cy="369"/>
+            </a:xfrm>
+            <a:prstGeom prst="foldedCorner">
+              <a:avLst>
+                <a:gd name="adj" fmla="val 12500"/>
+              </a:avLst>
+            </a:prstGeom>
+            <a:solidFill>
+              <a:srgbClr val="FFFFFF"/>
+            </a:solidFill>
+            <a:ln w="9525">
+              <a:solidFill>
+                <a:srgbClr val="000000"/>
+              </a:solidFill>
+              <a:round/>
+              <a:headEnd/>
+              <a:tailEnd/>
+            </a:ln>
+          </p:spPr>
+          <p:txBody>
+            <a:bodyPr vert="horz" wrap="square" lIns="91440" tIns="45720" rIns="91440" bIns="45720" numCol="1" anchor="t" anchorCtr="0" compatLnSpc="1">
+              <a:prstTxWarp prst="textNoShape">
+                <a:avLst/>
+              </a:prstTxWarp>
+            </a:bodyPr>
+            <a:lstStyle/>
+            <a:p>
+              <a:endParaRPr lang="ko-KR" altLang="en-US"/>
+            </a:p>
+          </p:txBody>
+        </p:sp>
+        <p:sp>
+          <p:nvSpPr>
+            <p:cNvPr id="15" name="AutoShape 78"/>
+            <p:cNvSpPr>
+              <a:spLocks noChangeArrowheads="1"/>
+            </p:cNvSpPr>
+            <p:nvPr/>
+          </p:nvSpPr>
+          <p:spPr bwMode="auto">
+            <a:xfrm>
+              <a:off x="4962" y="5187"/>
+              <a:ext cx="482" cy="369"/>
+            </a:xfrm>
+            <a:prstGeom prst="foldedCorner">
+              <a:avLst>
+                <a:gd name="adj" fmla="val 12500"/>
+              </a:avLst>
+            </a:prstGeom>
+            <a:solidFill>
+              <a:srgbClr val="FFFFFF"/>
+            </a:solidFill>
+            <a:ln w="9525">
+              <a:solidFill>
+                <a:srgbClr val="000000"/>
+              </a:solidFill>
+              <a:round/>
+              <a:headEnd/>
+              <a:tailEnd/>
+            </a:ln>
+          </p:spPr>
+          <p:txBody>
+            <a:bodyPr vert="horz" wrap="square" lIns="91440" tIns="45720" rIns="91440" bIns="45720" numCol="1" anchor="t" anchorCtr="0" compatLnSpc="1">
+              <a:prstTxWarp prst="textNoShape">
+                <a:avLst/>
+              </a:prstTxWarp>
+            </a:bodyPr>
+            <a:lstStyle/>
+            <a:p>
+              <a:endParaRPr lang="ko-KR" altLang="en-US"/>
+            </a:p>
+          </p:txBody>
+        </p:sp>
+        <p:sp>
+          <p:nvSpPr>
+            <p:cNvPr id="16" name="Line 77"/>
+            <p:cNvSpPr>
+              <a:spLocks noChangeShapeType="1"/>
+            </p:cNvSpPr>
+            <p:nvPr/>
+          </p:nvSpPr>
+          <p:spPr bwMode="auto">
+            <a:xfrm flipV="1">
+              <a:off x="2427" y="5112"/>
+              <a:ext cx="900" cy="900"/>
+            </a:xfrm>
+            <a:prstGeom prst="line">
+              <a:avLst/>
+            </a:prstGeom>
+            <a:noFill/>
+            <a:ln w="9525">
+              <a:solidFill>
+                <a:srgbClr val="000000"/>
+              </a:solidFill>
+              <a:round/>
+              <a:headEnd/>
+              <a:tailEnd type="triangle" w="med" len="med"/>
+            </a:ln>
+            <a:extLst>
+              <a:ext uri="{909E8E84-426E-40DD-AFC4-6F175D3DCCD1}">
+                <a14:hiddenFill xmlns:a14="http://schemas.microsoft.com/office/drawing/2010/main">
+                  <a:noFill/>
+                </a14:hiddenFill>
+              </a:ext>
+            </a:extLst>
+          </p:spPr>
+          <p:txBody>
+            <a:bodyPr vert="horz" wrap="square" lIns="91440" tIns="45720" rIns="91440" bIns="45720" numCol="1" anchor="t" anchorCtr="0" compatLnSpc="1">
+              <a:prstTxWarp prst="textNoShape">
+                <a:avLst/>
+              </a:prstTxWarp>
+            </a:bodyPr>
+            <a:lstStyle/>
+            <a:p>
+              <a:endParaRPr lang="ko-KR" altLang="en-US"/>
+            </a:p>
+          </p:txBody>
+        </p:sp>
+        <p:sp>
+          <p:nvSpPr>
+            <p:cNvPr id="17" name="Line 76"/>
+            <p:cNvSpPr>
+              <a:spLocks noChangeShapeType="1"/>
+            </p:cNvSpPr>
+            <p:nvPr/>
+          </p:nvSpPr>
+          <p:spPr bwMode="auto">
+            <a:xfrm>
+              <a:off x="2427" y="6012"/>
+              <a:ext cx="720" cy="1"/>
+            </a:xfrm>
+            <a:prstGeom prst="line">
+              <a:avLst/>
+            </a:prstGeom>
+            <a:noFill/>
+            <a:ln w="9525">
+              <a:solidFill>
+                <a:srgbClr val="000000"/>
+              </a:solidFill>
+              <a:round/>
+              <a:headEnd/>
+              <a:tailEnd type="triangle" w="med" len="med"/>
+            </a:ln>
+            <a:extLst>
+              <a:ext uri="{909E8E84-426E-40DD-AFC4-6F175D3DCCD1}">
+                <a14:hiddenFill xmlns:a14="http://schemas.microsoft.com/office/drawing/2010/main">
+                  <a:noFill/>
+                </a14:hiddenFill>
+              </a:ext>
+            </a:extLst>
+          </p:spPr>
+          <p:txBody>
+            <a:bodyPr vert="horz" wrap="square" lIns="91440" tIns="45720" rIns="91440" bIns="45720" numCol="1" anchor="t" anchorCtr="0" compatLnSpc="1">
+              <a:prstTxWarp prst="textNoShape">
+                <a:avLst/>
+              </a:prstTxWarp>
+            </a:bodyPr>
+            <a:lstStyle/>
+            <a:p>
+              <a:endParaRPr lang="ko-KR" altLang="en-US"/>
+            </a:p>
+          </p:txBody>
+        </p:sp>
+        <p:sp>
+          <p:nvSpPr>
+            <p:cNvPr id="18" name="Line 75"/>
+            <p:cNvSpPr>
+              <a:spLocks noChangeShapeType="1"/>
+            </p:cNvSpPr>
+            <p:nvPr/>
+          </p:nvSpPr>
+          <p:spPr bwMode="auto">
+            <a:xfrm>
+              <a:off x="2427" y="6012"/>
+              <a:ext cx="720" cy="360"/>
+            </a:xfrm>
+            <a:prstGeom prst="line">
+              <a:avLst/>
+            </a:prstGeom>
+            <a:noFill/>
+            <a:ln w="9525">
+              <a:solidFill>
+                <a:srgbClr val="000000"/>
+              </a:solidFill>
+              <a:round/>
+              <a:headEnd/>
+              <a:tailEnd type="triangle" w="med" len="med"/>
+            </a:ln>
+            <a:extLst>
+              <a:ext uri="{909E8E84-426E-40DD-AFC4-6F175D3DCCD1}">
+                <a14:hiddenFill xmlns:a14="http://schemas.microsoft.com/office/drawing/2010/main">
+                  <a:noFill/>
+                </a14:hiddenFill>
+              </a:ext>
+            </a:extLst>
+          </p:spPr>
+          <p:txBody>
+            <a:bodyPr vert="horz" wrap="square" lIns="91440" tIns="45720" rIns="91440" bIns="45720" numCol="1" anchor="t" anchorCtr="0" compatLnSpc="1">
+              <a:prstTxWarp prst="textNoShape">
+                <a:avLst/>
+              </a:prstTxWarp>
+            </a:bodyPr>
+            <a:lstStyle/>
+            <a:p>
+              <a:endParaRPr lang="ko-KR" altLang="en-US"/>
+            </a:p>
+          </p:txBody>
+        </p:sp>
+        <p:sp>
+          <p:nvSpPr>
+            <p:cNvPr id="19" name="Line 74"/>
+            <p:cNvSpPr>
+              <a:spLocks noChangeShapeType="1"/>
+            </p:cNvSpPr>
+            <p:nvPr/>
+          </p:nvSpPr>
+          <p:spPr bwMode="auto">
+            <a:xfrm>
+              <a:off x="2427" y="6012"/>
+              <a:ext cx="360" cy="360"/>
+            </a:xfrm>
+            <a:prstGeom prst="line">
+              <a:avLst/>
+            </a:prstGeom>
+            <a:noFill/>
+            <a:ln w="9525">
+              <a:solidFill>
+                <a:srgbClr val="000000"/>
+              </a:solidFill>
+              <a:round/>
+              <a:headEnd/>
+              <a:tailEnd type="triangle" w="med" len="med"/>
+            </a:ln>
+            <a:extLst>
+              <a:ext uri="{909E8E84-426E-40DD-AFC4-6F175D3DCCD1}">
+                <a14:hiddenFill xmlns:a14="http://schemas.microsoft.com/office/drawing/2010/main">
+                  <a:noFill/>
+                </a14:hiddenFill>
+              </a:ext>
+            </a:extLst>
+          </p:spPr>
+          <p:txBody>
+            <a:bodyPr vert="horz" wrap="square" lIns="91440" tIns="45720" rIns="91440" bIns="45720" numCol="1" anchor="t" anchorCtr="0" compatLnSpc="1">
+              <a:prstTxWarp prst="textNoShape">
+                <a:avLst/>
+              </a:prstTxWarp>
+            </a:bodyPr>
+            <a:lstStyle/>
+            <a:p>
+              <a:endParaRPr lang="ko-KR" altLang="en-US"/>
+            </a:p>
+          </p:txBody>
+        </p:sp>
+        <p:pic>
+          <p:nvPicPr>
+            <p:cNvPr id="2121" name="Picture 73" descr="ac0038-48"/>
+            <p:cNvPicPr>
+              <a:picLocks noChangeAspect="1" noChangeArrowheads="1"/>
+            </p:cNvPicPr>
+            <p:nvPr/>
+          </p:nvPicPr>
+          <p:blipFill>
+            <a:blip r:embed="rId4">
+              <a:extLst>
+                <a:ext uri="{28A0092B-C50C-407E-A947-70E740481C1C}">
+                  <a14:useLocalDpi xmlns:a14="http://schemas.microsoft.com/office/drawing/2010/main" val="0"/>
+                </a:ext>
+              </a:extLst>
+            </a:blip>
+            <a:srcRect/>
+            <a:stretch>
+              <a:fillRect/>
+            </a:stretch>
+          </p:blipFill>
+          <p:spPr bwMode="auto">
+            <a:xfrm>
+              <a:off x="2142" y="5907"/>
+              <a:ext cx="360" cy="360"/>
+            </a:xfrm>
+            <a:prstGeom prst="rect">
+              <a:avLst/>
+            </a:prstGeom>
+            <a:noFill/>
+            <a:extLst>
+              <a:ext uri="{909E8E84-426E-40DD-AFC4-6F175D3DCCD1}">
+                <a14:hiddenFill xmlns:a14="http://schemas.microsoft.com/office/drawing/2010/main">
+                  <a:solidFill>
+                    <a:srgbClr val="FFFFFF"/>
+                  </a:solidFill>
+                </a14:hiddenFill>
+              </a:ext>
+            </a:extLst>
+          </p:spPr>
+        </p:pic>
+        <p:sp>
+          <p:nvSpPr>
+            <p:cNvPr id="20" name="Line 72"/>
+            <p:cNvSpPr>
+              <a:spLocks noChangeShapeType="1"/>
+            </p:cNvSpPr>
+            <p:nvPr/>
+          </p:nvSpPr>
+          <p:spPr bwMode="auto">
+            <a:xfrm flipV="1">
+              <a:off x="2427" y="5472"/>
+              <a:ext cx="720" cy="540"/>
+            </a:xfrm>
+            <a:prstGeom prst="line">
+              <a:avLst/>
+            </a:prstGeom>
+            <a:noFill/>
+            <a:ln w="9525">
+              <a:solidFill>
+                <a:srgbClr val="000000"/>
+              </a:solidFill>
+              <a:round/>
+              <a:headEnd/>
+              <a:tailEnd type="triangle" w="med" len="med"/>
+            </a:ln>
+            <a:extLst>
+              <a:ext uri="{909E8E84-426E-40DD-AFC4-6F175D3DCCD1}">
+                <a14:hiddenFill xmlns:a14="http://schemas.microsoft.com/office/drawing/2010/main">
+                  <a:noFill/>
+                </a14:hiddenFill>
+              </a:ext>
+            </a:extLst>
+          </p:spPr>
+          <p:txBody>
+            <a:bodyPr vert="horz" wrap="square" lIns="91440" tIns="45720" rIns="91440" bIns="45720" numCol="1" anchor="t" anchorCtr="0" compatLnSpc="1">
+              <a:prstTxWarp prst="textNoShape">
+                <a:avLst/>
+              </a:prstTxWarp>
+            </a:bodyPr>
+            <a:lstStyle/>
+            <a:p>
+              <a:endParaRPr lang="ko-KR" altLang="en-US"/>
+            </a:p>
+          </p:txBody>
+        </p:sp>
+        <p:sp>
+          <p:nvSpPr>
+            <p:cNvPr id="21" name="AutoShape 71"/>
+            <p:cNvSpPr>
+              <a:spLocks noChangeArrowheads="1"/>
+            </p:cNvSpPr>
+            <p:nvPr/>
+          </p:nvSpPr>
+          <p:spPr bwMode="auto">
+            <a:xfrm>
+              <a:off x="3147" y="5832"/>
+              <a:ext cx="482" cy="369"/>
+            </a:xfrm>
+            <a:prstGeom prst="foldedCorner">
+              <a:avLst>
+                <a:gd name="adj" fmla="val 12500"/>
+              </a:avLst>
+            </a:prstGeom>
+            <a:solidFill>
+              <a:srgbClr val="FFFFFF"/>
+            </a:solidFill>
+            <a:ln w="9525">
+              <a:solidFill>
+                <a:srgbClr val="000000"/>
+              </a:solidFill>
+              <a:round/>
+              <a:headEnd/>
+              <a:tailEnd/>
+            </a:ln>
+          </p:spPr>
+          <p:txBody>
+            <a:bodyPr vert="horz" wrap="square" lIns="91440" tIns="45720" rIns="91440" bIns="45720" numCol="1" anchor="t" anchorCtr="0" compatLnSpc="1">
+              <a:prstTxWarp prst="textNoShape">
+                <a:avLst/>
+              </a:prstTxWarp>
+            </a:bodyPr>
+            <a:lstStyle/>
+            <a:p>
+              <a:endParaRPr lang="ko-KR" altLang="en-US"/>
+            </a:p>
+          </p:txBody>
+        </p:sp>
+        <p:sp>
+          <p:nvSpPr>
+            <p:cNvPr id="22" name="AutoShape 70"/>
+            <p:cNvSpPr>
+              <a:spLocks noChangeArrowheads="1"/>
+            </p:cNvSpPr>
+            <p:nvPr/>
+          </p:nvSpPr>
+          <p:spPr bwMode="auto">
+            <a:xfrm>
+              <a:off x="2472" y="4617"/>
+              <a:ext cx="1935" cy="2265"/>
+            </a:xfrm>
+            <a:prstGeom prst="rightArrowCallout">
+              <a:avLst>
+                <a:gd name="adj1" fmla="val 32504"/>
+                <a:gd name="adj2" fmla="val 23942"/>
+                <a:gd name="adj3" fmla="val 16639"/>
+                <a:gd name="adj4" fmla="val 65528"/>
+              </a:avLst>
+            </a:prstGeom>
+            <a:noFill/>
+            <a:ln w="9525">
+              <a:solidFill>
+                <a:srgbClr val="000000"/>
+              </a:solidFill>
+              <a:prstDash val="dash"/>
+              <a:miter lim="800000"/>
+              <a:headEnd/>
+              <a:tailEnd/>
+            </a:ln>
+            <a:extLst>
+              <a:ext uri="{909E8E84-426E-40DD-AFC4-6F175D3DCCD1}">
+                <a14:hiddenFill xmlns:a14="http://schemas.microsoft.com/office/drawing/2010/main">
+                  <a:solidFill>
+                    <a:srgbClr val="FFFFFF"/>
+                  </a:solidFill>
+                </a14:hiddenFill>
+              </a:ext>
+            </a:extLst>
+          </p:spPr>
+          <p:txBody>
+            <a:bodyPr vert="horz" wrap="square" lIns="91440" tIns="45720" rIns="91440" bIns="45720" numCol="1" anchor="t" anchorCtr="0" compatLnSpc="1">
+              <a:prstTxWarp prst="textNoShape">
+                <a:avLst/>
+              </a:prstTxWarp>
+            </a:bodyPr>
+            <a:lstStyle/>
+            <a:p>
+              <a:endParaRPr lang="ko-KR" altLang="en-US"/>
+            </a:p>
+          </p:txBody>
+        </p:sp>
+        <p:sp>
+          <p:nvSpPr>
+            <p:cNvPr id="23" name="AutoShape 69"/>
+            <p:cNvSpPr>
+              <a:spLocks noChangeArrowheads="1"/>
+            </p:cNvSpPr>
+            <p:nvPr/>
+          </p:nvSpPr>
+          <p:spPr bwMode="auto">
+            <a:xfrm>
+              <a:off x="4782" y="5502"/>
+              <a:ext cx="482" cy="369"/>
+            </a:xfrm>
+            <a:prstGeom prst="foldedCorner">
+              <a:avLst>
+                <a:gd name="adj" fmla="val 12500"/>
+              </a:avLst>
+            </a:prstGeom>
+            <a:solidFill>
+              <a:srgbClr val="FFFFFF"/>
+            </a:solidFill>
+            <a:ln w="9525">
+              <a:solidFill>
+                <a:srgbClr val="000000"/>
+              </a:solidFill>
+              <a:round/>
+              <a:headEnd/>
+              <a:tailEnd/>
+            </a:ln>
+          </p:spPr>
+          <p:txBody>
+            <a:bodyPr vert="horz" wrap="square" lIns="91440" tIns="45720" rIns="91440" bIns="45720" numCol="1" anchor="t" anchorCtr="0" compatLnSpc="1">
+              <a:prstTxWarp prst="textNoShape">
+                <a:avLst/>
+              </a:prstTxWarp>
+            </a:bodyPr>
+            <a:lstStyle/>
+            <a:p>
+              <a:endParaRPr lang="ko-KR" altLang="en-US"/>
+            </a:p>
+          </p:txBody>
+        </p:sp>
+        <p:sp>
+          <p:nvSpPr>
+            <p:cNvPr id="24" name="AutoShape 68"/>
+            <p:cNvSpPr>
+              <a:spLocks noChangeArrowheads="1"/>
+            </p:cNvSpPr>
+            <p:nvPr/>
+          </p:nvSpPr>
+          <p:spPr bwMode="auto">
+            <a:xfrm>
+              <a:off x="4707" y="5577"/>
+              <a:ext cx="482" cy="369"/>
+            </a:xfrm>
+            <a:prstGeom prst="foldedCorner">
+              <a:avLst>
+                <a:gd name="adj" fmla="val 12500"/>
+              </a:avLst>
+            </a:prstGeom>
+            <a:solidFill>
+              <a:srgbClr val="FFFFFF"/>
+            </a:solidFill>
+            <a:ln w="9525">
+              <a:solidFill>
+                <a:srgbClr val="000000"/>
+              </a:solidFill>
+              <a:round/>
+              <a:headEnd/>
+              <a:tailEnd/>
+            </a:ln>
+          </p:spPr>
+          <p:txBody>
+            <a:bodyPr vert="horz" wrap="square" lIns="91440" tIns="45720" rIns="91440" bIns="45720" numCol="1" anchor="t" anchorCtr="0" compatLnSpc="1">
+              <a:prstTxWarp prst="textNoShape">
+                <a:avLst/>
+              </a:prstTxWarp>
+            </a:bodyPr>
+            <a:lstStyle/>
+            <a:p>
+              <a:endParaRPr lang="ko-KR" altLang="en-US"/>
+            </a:p>
+          </p:txBody>
+        </p:sp>
+        <p:sp>
+          <p:nvSpPr>
+            <p:cNvPr id="25" name="AutoShape 67"/>
+            <p:cNvSpPr>
+              <a:spLocks noChangeArrowheads="1"/>
+            </p:cNvSpPr>
+            <p:nvPr/>
+          </p:nvSpPr>
+          <p:spPr bwMode="auto">
+            <a:xfrm>
+              <a:off x="4615" y="5652"/>
+              <a:ext cx="482" cy="369"/>
+            </a:xfrm>
+            <a:prstGeom prst="foldedCorner">
+              <a:avLst>
+                <a:gd name="adj" fmla="val 12500"/>
+              </a:avLst>
+            </a:prstGeom>
+            <a:solidFill>
+              <a:srgbClr val="FFFFFF"/>
+            </a:solidFill>
+            <a:ln w="9525">
+              <a:solidFill>
+                <a:srgbClr val="000000"/>
+              </a:solidFill>
+              <a:round/>
+              <a:headEnd/>
+              <a:tailEnd/>
+            </a:ln>
+          </p:spPr>
+          <p:txBody>
+            <a:bodyPr vert="horz" wrap="square" lIns="91440" tIns="45720" rIns="91440" bIns="45720" numCol="1" anchor="t" anchorCtr="0" compatLnSpc="1">
+              <a:prstTxWarp prst="textNoShape">
+                <a:avLst/>
+              </a:prstTxWarp>
+            </a:bodyPr>
+            <a:lstStyle/>
+            <a:p>
+              <a:endParaRPr lang="ko-KR" altLang="en-US"/>
+            </a:p>
+          </p:txBody>
+        </p:sp>
+        <p:sp>
+          <p:nvSpPr>
+            <p:cNvPr id="26" name="AutoShape 66"/>
+            <p:cNvSpPr>
+              <a:spLocks noChangeArrowheads="1"/>
+            </p:cNvSpPr>
+            <p:nvPr/>
+          </p:nvSpPr>
+          <p:spPr bwMode="auto">
+            <a:xfrm>
+              <a:off x="4527" y="5727"/>
+              <a:ext cx="482" cy="369"/>
+            </a:xfrm>
+            <a:prstGeom prst="foldedCorner">
+              <a:avLst>
+                <a:gd name="adj" fmla="val 12500"/>
+              </a:avLst>
+            </a:prstGeom>
+            <a:solidFill>
+              <a:srgbClr val="FFFFFF"/>
+            </a:solidFill>
+            <a:ln w="9525">
+              <a:solidFill>
+                <a:srgbClr val="000000"/>
+              </a:solidFill>
+              <a:round/>
+              <a:headEnd/>
+              <a:tailEnd/>
+            </a:ln>
+          </p:spPr>
+          <p:txBody>
+            <a:bodyPr vert="horz" wrap="square" lIns="91440" tIns="45720" rIns="91440" bIns="45720" numCol="1" anchor="t" anchorCtr="0" compatLnSpc="1">
+              <a:prstTxWarp prst="textNoShape">
+                <a:avLst/>
+              </a:prstTxWarp>
+            </a:bodyPr>
+            <a:lstStyle/>
+            <a:p>
+              <a:endParaRPr lang="ko-KR" altLang="en-US"/>
+            </a:p>
+          </p:txBody>
+        </p:sp>
+        <p:pic>
+          <p:nvPicPr>
+            <p:cNvPr id="2113" name="Picture 65" descr="ni0103-48"/>
+            <p:cNvPicPr>
+              <a:picLocks noChangeAspect="1" noChangeArrowheads="1"/>
+            </p:cNvPicPr>
+            <p:nvPr/>
+          </p:nvPicPr>
+          <p:blipFill>
+            <a:blip r:embed="rId5">
+              <a:extLst>
+                <a:ext uri="{28A0092B-C50C-407E-A947-70E740481C1C}">
+                  <a14:useLocalDpi xmlns:a14="http://schemas.microsoft.com/office/drawing/2010/main" val="0"/>
+                </a:ext>
+              </a:extLst>
+            </a:blip>
+            <a:srcRect/>
+            <a:stretch>
+              <a:fillRect/>
+            </a:stretch>
+          </p:blipFill>
+          <p:spPr bwMode="auto">
+            <a:xfrm>
+              <a:off x="3732" y="5472"/>
+              <a:ext cx="540" cy="540"/>
+            </a:xfrm>
+            <a:prstGeom prst="rect">
+              <a:avLst/>
+            </a:prstGeom>
+            <a:noFill/>
+            <a:extLst>
+              <a:ext uri="{909E8E84-426E-40DD-AFC4-6F175D3DCCD1}">
+                <a14:hiddenFill xmlns:a14="http://schemas.microsoft.com/office/drawing/2010/main">
+                  <a:solidFill>
+                    <a:srgbClr val="FFFFFF"/>
+                  </a:solidFill>
+                </a14:hiddenFill>
+              </a:ext>
+            </a:extLst>
+          </p:spPr>
+        </p:pic>
+        <p:sp>
+          <p:nvSpPr>
+            <p:cNvPr id="27" name="AutoShape 64"/>
+            <p:cNvSpPr>
+              <a:spLocks noChangeArrowheads="1"/>
+            </p:cNvSpPr>
+            <p:nvPr/>
+          </p:nvSpPr>
+          <p:spPr bwMode="auto">
+            <a:xfrm rot="21600000">
+              <a:off x="7212" y="4212"/>
+              <a:ext cx="1018" cy="2233"/>
+            </a:xfrm>
+            <a:prstGeom prst="curvedRightArrow">
+              <a:avLst>
+                <a:gd name="adj1" fmla="val 29074"/>
+                <a:gd name="adj2" fmla="val 72945"/>
+                <a:gd name="adj3" fmla="val 33333"/>
+              </a:avLst>
+            </a:prstGeom>
+            <a:solidFill>
+              <a:srgbClr val="CCFFCC"/>
+            </a:solidFill>
+            <a:ln w="9525">
+              <a:solidFill>
+                <a:srgbClr val="000000"/>
+              </a:solidFill>
+              <a:miter lim="800000"/>
+              <a:headEnd/>
+              <a:tailEnd/>
+            </a:ln>
+          </p:spPr>
+          <p:txBody>
+            <a:bodyPr vert="horz" wrap="square" lIns="91440" tIns="45720" rIns="91440" bIns="45720" numCol="1" anchor="t" anchorCtr="0" compatLnSpc="1">
+              <a:prstTxWarp prst="textNoShape">
+                <a:avLst/>
+              </a:prstTxWarp>
+            </a:bodyPr>
+            <a:lstStyle/>
+            <a:p>
+              <a:endParaRPr lang="ko-KR" altLang="en-US"/>
+            </a:p>
+          </p:txBody>
+        </p:sp>
+        <p:sp>
+          <p:nvSpPr>
+            <p:cNvPr id="28" name="AutoShape 63"/>
+            <p:cNvSpPr>
+              <a:spLocks noChangeArrowheads="1"/>
+            </p:cNvSpPr>
+            <p:nvPr/>
+          </p:nvSpPr>
+          <p:spPr bwMode="auto">
+            <a:xfrm rot="32400000">
+              <a:off x="8291" y="4032"/>
+              <a:ext cx="1020" cy="2234"/>
+            </a:xfrm>
+            <a:prstGeom prst="curvedRightArrow">
+              <a:avLst>
+                <a:gd name="adj1" fmla="val 29000"/>
+                <a:gd name="adj2" fmla="val 72804"/>
+                <a:gd name="adj3" fmla="val 43532"/>
+              </a:avLst>
+            </a:prstGeom>
+            <a:solidFill>
+              <a:srgbClr val="CCFFCC"/>
+            </a:solidFill>
+            <a:ln w="9525">
+              <a:solidFill>
+                <a:srgbClr val="000000"/>
+              </a:solidFill>
+              <a:miter lim="800000"/>
+              <a:headEnd/>
+              <a:tailEnd/>
+            </a:ln>
+          </p:spPr>
+          <p:txBody>
+            <a:bodyPr vert="horz" wrap="square" lIns="91440" tIns="45720" rIns="91440" bIns="45720" numCol="1" anchor="t" anchorCtr="0" compatLnSpc="1">
+              <a:prstTxWarp prst="textNoShape">
+                <a:avLst/>
+              </a:prstTxWarp>
+            </a:bodyPr>
+            <a:lstStyle/>
+            <a:p>
+              <a:endParaRPr lang="ko-KR" altLang="en-US"/>
+            </a:p>
+          </p:txBody>
+        </p:sp>
+        <p:pic>
+          <p:nvPicPr>
+            <p:cNvPr id="2110" name="Picture 62" descr="wi0024-48"/>
+            <p:cNvPicPr>
+              <a:picLocks noChangeAspect="1" noChangeArrowheads="1"/>
+            </p:cNvPicPr>
+            <p:nvPr/>
+          </p:nvPicPr>
+          <p:blipFill>
+            <a:blip r:embed="rId6">
+              <a:extLst>
+                <a:ext uri="{28A0092B-C50C-407E-A947-70E740481C1C}">
+                  <a14:useLocalDpi xmlns:a14="http://schemas.microsoft.com/office/drawing/2010/main" val="0"/>
+                </a:ext>
+              </a:extLst>
+            </a:blip>
+            <a:srcRect/>
+            <a:stretch>
+              <a:fillRect/>
+            </a:stretch>
+          </p:blipFill>
+          <p:spPr bwMode="auto">
+            <a:xfrm>
+              <a:off x="10167" y="5472"/>
+              <a:ext cx="720" cy="720"/>
+            </a:xfrm>
+            <a:prstGeom prst="rect">
+              <a:avLst/>
+            </a:prstGeom>
+            <a:noFill/>
+            <a:extLst>
+              <a:ext uri="{909E8E84-426E-40DD-AFC4-6F175D3DCCD1}">
+                <a14:hiddenFill xmlns:a14="http://schemas.microsoft.com/office/drawing/2010/main">
+                  <a:solidFill>
+                    <a:srgbClr val="FFFFFF"/>
+                  </a:solidFill>
+                </a14:hiddenFill>
+              </a:ext>
+            </a:extLst>
+          </p:spPr>
+        </p:pic>
+        <p:sp>
+          <p:nvSpPr>
+            <p:cNvPr id="29" name="AutoShape 61"/>
+            <p:cNvSpPr>
+              <a:spLocks noChangeArrowheads="1"/>
+            </p:cNvSpPr>
+            <p:nvPr/>
+          </p:nvSpPr>
+          <p:spPr bwMode="auto">
+            <a:xfrm rot="5400000">
+              <a:off x="8073" y="3895"/>
+              <a:ext cx="838" cy="351"/>
+            </a:xfrm>
+            <a:prstGeom prst="curvedDownArrow">
+              <a:avLst>
+                <a:gd name="adj1" fmla="val 47749"/>
+                <a:gd name="adj2" fmla="val 95499"/>
+                <a:gd name="adj3" fmla="val 33333"/>
+              </a:avLst>
+            </a:prstGeom>
+            <a:solidFill>
+              <a:srgbClr val="FFFF99"/>
+            </a:solidFill>
+            <a:ln w="9525">
+              <a:solidFill>
+                <a:srgbClr val="000000"/>
+              </a:solidFill>
+              <a:miter lim="800000"/>
+              <a:headEnd/>
+              <a:tailEnd/>
+            </a:ln>
+          </p:spPr>
+          <p:txBody>
+            <a:bodyPr vert="horz" wrap="square" lIns="91440" tIns="45720" rIns="91440" bIns="45720" numCol="1" anchor="t" anchorCtr="0" compatLnSpc="1">
+              <a:prstTxWarp prst="textNoShape">
+                <a:avLst/>
+              </a:prstTxWarp>
+            </a:bodyPr>
+            <a:lstStyle/>
+            <a:p>
+              <a:endParaRPr lang="ko-KR" altLang="en-US"/>
+            </a:p>
+          </p:txBody>
+        </p:sp>
+        <p:sp>
+          <p:nvSpPr>
+            <p:cNvPr id="30" name="AutoShape 60"/>
+            <p:cNvSpPr>
+              <a:spLocks noChangeArrowheads="1"/>
+            </p:cNvSpPr>
+            <p:nvPr/>
+          </p:nvSpPr>
+          <p:spPr bwMode="auto">
+            <a:xfrm rot="16200000">
+              <a:off x="7644" y="3790"/>
+              <a:ext cx="838" cy="351"/>
+            </a:xfrm>
+            <a:prstGeom prst="curvedDownArrow">
+              <a:avLst>
+                <a:gd name="adj1" fmla="val 47749"/>
+                <a:gd name="adj2" fmla="val 95499"/>
+                <a:gd name="adj3" fmla="val 33333"/>
+              </a:avLst>
+            </a:prstGeom>
+            <a:solidFill>
+              <a:srgbClr val="FFFF99"/>
+            </a:solidFill>
+            <a:ln w="9525">
+              <a:solidFill>
+                <a:srgbClr val="000000"/>
+              </a:solidFill>
+              <a:miter lim="800000"/>
+              <a:headEnd/>
+              <a:tailEnd/>
+            </a:ln>
+          </p:spPr>
+          <p:txBody>
+            <a:bodyPr vert="horz" wrap="square" lIns="91440" tIns="45720" rIns="91440" bIns="45720" numCol="1" anchor="t" anchorCtr="0" compatLnSpc="1">
+              <a:prstTxWarp prst="textNoShape">
+                <a:avLst/>
+              </a:prstTxWarp>
+            </a:bodyPr>
+            <a:lstStyle/>
+            <a:p>
+              <a:endParaRPr lang="ko-KR" altLang="en-US"/>
+            </a:p>
+          </p:txBody>
+        </p:sp>
+        <p:sp>
+          <p:nvSpPr>
+            <p:cNvPr id="31" name="Text Box 59"/>
+            <p:cNvSpPr txBox="1">
+              <a:spLocks noChangeArrowheads="1"/>
+            </p:cNvSpPr>
+            <p:nvPr/>
+          </p:nvSpPr>
+          <p:spPr bwMode="auto">
+            <a:xfrm>
+              <a:off x="8007" y="3852"/>
+              <a:ext cx="1260" cy="720"/>
+            </a:xfrm>
+            <a:prstGeom prst="rect">
+              <a:avLst/>
+            </a:prstGeom>
+            <a:noFill/>
+            <a:ln>
+              <a:noFill/>
+            </a:ln>
+            <a:extLst>
+              <a:ext uri="{909E8E84-426E-40DD-AFC4-6F175D3DCCD1}">
+                <a14:hiddenFill xmlns:a14="http://schemas.microsoft.com/office/drawing/2010/main">
+                  <a:solidFill>
+                    <a:srgbClr val="FFFFFF"/>
+                  </a:solidFill>
+                </a14:hiddenFill>
+              </a:ext>
+              <a:ext uri="{91240B29-F687-4F45-9708-019B960494DF}">
+                <a14:hiddenLine xmlns:a14="http://schemas.microsoft.com/office/drawing/2010/main" w="9525">
+                  <a:solidFill>
+                    <a:srgbClr val="000000"/>
+                  </a:solidFill>
+                  <a:miter lim="800000"/>
+                  <a:headEnd/>
+                  <a:tailEnd/>
+                </a14:hiddenLine>
+              </a:ext>
+            </a:extLst>
+          </p:spPr>
+          <p:txBody>
+            <a:bodyPr vert="horz" wrap="square" lIns="91440" tIns="45720" rIns="91440" bIns="45720" numCol="1" anchor="t" anchorCtr="0" compatLnSpc="1">
+              <a:prstTxWarp prst="textNoShape">
+                <a:avLst/>
+              </a:prstTxWarp>
+            </a:bodyPr>
+            <a:lstStyle/>
+            <a:p>
+              <a:pPr marL="0" marR="0" lvl="0" indent="0" algn="l" defTabSz="914400" rtl="0" eaLnBrk="0" fontAlgn="base" latinLnBrk="0" hangingPunct="0">
+                <a:lnSpc>
+                  <a:spcPct val="100000"/>
+                </a:lnSpc>
+                <a:spcBef>
+                  <a:spcPct val="0"/>
+                </a:spcBef>
+                <a:spcAft>
+                  <a:spcPct val="0"/>
+                </a:spcAft>
+                <a:buClrTx/>
+                <a:buSzTx/>
+                <a:buFontTx/>
+                <a:buNone/>
+                <a:tabLst/>
+              </a:pPr>
+              <a:r>
+                <a:rPr kumimoji="0" lang="en-US" altLang="ko-KR" sz="800" b="0" i="0" u="none" strike="noStrike" cap="none" normalizeH="0" baseline="0" smtClean="0">
+                  <a:ln>
+                    <a:noFill/>
+                  </a:ln>
+                  <a:solidFill>
+                    <a:schemeClr val="tx1"/>
+                  </a:solidFill>
+                  <a:effectLst/>
+                  <a:latin typeface="Times New Roman" panose="02020603050405020304" pitchFamily="18" charset="0"/>
+                  <a:ea typeface="맑은 고딕" panose="020B0503020000020004" pitchFamily="50" charset="-127"/>
+                  <a:cs typeface="Times New Roman" panose="02020603050405020304" pitchFamily="18" charset="0"/>
+                </a:rPr>
+                <a:t>24h</a:t>
+              </a:r>
+              <a:endParaRPr kumimoji="0" lang="en-US" altLang="ko-KR" sz="1800" b="0" i="0" u="none" strike="noStrike" cap="none" normalizeH="0" baseline="0" smtClean="0">
+                <a:ln>
+                  <a:noFill/>
+                </a:ln>
+                <a:solidFill>
+                  <a:schemeClr val="tx1"/>
+                </a:solidFill>
+                <a:effectLst/>
+                <a:latin typeface="Arial" panose="020B0604020202020204" pitchFamily="34" charset="0"/>
+              </a:endParaRPr>
+            </a:p>
+          </p:txBody>
+        </p:sp>
+        <p:sp>
+          <p:nvSpPr>
+            <p:cNvPr id="2080" name="AutoShape 58"/>
+            <p:cNvSpPr>
+              <a:spLocks noChangeArrowheads="1"/>
+            </p:cNvSpPr>
+            <p:nvPr/>
+          </p:nvSpPr>
+          <p:spPr bwMode="auto">
+            <a:xfrm>
+              <a:off x="5847" y="5832"/>
+              <a:ext cx="900" cy="360"/>
+            </a:xfrm>
+            <a:prstGeom prst="cube">
+              <a:avLst>
+                <a:gd name="adj" fmla="val 58333"/>
+              </a:avLst>
+            </a:prstGeom>
+            <a:solidFill>
+              <a:srgbClr val="FFFFFF"/>
+            </a:solidFill>
+            <a:ln w="9525">
+              <a:solidFill>
+                <a:srgbClr val="000000"/>
+              </a:solidFill>
+              <a:miter lim="800000"/>
+              <a:headEnd/>
+              <a:tailEnd/>
+            </a:ln>
+          </p:spPr>
+          <p:txBody>
+            <a:bodyPr vert="horz" wrap="square" lIns="91440" tIns="45720" rIns="91440" bIns="45720" numCol="1" anchor="t" anchorCtr="0" compatLnSpc="1">
+              <a:prstTxWarp prst="textNoShape">
+                <a:avLst/>
+              </a:prstTxWarp>
+            </a:bodyPr>
+            <a:lstStyle/>
+            <a:p>
+              <a:endParaRPr lang="ko-KR" altLang="en-US"/>
+            </a:p>
+          </p:txBody>
+        </p:sp>
+        <p:sp>
+          <p:nvSpPr>
+            <p:cNvPr id="2081" name="AutoShape 57"/>
+            <p:cNvSpPr>
+              <a:spLocks noChangeArrowheads="1"/>
+            </p:cNvSpPr>
+            <p:nvPr/>
+          </p:nvSpPr>
+          <p:spPr bwMode="auto">
+            <a:xfrm>
+              <a:off x="5847" y="5652"/>
+              <a:ext cx="900" cy="360"/>
+            </a:xfrm>
+            <a:prstGeom prst="cube">
+              <a:avLst>
+                <a:gd name="adj" fmla="val 58333"/>
+              </a:avLst>
+            </a:prstGeom>
+            <a:solidFill>
+              <a:srgbClr val="FFFFFF"/>
+            </a:solidFill>
+            <a:ln w="9525">
+              <a:solidFill>
+                <a:srgbClr val="000000"/>
+              </a:solidFill>
+              <a:miter lim="800000"/>
+              <a:headEnd/>
+              <a:tailEnd/>
+            </a:ln>
+          </p:spPr>
+          <p:txBody>
+            <a:bodyPr vert="horz" wrap="square" lIns="91440" tIns="45720" rIns="91440" bIns="45720" numCol="1" anchor="t" anchorCtr="0" compatLnSpc="1">
+              <a:prstTxWarp prst="textNoShape">
+                <a:avLst/>
+              </a:prstTxWarp>
+            </a:bodyPr>
+            <a:lstStyle/>
+            <a:p>
+              <a:endParaRPr lang="ko-KR" altLang="en-US"/>
+            </a:p>
+          </p:txBody>
+        </p:sp>
+        <p:sp>
+          <p:nvSpPr>
+            <p:cNvPr id="2082" name="AutoShape 56"/>
+            <p:cNvSpPr>
+              <a:spLocks noChangeArrowheads="1"/>
+            </p:cNvSpPr>
+            <p:nvPr/>
+          </p:nvSpPr>
+          <p:spPr bwMode="auto">
+            <a:xfrm>
+              <a:off x="5847" y="5472"/>
+              <a:ext cx="900" cy="360"/>
+            </a:xfrm>
+            <a:prstGeom prst="cube">
+              <a:avLst>
+                <a:gd name="adj" fmla="val 58333"/>
+              </a:avLst>
+            </a:prstGeom>
+            <a:solidFill>
+              <a:srgbClr val="FFFFFF"/>
+            </a:solidFill>
+            <a:ln w="9525">
+              <a:solidFill>
+                <a:srgbClr val="000000"/>
+              </a:solidFill>
+              <a:miter lim="800000"/>
+              <a:headEnd/>
+              <a:tailEnd/>
+            </a:ln>
+          </p:spPr>
+          <p:txBody>
+            <a:bodyPr vert="horz" wrap="square" lIns="91440" tIns="45720" rIns="91440" bIns="45720" numCol="1" anchor="t" anchorCtr="0" compatLnSpc="1">
+              <a:prstTxWarp prst="textNoShape">
+                <a:avLst/>
+              </a:prstTxWarp>
+            </a:bodyPr>
+            <a:lstStyle/>
+            <a:p>
+              <a:endParaRPr lang="ko-KR" altLang="en-US"/>
+            </a:p>
+          </p:txBody>
+        </p:sp>
+        <p:sp>
+          <p:nvSpPr>
+            <p:cNvPr id="2083" name="AutoShape 55"/>
+            <p:cNvSpPr>
+              <a:spLocks noChangeArrowheads="1"/>
+            </p:cNvSpPr>
+            <p:nvPr/>
+          </p:nvSpPr>
+          <p:spPr bwMode="auto">
+            <a:xfrm>
+              <a:off x="4452" y="5442"/>
+              <a:ext cx="1395" cy="720"/>
+            </a:xfrm>
+            <a:prstGeom prst="rightArrowCallout">
+              <a:avLst>
+                <a:gd name="adj1" fmla="val 25000"/>
+                <a:gd name="adj2" fmla="val 25000"/>
+                <a:gd name="adj3" fmla="val 32292"/>
+                <a:gd name="adj4" fmla="val 64588"/>
+              </a:avLst>
+            </a:prstGeom>
+            <a:noFill/>
+            <a:ln w="9525">
+              <a:solidFill>
+                <a:srgbClr val="000000"/>
+              </a:solidFill>
+              <a:prstDash val="dash"/>
+              <a:miter lim="800000"/>
+              <a:headEnd/>
+              <a:tailEnd/>
+            </a:ln>
+            <a:extLst>
+              <a:ext uri="{909E8E84-426E-40DD-AFC4-6F175D3DCCD1}">
+                <a14:hiddenFill xmlns:a14="http://schemas.microsoft.com/office/drawing/2010/main">
+                  <a:solidFill>
+                    <a:srgbClr val="FFFFFF"/>
+                  </a:solidFill>
+                </a14:hiddenFill>
+              </a:ext>
+            </a:extLst>
+          </p:spPr>
+          <p:txBody>
+            <a:bodyPr vert="horz" wrap="square" lIns="91440" tIns="45720" rIns="91440" bIns="45720" numCol="1" anchor="t" anchorCtr="0" compatLnSpc="1">
+              <a:prstTxWarp prst="textNoShape">
+                <a:avLst/>
+              </a:prstTxWarp>
+            </a:bodyPr>
+            <a:lstStyle/>
+            <a:p>
+              <a:endParaRPr lang="ko-KR" altLang="en-US"/>
+            </a:p>
+          </p:txBody>
+        </p:sp>
+        <p:grpSp>
+          <p:nvGrpSpPr>
+            <p:cNvPr id="2084" name="Group 43"/>
+            <p:cNvGrpSpPr>
+              <a:grpSpLocks/>
+            </p:cNvGrpSpPr>
+            <p:nvPr/>
+          </p:nvGrpSpPr>
+          <p:grpSpPr bwMode="auto">
+            <a:xfrm>
+              <a:off x="7647" y="6792"/>
+              <a:ext cx="1260" cy="900"/>
+              <a:chOff x="8187" y="6912"/>
+              <a:chExt cx="1260" cy="900"/>
+            </a:xfrm>
+          </p:grpSpPr>
+          <p:sp>
+            <p:nvSpPr>
+              <p:cNvPr id="2129" name="Rectangle 54"/>
+              <p:cNvSpPr>
+                <a:spLocks noChangeArrowheads="1"/>
+              </p:cNvSpPr>
+              <p:nvPr/>
+            </p:nvSpPr>
+            <p:spPr bwMode="auto">
+              <a:xfrm>
+                <a:off x="8187" y="6912"/>
+                <a:ext cx="1260" cy="900"/>
+              </a:xfrm>
+              <a:prstGeom prst="rect">
+                <a:avLst/>
+              </a:prstGeom>
+              <a:solidFill>
+                <a:srgbClr val="FFFFFF"/>
+              </a:solidFill>
+              <a:ln w="9525">
+                <a:solidFill>
+                  <a:srgbClr val="000000"/>
+                </a:solidFill>
+                <a:miter lim="800000"/>
+                <a:headEnd/>
+                <a:tailEnd/>
+              </a:ln>
+            </p:spPr>
+            <p:txBody>
+              <a:bodyPr vert="horz" wrap="square" lIns="91440" tIns="45720" rIns="91440" bIns="45720" numCol="1" anchor="t" anchorCtr="0" compatLnSpc="1">
+                <a:prstTxWarp prst="textNoShape">
+                  <a:avLst/>
+                </a:prstTxWarp>
+              </a:bodyPr>
+              <a:lstStyle/>
+              <a:p>
+                <a:endParaRPr lang="ko-KR" altLang="en-US"/>
+              </a:p>
+            </p:txBody>
+          </p:sp>
+          <p:sp>
+            <p:nvSpPr>
+              <p:cNvPr id="2130" name="Line 53"/>
+              <p:cNvSpPr>
+                <a:spLocks noChangeShapeType="1"/>
+              </p:cNvSpPr>
+              <p:nvPr/>
+            </p:nvSpPr>
+            <p:spPr bwMode="auto">
+              <a:xfrm>
+                <a:off x="8367" y="6912"/>
+                <a:ext cx="0" cy="900"/>
+              </a:xfrm>
+              <a:prstGeom prst="line">
+                <a:avLst/>
+              </a:prstGeom>
+              <a:noFill/>
+              <a:ln w="9525">
+                <a:solidFill>
+                  <a:srgbClr val="000000"/>
+                </a:solidFill>
+                <a:round/>
+                <a:headEnd/>
+                <a:tailEnd/>
+              </a:ln>
+              <a:extLst>
+                <a:ext uri="{909E8E84-426E-40DD-AFC4-6F175D3DCCD1}">
+                  <a14:hiddenFill xmlns:a14="http://schemas.microsoft.com/office/drawing/2010/main">
+                    <a:noFill/>
+                  </a14:hiddenFill>
+                </a:ext>
+              </a:extLst>
+            </p:spPr>
+            <p:txBody>
+              <a:bodyPr vert="horz" wrap="square" lIns="91440" tIns="45720" rIns="91440" bIns="45720" numCol="1" anchor="t" anchorCtr="0" compatLnSpc="1">
+                <a:prstTxWarp prst="textNoShape">
+                  <a:avLst/>
+                </a:prstTxWarp>
+              </a:bodyPr>
+              <a:lstStyle/>
+              <a:p>
+                <a:endParaRPr lang="ko-KR" altLang="en-US"/>
+              </a:p>
+            </p:txBody>
+          </p:sp>
+          <p:sp>
+            <p:nvSpPr>
+              <p:cNvPr id="2131" name="Line 52"/>
+              <p:cNvSpPr>
+                <a:spLocks noChangeShapeType="1"/>
+              </p:cNvSpPr>
+              <p:nvPr/>
+            </p:nvSpPr>
+            <p:spPr bwMode="auto">
+              <a:xfrm>
+                <a:off x="8547" y="6912"/>
+                <a:ext cx="0" cy="900"/>
+              </a:xfrm>
+              <a:prstGeom prst="line">
+                <a:avLst/>
+              </a:prstGeom>
+              <a:noFill/>
+              <a:ln w="9525">
+                <a:solidFill>
+                  <a:srgbClr val="000000"/>
+                </a:solidFill>
+                <a:round/>
+                <a:headEnd/>
+                <a:tailEnd/>
+              </a:ln>
+              <a:extLst>
+                <a:ext uri="{909E8E84-426E-40DD-AFC4-6F175D3DCCD1}">
+                  <a14:hiddenFill xmlns:a14="http://schemas.microsoft.com/office/drawing/2010/main">
+                    <a:noFill/>
+                  </a14:hiddenFill>
+                </a:ext>
+              </a:extLst>
+            </p:spPr>
+            <p:txBody>
+              <a:bodyPr vert="horz" wrap="square" lIns="91440" tIns="45720" rIns="91440" bIns="45720" numCol="1" anchor="t" anchorCtr="0" compatLnSpc="1">
+                <a:prstTxWarp prst="textNoShape">
+                  <a:avLst/>
+                </a:prstTxWarp>
+              </a:bodyPr>
+              <a:lstStyle/>
+              <a:p>
+                <a:endParaRPr lang="ko-KR" altLang="en-US"/>
+              </a:p>
+            </p:txBody>
+          </p:sp>
+          <p:sp>
+            <p:nvSpPr>
+              <p:cNvPr id="2132" name="Line 51"/>
+              <p:cNvSpPr>
+                <a:spLocks noChangeShapeType="1"/>
+              </p:cNvSpPr>
+              <p:nvPr/>
+            </p:nvSpPr>
+            <p:spPr bwMode="auto">
+              <a:xfrm>
+                <a:off x="8727" y="6912"/>
+                <a:ext cx="0" cy="900"/>
+              </a:xfrm>
+              <a:prstGeom prst="line">
+                <a:avLst/>
+              </a:prstGeom>
+              <a:noFill/>
+              <a:ln w="9525">
+                <a:solidFill>
+                  <a:srgbClr val="000000"/>
+                </a:solidFill>
+                <a:round/>
+                <a:headEnd/>
+                <a:tailEnd/>
+              </a:ln>
+              <a:extLst>
+                <a:ext uri="{909E8E84-426E-40DD-AFC4-6F175D3DCCD1}">
+                  <a14:hiddenFill xmlns:a14="http://schemas.microsoft.com/office/drawing/2010/main">
+                    <a:noFill/>
+                  </a14:hiddenFill>
+                </a:ext>
+              </a:extLst>
+            </p:spPr>
+            <p:txBody>
+              <a:bodyPr vert="horz" wrap="square" lIns="91440" tIns="45720" rIns="91440" bIns="45720" numCol="1" anchor="t" anchorCtr="0" compatLnSpc="1">
+                <a:prstTxWarp prst="textNoShape">
+                  <a:avLst/>
+                </a:prstTxWarp>
+              </a:bodyPr>
+              <a:lstStyle/>
+              <a:p>
+                <a:endParaRPr lang="ko-KR" altLang="en-US"/>
+              </a:p>
+            </p:txBody>
+          </p:sp>
+          <p:sp>
+            <p:nvSpPr>
+              <p:cNvPr id="2133" name="Line 50"/>
+              <p:cNvSpPr>
+                <a:spLocks noChangeShapeType="1"/>
+              </p:cNvSpPr>
+              <p:nvPr/>
+            </p:nvSpPr>
+            <p:spPr bwMode="auto">
+              <a:xfrm>
+                <a:off x="8907" y="6912"/>
+                <a:ext cx="0" cy="900"/>
+              </a:xfrm>
+              <a:prstGeom prst="line">
+                <a:avLst/>
+              </a:prstGeom>
+              <a:noFill/>
+              <a:ln w="9525">
+                <a:solidFill>
+                  <a:srgbClr val="000000"/>
+                </a:solidFill>
+                <a:round/>
+                <a:headEnd/>
+                <a:tailEnd/>
+              </a:ln>
+              <a:extLst>
+                <a:ext uri="{909E8E84-426E-40DD-AFC4-6F175D3DCCD1}">
+                  <a14:hiddenFill xmlns:a14="http://schemas.microsoft.com/office/drawing/2010/main">
+                    <a:noFill/>
+                  </a14:hiddenFill>
+                </a:ext>
+              </a:extLst>
+            </p:spPr>
+            <p:txBody>
+              <a:bodyPr vert="horz" wrap="square" lIns="91440" tIns="45720" rIns="91440" bIns="45720" numCol="1" anchor="t" anchorCtr="0" compatLnSpc="1">
+                <a:prstTxWarp prst="textNoShape">
+                  <a:avLst/>
+                </a:prstTxWarp>
+              </a:bodyPr>
+              <a:lstStyle/>
+              <a:p>
+                <a:endParaRPr lang="ko-KR" altLang="en-US"/>
+              </a:p>
+            </p:txBody>
+          </p:sp>
+          <p:sp>
+            <p:nvSpPr>
+              <p:cNvPr id="2134" name="Line 49"/>
+              <p:cNvSpPr>
+                <a:spLocks noChangeShapeType="1"/>
+              </p:cNvSpPr>
+              <p:nvPr/>
+            </p:nvSpPr>
+            <p:spPr bwMode="auto">
+              <a:xfrm>
+                <a:off x="9087" y="6912"/>
+                <a:ext cx="0" cy="900"/>
+              </a:xfrm>
+              <a:prstGeom prst="line">
+                <a:avLst/>
+              </a:prstGeom>
+              <a:noFill/>
+              <a:ln w="9525">
+                <a:solidFill>
+                  <a:srgbClr val="000000"/>
+                </a:solidFill>
+                <a:round/>
+                <a:headEnd/>
+                <a:tailEnd/>
+              </a:ln>
+              <a:extLst>
+                <a:ext uri="{909E8E84-426E-40DD-AFC4-6F175D3DCCD1}">
+                  <a14:hiddenFill xmlns:a14="http://schemas.microsoft.com/office/drawing/2010/main">
+                    <a:noFill/>
+                  </a14:hiddenFill>
+                </a:ext>
+              </a:extLst>
+            </p:spPr>
+            <p:txBody>
+              <a:bodyPr vert="horz" wrap="square" lIns="91440" tIns="45720" rIns="91440" bIns="45720" numCol="1" anchor="t" anchorCtr="0" compatLnSpc="1">
+                <a:prstTxWarp prst="textNoShape">
+                  <a:avLst/>
+                </a:prstTxWarp>
+              </a:bodyPr>
+              <a:lstStyle/>
+              <a:p>
+                <a:endParaRPr lang="ko-KR" altLang="en-US"/>
+              </a:p>
+            </p:txBody>
+          </p:sp>
+          <p:sp>
+            <p:nvSpPr>
+              <p:cNvPr id="2135" name="Line 48"/>
+              <p:cNvSpPr>
+                <a:spLocks noChangeShapeType="1"/>
+              </p:cNvSpPr>
+              <p:nvPr/>
+            </p:nvSpPr>
+            <p:spPr bwMode="auto">
+              <a:xfrm>
+                <a:off x="9267" y="6912"/>
+                <a:ext cx="0" cy="900"/>
+              </a:xfrm>
+              <a:prstGeom prst="line">
+                <a:avLst/>
+              </a:prstGeom>
+              <a:noFill/>
+              <a:ln w="9525">
+                <a:solidFill>
+                  <a:srgbClr val="000000"/>
+                </a:solidFill>
+                <a:round/>
+                <a:headEnd/>
+                <a:tailEnd/>
+              </a:ln>
+              <a:extLst>
+                <a:ext uri="{909E8E84-426E-40DD-AFC4-6F175D3DCCD1}">
+                  <a14:hiddenFill xmlns:a14="http://schemas.microsoft.com/office/drawing/2010/main">
+                    <a:noFill/>
+                  </a14:hiddenFill>
+                </a:ext>
+              </a:extLst>
+            </p:spPr>
+            <p:txBody>
+              <a:bodyPr vert="horz" wrap="square" lIns="91440" tIns="45720" rIns="91440" bIns="45720" numCol="1" anchor="t" anchorCtr="0" compatLnSpc="1">
+                <a:prstTxWarp prst="textNoShape">
+                  <a:avLst/>
+                </a:prstTxWarp>
+              </a:bodyPr>
+              <a:lstStyle/>
+              <a:p>
+                <a:endParaRPr lang="ko-KR" altLang="en-US"/>
+              </a:p>
+            </p:txBody>
+          </p:sp>
+          <p:sp>
+            <p:nvSpPr>
+              <p:cNvPr id="2136" name="Line 47"/>
+              <p:cNvSpPr>
+                <a:spLocks noChangeShapeType="1"/>
+              </p:cNvSpPr>
+              <p:nvPr/>
+            </p:nvSpPr>
+            <p:spPr bwMode="auto">
+              <a:xfrm>
+                <a:off x="8187" y="7092"/>
+                <a:ext cx="1260" cy="0"/>
+              </a:xfrm>
+              <a:prstGeom prst="line">
+                <a:avLst/>
+              </a:prstGeom>
+              <a:noFill/>
+              <a:ln w="9525">
+                <a:solidFill>
+                  <a:srgbClr val="000000"/>
+                </a:solidFill>
+                <a:round/>
+                <a:headEnd/>
+                <a:tailEnd/>
+              </a:ln>
+              <a:extLst>
+                <a:ext uri="{909E8E84-426E-40DD-AFC4-6F175D3DCCD1}">
+                  <a14:hiddenFill xmlns:a14="http://schemas.microsoft.com/office/drawing/2010/main">
+                    <a:noFill/>
+                  </a14:hiddenFill>
+                </a:ext>
+              </a:extLst>
+            </p:spPr>
+            <p:txBody>
+              <a:bodyPr vert="horz" wrap="square" lIns="91440" tIns="45720" rIns="91440" bIns="45720" numCol="1" anchor="t" anchorCtr="0" compatLnSpc="1">
+                <a:prstTxWarp prst="textNoShape">
+                  <a:avLst/>
+                </a:prstTxWarp>
+              </a:bodyPr>
+              <a:lstStyle/>
+              <a:p>
+                <a:endParaRPr lang="ko-KR" altLang="en-US"/>
+              </a:p>
+            </p:txBody>
+          </p:sp>
+          <p:sp>
+            <p:nvSpPr>
+              <p:cNvPr id="2139" name="Line 46"/>
+              <p:cNvSpPr>
+                <a:spLocks noChangeShapeType="1"/>
+              </p:cNvSpPr>
+              <p:nvPr/>
+            </p:nvSpPr>
+            <p:spPr bwMode="auto">
+              <a:xfrm>
+                <a:off x="8187" y="7272"/>
+                <a:ext cx="1260" cy="0"/>
+              </a:xfrm>
+              <a:prstGeom prst="line">
+                <a:avLst/>
+              </a:prstGeom>
+              <a:noFill/>
+              <a:ln w="9525">
+                <a:solidFill>
+                  <a:srgbClr val="000000"/>
+                </a:solidFill>
+                <a:round/>
+                <a:headEnd/>
+                <a:tailEnd/>
+              </a:ln>
+              <a:extLst>
+                <a:ext uri="{909E8E84-426E-40DD-AFC4-6F175D3DCCD1}">
+                  <a14:hiddenFill xmlns:a14="http://schemas.microsoft.com/office/drawing/2010/main">
+                    <a:noFill/>
+                  </a14:hiddenFill>
+                </a:ext>
+              </a:extLst>
+            </p:spPr>
+            <p:txBody>
+              <a:bodyPr vert="horz" wrap="square" lIns="91440" tIns="45720" rIns="91440" bIns="45720" numCol="1" anchor="t" anchorCtr="0" compatLnSpc="1">
+                <a:prstTxWarp prst="textNoShape">
+                  <a:avLst/>
+                </a:prstTxWarp>
+              </a:bodyPr>
+              <a:lstStyle/>
+              <a:p>
+                <a:endParaRPr lang="ko-KR" altLang="en-US"/>
+              </a:p>
+            </p:txBody>
+          </p:sp>
+          <p:sp>
+            <p:nvSpPr>
+              <p:cNvPr id="2140" name="Line 45"/>
+              <p:cNvSpPr>
+                <a:spLocks noChangeShapeType="1"/>
+              </p:cNvSpPr>
+              <p:nvPr/>
+            </p:nvSpPr>
+            <p:spPr bwMode="auto">
+              <a:xfrm>
+                <a:off x="8187" y="7452"/>
+                <a:ext cx="1260" cy="0"/>
+              </a:xfrm>
+              <a:prstGeom prst="line">
+                <a:avLst/>
+              </a:prstGeom>
+              <a:noFill/>
+              <a:ln w="9525">
+                <a:solidFill>
+                  <a:srgbClr val="000000"/>
+                </a:solidFill>
+                <a:round/>
+                <a:headEnd/>
+                <a:tailEnd/>
+              </a:ln>
+              <a:extLst>
+                <a:ext uri="{909E8E84-426E-40DD-AFC4-6F175D3DCCD1}">
+                  <a14:hiddenFill xmlns:a14="http://schemas.microsoft.com/office/drawing/2010/main">
+                    <a:noFill/>
+                  </a14:hiddenFill>
+                </a:ext>
+              </a:extLst>
+            </p:spPr>
+            <p:txBody>
+              <a:bodyPr vert="horz" wrap="square" lIns="91440" tIns="45720" rIns="91440" bIns="45720" numCol="1" anchor="t" anchorCtr="0" compatLnSpc="1">
+                <a:prstTxWarp prst="textNoShape">
+                  <a:avLst/>
+                </a:prstTxWarp>
+              </a:bodyPr>
+              <a:lstStyle/>
+              <a:p>
+                <a:endParaRPr lang="ko-KR" altLang="en-US"/>
+              </a:p>
+            </p:txBody>
+          </p:sp>
+          <p:sp>
+            <p:nvSpPr>
+              <p:cNvPr id="2141" name="Line 44"/>
+              <p:cNvSpPr>
+                <a:spLocks noChangeShapeType="1"/>
+              </p:cNvSpPr>
+              <p:nvPr/>
+            </p:nvSpPr>
+            <p:spPr bwMode="auto">
+              <a:xfrm>
+                <a:off x="8187" y="7632"/>
+                <a:ext cx="1260" cy="0"/>
+              </a:xfrm>
+              <a:prstGeom prst="line">
+                <a:avLst/>
+              </a:prstGeom>
+              <a:noFill/>
+              <a:ln w="9525">
+                <a:solidFill>
+                  <a:srgbClr val="000000"/>
+                </a:solidFill>
+                <a:round/>
+                <a:headEnd/>
+                <a:tailEnd/>
+              </a:ln>
+              <a:extLst>
+                <a:ext uri="{909E8E84-426E-40DD-AFC4-6F175D3DCCD1}">
+                  <a14:hiddenFill xmlns:a14="http://schemas.microsoft.com/office/drawing/2010/main">
+                    <a:noFill/>
+                  </a14:hiddenFill>
+                </a:ext>
+              </a:extLst>
+            </p:spPr>
+            <p:txBody>
+              <a:bodyPr vert="horz" wrap="square" lIns="91440" tIns="45720" rIns="91440" bIns="45720" numCol="1" anchor="t" anchorCtr="0" compatLnSpc="1">
+                <a:prstTxWarp prst="textNoShape">
+                  <a:avLst/>
+                </a:prstTxWarp>
+              </a:bodyPr>
+              <a:lstStyle/>
+              <a:p>
+                <a:endParaRPr lang="ko-KR" altLang="en-US"/>
+              </a:p>
+            </p:txBody>
+          </p:sp>
+        </p:grpSp>
+        <p:sp>
+          <p:nvSpPr>
+            <p:cNvPr id="2085" name="Text Box 42"/>
+            <p:cNvSpPr txBox="1">
+              <a:spLocks noChangeArrowheads="1"/>
+            </p:cNvSpPr>
+            <p:nvPr/>
+          </p:nvSpPr>
+          <p:spPr bwMode="auto">
+            <a:xfrm>
+              <a:off x="7317" y="2967"/>
+              <a:ext cx="1920" cy="360"/>
+            </a:xfrm>
+            <a:prstGeom prst="rect">
+              <a:avLst/>
+            </a:prstGeom>
+            <a:noFill/>
+            <a:ln>
+              <a:noFill/>
+            </a:ln>
+            <a:extLst>
+              <a:ext uri="{909E8E84-426E-40DD-AFC4-6F175D3DCCD1}">
+                <a14:hiddenFill xmlns:a14="http://schemas.microsoft.com/office/drawing/2010/main">
+                  <a:solidFill>
+                    <a:srgbClr val="FFFFFF"/>
+                  </a:solidFill>
+                </a14:hiddenFill>
+              </a:ext>
+              <a:ext uri="{91240B29-F687-4F45-9708-019B960494DF}">
+                <a14:hiddenLine xmlns:a14="http://schemas.microsoft.com/office/drawing/2010/main" w="9525">
+                  <a:solidFill>
+                    <a:srgbClr val="000000"/>
+                  </a:solidFill>
+                  <a:miter lim="800000"/>
+                  <a:headEnd/>
+                  <a:tailEnd/>
+                </a14:hiddenLine>
+              </a:ext>
+            </a:extLst>
+          </p:spPr>
+          <p:txBody>
+            <a:bodyPr vert="horz" wrap="square" lIns="91440" tIns="45720" rIns="91440" bIns="45720" numCol="1" anchor="t" anchorCtr="0" compatLnSpc="1">
+              <a:prstTxWarp prst="textNoShape">
+                <a:avLst/>
+              </a:prstTxWarp>
+            </a:bodyPr>
+            <a:lstStyle/>
+            <a:p>
+              <a:pPr marL="0" marR="0" lvl="0" indent="0" algn="ctr" defTabSz="914400" rtl="0" eaLnBrk="0" fontAlgn="base" latinLnBrk="0" hangingPunct="0">
+                <a:lnSpc>
+                  <a:spcPct val="100000"/>
+                </a:lnSpc>
+                <a:spcBef>
+                  <a:spcPct val="0"/>
+                </a:spcBef>
+                <a:spcAft>
+                  <a:spcPct val="0"/>
+                </a:spcAft>
+                <a:buClrTx/>
+                <a:buSzTx/>
+                <a:buFontTx/>
+                <a:buNone/>
+                <a:tabLst/>
+              </a:pPr>
+              <a:r>
+                <a:rPr kumimoji="0" lang="en-US" altLang="ko-KR" sz="800" b="0" i="0" u="none" strike="noStrike" cap="none" normalizeH="0" baseline="0" smtClean="0">
+                  <a:ln>
+                    <a:noFill/>
+                  </a:ln>
+                  <a:solidFill>
+                    <a:schemeClr val="tx1"/>
+                  </a:solidFill>
+                  <a:effectLst/>
+                  <a:latin typeface="Times New Roman" panose="02020603050405020304" pitchFamily="18" charset="0"/>
+                  <a:ea typeface="맑은 고딕" panose="020B0503020000020004" pitchFamily="50" charset="-127"/>
+                  <a:cs typeface="Times New Roman" panose="02020603050405020304" pitchFamily="18" charset="0"/>
+                </a:rPr>
+                <a:t>Iteration backlog</a:t>
+              </a:r>
+              <a:endParaRPr kumimoji="0" lang="en-US" altLang="ko-KR" sz="1800" b="0" i="0" u="none" strike="noStrike" cap="none" normalizeH="0" baseline="0" smtClean="0">
+                <a:ln>
+                  <a:noFill/>
+                </a:ln>
+                <a:solidFill>
+                  <a:schemeClr val="tx1"/>
+                </a:solidFill>
+                <a:effectLst/>
+                <a:latin typeface="Arial" panose="020B0604020202020204" pitchFamily="34" charset="0"/>
+              </a:endParaRPr>
+            </a:p>
+          </p:txBody>
+        </p:sp>
+        <p:sp>
+          <p:nvSpPr>
+            <p:cNvPr id="2086" name="Freeform 41"/>
+            <p:cNvSpPr>
+              <a:spLocks/>
+            </p:cNvSpPr>
+            <p:nvPr/>
+          </p:nvSpPr>
+          <p:spPr bwMode="auto">
+            <a:xfrm rot="312242">
+              <a:off x="6347" y="2775"/>
+              <a:ext cx="1449" cy="2696"/>
+            </a:xfrm>
+            <a:custGeom>
+              <a:avLst/>
+              <a:gdLst>
+                <a:gd name="T0" fmla="*/ 90 w 1350"/>
+                <a:gd name="T1" fmla="*/ 2160 h 2160"/>
+                <a:gd name="T2" fmla="*/ 90 w 1350"/>
+                <a:gd name="T3" fmla="*/ 900 h 2160"/>
+                <a:gd name="T4" fmla="*/ 630 w 1350"/>
+                <a:gd name="T5" fmla="*/ 180 h 2160"/>
+                <a:gd name="T6" fmla="*/ 1350 w 1350"/>
+                <a:gd name="T7" fmla="*/ 0 h 2160"/>
+              </a:gdLst>
+              <a:ahLst/>
+              <a:cxnLst>
+                <a:cxn ang="0">
+                  <a:pos x="T0" y="T1"/>
+                </a:cxn>
+                <a:cxn ang="0">
+                  <a:pos x="T2" y="T3"/>
+                </a:cxn>
+                <a:cxn ang="0">
+                  <a:pos x="T4" y="T5"/>
+                </a:cxn>
+                <a:cxn ang="0">
+                  <a:pos x="T6" y="T7"/>
+                </a:cxn>
+              </a:cxnLst>
+              <a:rect l="0" t="0" r="r" b="b"/>
+              <a:pathLst>
+                <a:path w="1350" h="2160">
+                  <a:moveTo>
+                    <a:pt x="90" y="2160"/>
+                  </a:moveTo>
+                  <a:cubicBezTo>
+                    <a:pt x="45" y="1695"/>
+                    <a:pt x="0" y="1230"/>
+                    <a:pt x="90" y="900"/>
+                  </a:cubicBezTo>
+                  <a:cubicBezTo>
+                    <a:pt x="180" y="570"/>
+                    <a:pt x="420" y="330"/>
+                    <a:pt x="630" y="180"/>
+                  </a:cubicBezTo>
+                  <a:cubicBezTo>
+                    <a:pt x="840" y="30"/>
+                    <a:pt x="1095" y="15"/>
+                    <a:pt x="1350" y="0"/>
+                  </a:cubicBezTo>
+                </a:path>
+              </a:pathLst>
+            </a:custGeom>
+            <a:noFill/>
+            <a:ln w="9525">
+              <a:solidFill>
+                <a:srgbClr val="000000"/>
+              </a:solidFill>
+              <a:round/>
+              <a:headEnd/>
+              <a:tailEnd type="triangle" w="med" len="med"/>
+            </a:ln>
+            <a:extLst>
+              <a:ext uri="{909E8E84-426E-40DD-AFC4-6F175D3DCCD1}">
+                <a14:hiddenFill xmlns:a14="http://schemas.microsoft.com/office/drawing/2010/main">
+                  <a:solidFill>
+                    <a:srgbClr val="FFFFFF"/>
+                  </a:solidFill>
+                </a14:hiddenFill>
+              </a:ext>
+            </a:extLst>
+          </p:spPr>
+          <p:txBody>
+            <a:bodyPr vert="horz" wrap="square" lIns="91440" tIns="45720" rIns="91440" bIns="45720" numCol="1" anchor="t" anchorCtr="0" compatLnSpc="1">
+              <a:prstTxWarp prst="textNoShape">
+                <a:avLst/>
+              </a:prstTxWarp>
+            </a:bodyPr>
+            <a:lstStyle/>
+            <a:p>
+              <a:endParaRPr lang="ko-KR" altLang="en-US"/>
+            </a:p>
+          </p:txBody>
+        </p:sp>
+        <p:sp>
+          <p:nvSpPr>
+            <p:cNvPr id="2087" name="AutoShape 40"/>
+            <p:cNvSpPr>
+              <a:spLocks noChangeArrowheads="1"/>
+            </p:cNvSpPr>
+            <p:nvPr/>
+          </p:nvSpPr>
+          <p:spPr bwMode="auto">
+            <a:xfrm>
+              <a:off x="8187" y="6372"/>
+              <a:ext cx="180" cy="360"/>
+            </a:xfrm>
+            <a:prstGeom prst="upDownArrow">
+              <a:avLst>
+                <a:gd name="adj1" fmla="val 50000"/>
+                <a:gd name="adj2" fmla="val 40000"/>
+              </a:avLst>
+            </a:prstGeom>
+            <a:solidFill>
+              <a:srgbClr val="CCFFCC"/>
+            </a:solidFill>
+            <a:ln w="9525">
+              <a:solidFill>
+                <a:srgbClr val="000000"/>
+              </a:solidFill>
+              <a:miter lim="800000"/>
+              <a:headEnd/>
+              <a:tailEnd/>
+            </a:ln>
+          </p:spPr>
+          <p:txBody>
+            <a:bodyPr vert="horz" wrap="square" lIns="91440" tIns="45720" rIns="91440" bIns="45720" numCol="1" anchor="t" anchorCtr="0" compatLnSpc="1">
+              <a:prstTxWarp prst="textNoShape">
+                <a:avLst/>
+              </a:prstTxWarp>
+            </a:bodyPr>
+            <a:lstStyle/>
+            <a:p>
+              <a:endParaRPr lang="ko-KR" altLang="en-US"/>
+            </a:p>
+          </p:txBody>
+        </p:sp>
+        <p:sp>
+          <p:nvSpPr>
+            <p:cNvPr id="2088" name="Text Box 39"/>
+            <p:cNvSpPr txBox="1">
+              <a:spLocks noChangeArrowheads="1"/>
+            </p:cNvSpPr>
+            <p:nvPr/>
+          </p:nvSpPr>
+          <p:spPr bwMode="auto">
+            <a:xfrm>
+              <a:off x="8232" y="3267"/>
+              <a:ext cx="1260" cy="360"/>
+            </a:xfrm>
+            <a:prstGeom prst="rect">
+              <a:avLst/>
+            </a:prstGeom>
+            <a:noFill/>
+            <a:ln>
+              <a:noFill/>
+            </a:ln>
+            <a:extLst>
+              <a:ext uri="{909E8E84-426E-40DD-AFC4-6F175D3DCCD1}">
+                <a14:hiddenFill xmlns:a14="http://schemas.microsoft.com/office/drawing/2010/main">
+                  <a:solidFill>
+                    <a:srgbClr val="FFFFFF"/>
+                  </a:solidFill>
+                </a14:hiddenFill>
+              </a:ext>
+              <a:ext uri="{91240B29-F687-4F45-9708-019B960494DF}">
+                <a14:hiddenLine xmlns:a14="http://schemas.microsoft.com/office/drawing/2010/main" w="9525">
+                  <a:solidFill>
+                    <a:srgbClr val="000000"/>
+                  </a:solidFill>
+                  <a:miter lim="800000"/>
+                  <a:headEnd/>
+                  <a:tailEnd/>
+                </a14:hiddenLine>
+              </a:ext>
+            </a:extLst>
+          </p:spPr>
+          <p:txBody>
+            <a:bodyPr vert="horz" wrap="square" lIns="91440" tIns="45720" rIns="91440" bIns="45720" numCol="1" anchor="t" anchorCtr="0" compatLnSpc="1">
+              <a:prstTxWarp prst="textNoShape">
+                <a:avLst/>
+              </a:prstTxWarp>
+            </a:bodyPr>
+            <a:lstStyle/>
+            <a:p>
+              <a:pPr marL="0" marR="0" lvl="0" indent="0" algn="l" defTabSz="914400" rtl="0" eaLnBrk="0" fontAlgn="base" latinLnBrk="0" hangingPunct="0">
+                <a:lnSpc>
+                  <a:spcPct val="100000"/>
+                </a:lnSpc>
+                <a:spcBef>
+                  <a:spcPct val="0"/>
+                </a:spcBef>
+                <a:spcAft>
+                  <a:spcPct val="0"/>
+                </a:spcAft>
+                <a:buClrTx/>
+                <a:buSzTx/>
+                <a:buFontTx/>
+                <a:buNone/>
+                <a:tabLst/>
+              </a:pPr>
+              <a:r>
+                <a:rPr kumimoji="0" lang="en-US" altLang="ko-KR" sz="800" b="0" i="0" u="none" strike="noStrike" cap="none" normalizeH="0" baseline="0" smtClean="0">
+                  <a:ln>
+                    <a:noFill/>
+                  </a:ln>
+                  <a:solidFill>
+                    <a:schemeClr val="tx1"/>
+                  </a:solidFill>
+                  <a:effectLst/>
+                  <a:latin typeface="Times New Roman" panose="02020603050405020304" pitchFamily="18" charset="0"/>
+                  <a:ea typeface="맑은 고딕" panose="020B0503020000020004" pitchFamily="50" charset="-127"/>
+                  <a:cs typeface="Times New Roman" panose="02020603050405020304" pitchFamily="18" charset="0"/>
+                </a:rPr>
+                <a:t>update</a:t>
+              </a:r>
+              <a:endParaRPr kumimoji="0" lang="en-US" altLang="ko-KR" sz="1800" b="0" i="0" u="none" strike="noStrike" cap="none" normalizeH="0" baseline="0" smtClean="0">
+                <a:ln>
+                  <a:noFill/>
+                </a:ln>
+                <a:solidFill>
+                  <a:schemeClr val="tx1"/>
+                </a:solidFill>
+                <a:effectLst/>
+                <a:latin typeface="Arial" panose="020B0604020202020204" pitchFamily="34" charset="0"/>
+              </a:endParaRPr>
+            </a:p>
+          </p:txBody>
+        </p:sp>
+        <p:sp>
+          <p:nvSpPr>
+            <p:cNvPr id="2089" name="AutoShape 38"/>
+            <p:cNvSpPr>
+              <a:spLocks noChangeArrowheads="1"/>
+            </p:cNvSpPr>
+            <p:nvPr/>
+          </p:nvSpPr>
+          <p:spPr bwMode="auto">
+            <a:xfrm>
+              <a:off x="8187" y="3237"/>
+              <a:ext cx="180" cy="360"/>
+            </a:xfrm>
+            <a:prstGeom prst="upArrow">
+              <a:avLst>
+                <a:gd name="adj1" fmla="val 50000"/>
+                <a:gd name="adj2" fmla="val 50000"/>
+              </a:avLst>
+            </a:prstGeom>
+            <a:solidFill>
+              <a:srgbClr val="FFFF99"/>
+            </a:solidFill>
+            <a:ln w="9525">
+              <a:solidFill>
+                <a:srgbClr val="000000"/>
+              </a:solidFill>
+              <a:miter lim="800000"/>
+              <a:headEnd/>
+              <a:tailEnd/>
+            </a:ln>
+          </p:spPr>
+          <p:txBody>
+            <a:bodyPr vert="horz" wrap="square" lIns="91440" tIns="45720" rIns="91440" bIns="45720" numCol="1" anchor="t" anchorCtr="0" compatLnSpc="1">
+              <a:prstTxWarp prst="textNoShape">
+                <a:avLst/>
+              </a:prstTxWarp>
+            </a:bodyPr>
+            <a:lstStyle/>
+            <a:p>
+              <a:endParaRPr lang="ko-KR" altLang="en-US"/>
+            </a:p>
+          </p:txBody>
+        </p:sp>
+        <p:sp>
+          <p:nvSpPr>
+            <p:cNvPr id="2090" name="Text Box 37"/>
+            <p:cNvSpPr txBox="1">
+              <a:spLocks noChangeArrowheads="1"/>
+            </p:cNvSpPr>
+            <p:nvPr/>
+          </p:nvSpPr>
+          <p:spPr bwMode="auto">
+            <a:xfrm>
+              <a:off x="8367" y="6372"/>
+              <a:ext cx="1260" cy="360"/>
+            </a:xfrm>
+            <a:prstGeom prst="rect">
+              <a:avLst/>
+            </a:prstGeom>
+            <a:noFill/>
+            <a:ln>
+              <a:noFill/>
+            </a:ln>
+            <a:extLst>
+              <a:ext uri="{909E8E84-426E-40DD-AFC4-6F175D3DCCD1}">
+                <a14:hiddenFill xmlns:a14="http://schemas.microsoft.com/office/drawing/2010/main">
+                  <a:solidFill>
+                    <a:srgbClr val="FFFFFF"/>
+                  </a:solidFill>
+                </a14:hiddenFill>
+              </a:ext>
+              <a:ext uri="{91240B29-F687-4F45-9708-019B960494DF}">
+                <a14:hiddenLine xmlns:a14="http://schemas.microsoft.com/office/drawing/2010/main" w="9525">
+                  <a:solidFill>
+                    <a:srgbClr val="000000"/>
+                  </a:solidFill>
+                  <a:miter lim="800000"/>
+                  <a:headEnd/>
+                  <a:tailEnd/>
+                </a14:hiddenLine>
+              </a:ext>
+            </a:extLst>
+          </p:spPr>
+          <p:txBody>
+            <a:bodyPr vert="horz" wrap="square" lIns="91440" tIns="45720" rIns="91440" bIns="45720" numCol="1" anchor="t" anchorCtr="0" compatLnSpc="1">
+              <a:prstTxWarp prst="textNoShape">
+                <a:avLst/>
+              </a:prstTxWarp>
+            </a:bodyPr>
+            <a:lstStyle/>
+            <a:p>
+              <a:pPr marL="0" marR="0" lvl="0" indent="0" algn="l" defTabSz="914400" rtl="0" eaLnBrk="0" fontAlgn="base" latinLnBrk="0" hangingPunct="0">
+                <a:lnSpc>
+                  <a:spcPct val="100000"/>
+                </a:lnSpc>
+                <a:spcBef>
+                  <a:spcPct val="0"/>
+                </a:spcBef>
+                <a:spcAft>
+                  <a:spcPct val="0"/>
+                </a:spcAft>
+                <a:buClrTx/>
+                <a:buSzTx/>
+                <a:buFontTx/>
+                <a:buNone/>
+                <a:tabLst/>
+              </a:pPr>
+              <a:r>
+                <a:rPr kumimoji="0" lang="en-US" altLang="ko-KR" sz="800" b="0" i="0" u="none" strike="noStrike" cap="none" normalizeH="0" baseline="0" smtClean="0">
+                  <a:ln>
+                    <a:noFill/>
+                  </a:ln>
+                  <a:solidFill>
+                    <a:schemeClr val="tx1"/>
+                  </a:solidFill>
+                  <a:effectLst/>
+                  <a:latin typeface="Times New Roman" panose="02020603050405020304" pitchFamily="18" charset="0"/>
+                  <a:ea typeface="맑은 고딕" panose="020B0503020000020004" pitchFamily="50" charset="-127"/>
+                  <a:cs typeface="Times New Roman" panose="02020603050405020304" pitchFamily="18" charset="0"/>
+                </a:rPr>
+                <a:t>Check/update</a:t>
+              </a:r>
+              <a:endParaRPr kumimoji="0" lang="en-US" altLang="ko-KR" sz="1800" b="0" i="0" u="none" strike="noStrike" cap="none" normalizeH="0" baseline="0" smtClean="0">
+                <a:ln>
+                  <a:noFill/>
+                </a:ln>
+                <a:solidFill>
+                  <a:schemeClr val="tx1"/>
+                </a:solidFill>
+                <a:effectLst/>
+                <a:latin typeface="Arial" panose="020B0604020202020204" pitchFamily="34" charset="0"/>
+              </a:endParaRPr>
+            </a:p>
+          </p:txBody>
+        </p:sp>
+        <p:sp>
+          <p:nvSpPr>
+            <p:cNvPr id="2091" name="Line 36"/>
+            <p:cNvSpPr>
+              <a:spLocks noChangeShapeType="1"/>
+            </p:cNvSpPr>
+            <p:nvPr/>
+          </p:nvSpPr>
+          <p:spPr bwMode="auto">
+            <a:xfrm>
+              <a:off x="6927" y="5832"/>
+              <a:ext cx="360" cy="1"/>
+            </a:xfrm>
+            <a:prstGeom prst="line">
+              <a:avLst/>
+            </a:prstGeom>
+            <a:noFill/>
+            <a:ln w="9525">
+              <a:solidFill>
+                <a:srgbClr val="000000"/>
+              </a:solidFill>
+              <a:round/>
+              <a:headEnd/>
+              <a:tailEnd type="triangle" w="med" len="med"/>
+            </a:ln>
+            <a:extLst>
+              <a:ext uri="{909E8E84-426E-40DD-AFC4-6F175D3DCCD1}">
+                <a14:hiddenFill xmlns:a14="http://schemas.microsoft.com/office/drawing/2010/main">
+                  <a:noFill/>
+                </a14:hiddenFill>
+              </a:ext>
+            </a:extLst>
+          </p:spPr>
+          <p:txBody>
+            <a:bodyPr vert="horz" wrap="square" lIns="91440" tIns="45720" rIns="91440" bIns="45720" numCol="1" anchor="t" anchorCtr="0" compatLnSpc="1">
+              <a:prstTxWarp prst="textNoShape">
+                <a:avLst/>
+              </a:prstTxWarp>
+            </a:bodyPr>
+            <a:lstStyle/>
+            <a:p>
+              <a:endParaRPr lang="ko-KR" altLang="en-US"/>
+            </a:p>
+          </p:txBody>
+        </p:sp>
+        <p:sp>
+          <p:nvSpPr>
+            <p:cNvPr id="2092" name="Line 35"/>
+            <p:cNvSpPr>
+              <a:spLocks noChangeShapeType="1"/>
+            </p:cNvSpPr>
+            <p:nvPr/>
+          </p:nvSpPr>
+          <p:spPr bwMode="auto">
+            <a:xfrm>
+              <a:off x="9267" y="5832"/>
+              <a:ext cx="900" cy="1"/>
+            </a:xfrm>
+            <a:prstGeom prst="line">
+              <a:avLst/>
+            </a:prstGeom>
+            <a:noFill/>
+            <a:ln w="9525">
+              <a:solidFill>
+                <a:srgbClr val="000000"/>
+              </a:solidFill>
+              <a:round/>
+              <a:headEnd/>
+              <a:tailEnd type="triangle" w="med" len="med"/>
+            </a:ln>
+            <a:extLst>
+              <a:ext uri="{909E8E84-426E-40DD-AFC4-6F175D3DCCD1}">
+                <a14:hiddenFill xmlns:a14="http://schemas.microsoft.com/office/drawing/2010/main">
+                  <a:noFill/>
+                </a14:hiddenFill>
+              </a:ext>
+            </a:extLst>
+          </p:spPr>
+          <p:txBody>
+            <a:bodyPr vert="horz" wrap="square" lIns="91440" tIns="45720" rIns="91440" bIns="45720" numCol="1" anchor="t" anchorCtr="0" compatLnSpc="1">
+              <a:prstTxWarp prst="textNoShape">
+                <a:avLst/>
+              </a:prstTxWarp>
+            </a:bodyPr>
+            <a:lstStyle/>
+            <a:p>
+              <a:endParaRPr lang="ko-KR" altLang="en-US"/>
+            </a:p>
+          </p:txBody>
+        </p:sp>
+        <p:sp>
+          <p:nvSpPr>
+            <p:cNvPr id="2093" name="Freeform 34"/>
+            <p:cNvSpPr>
+              <a:spLocks/>
+            </p:cNvSpPr>
+            <p:nvPr/>
+          </p:nvSpPr>
+          <p:spPr bwMode="auto">
+            <a:xfrm>
+              <a:off x="5307" y="2412"/>
+              <a:ext cx="4680" cy="3420"/>
+            </a:xfrm>
+            <a:custGeom>
+              <a:avLst/>
+              <a:gdLst>
+                <a:gd name="T0" fmla="*/ 4140 w 4920"/>
+                <a:gd name="T1" fmla="*/ 3270 h 3270"/>
+                <a:gd name="T2" fmla="*/ 4680 w 4920"/>
+                <a:gd name="T3" fmla="*/ 2910 h 3270"/>
+                <a:gd name="T4" fmla="*/ 4860 w 4920"/>
+                <a:gd name="T5" fmla="*/ 1290 h 3270"/>
+                <a:gd name="T6" fmla="*/ 4320 w 4920"/>
+                <a:gd name="T7" fmla="*/ 390 h 3270"/>
+                <a:gd name="T8" fmla="*/ 2880 w 4920"/>
+                <a:gd name="T9" fmla="*/ 30 h 3270"/>
+                <a:gd name="T10" fmla="*/ 1620 w 4920"/>
+                <a:gd name="T11" fmla="*/ 210 h 3270"/>
+                <a:gd name="T12" fmla="*/ 720 w 4920"/>
+                <a:gd name="T13" fmla="*/ 750 h 3270"/>
+                <a:gd name="T14" fmla="*/ 180 w 4920"/>
+                <a:gd name="T15" fmla="*/ 1650 h 3270"/>
+                <a:gd name="T16" fmla="*/ 0 w 4920"/>
+                <a:gd name="T17" fmla="*/ 2550 h 3270"/>
+              </a:gdLst>
+              <a:ahLst/>
+              <a:cxnLst>
+                <a:cxn ang="0">
+                  <a:pos x="T0" y="T1"/>
+                </a:cxn>
+                <a:cxn ang="0">
+                  <a:pos x="T2" y="T3"/>
+                </a:cxn>
+                <a:cxn ang="0">
+                  <a:pos x="T4" y="T5"/>
+                </a:cxn>
+                <a:cxn ang="0">
+                  <a:pos x="T6" y="T7"/>
+                </a:cxn>
+                <a:cxn ang="0">
+                  <a:pos x="T8" y="T9"/>
+                </a:cxn>
+                <a:cxn ang="0">
+                  <a:pos x="T10" y="T11"/>
+                </a:cxn>
+                <a:cxn ang="0">
+                  <a:pos x="T12" y="T13"/>
+                </a:cxn>
+                <a:cxn ang="0">
+                  <a:pos x="T14" y="T15"/>
+                </a:cxn>
+                <a:cxn ang="0">
+                  <a:pos x="T16" y="T17"/>
+                </a:cxn>
+              </a:cxnLst>
+              <a:rect l="0" t="0" r="r" b="b"/>
+              <a:pathLst>
+                <a:path w="4920" h="3270">
+                  <a:moveTo>
+                    <a:pt x="4140" y="3270"/>
+                  </a:moveTo>
+                  <a:cubicBezTo>
+                    <a:pt x="4350" y="3255"/>
+                    <a:pt x="4560" y="3240"/>
+                    <a:pt x="4680" y="2910"/>
+                  </a:cubicBezTo>
+                  <a:cubicBezTo>
+                    <a:pt x="4800" y="2580"/>
+                    <a:pt x="4920" y="1710"/>
+                    <a:pt x="4860" y="1290"/>
+                  </a:cubicBezTo>
+                  <a:cubicBezTo>
+                    <a:pt x="4800" y="870"/>
+                    <a:pt x="4650" y="600"/>
+                    <a:pt x="4320" y="390"/>
+                  </a:cubicBezTo>
+                  <a:cubicBezTo>
+                    <a:pt x="3990" y="180"/>
+                    <a:pt x="3330" y="60"/>
+                    <a:pt x="2880" y="30"/>
+                  </a:cubicBezTo>
+                  <a:cubicBezTo>
+                    <a:pt x="2430" y="0"/>
+                    <a:pt x="1980" y="90"/>
+                    <a:pt x="1620" y="210"/>
+                  </a:cubicBezTo>
+                  <a:cubicBezTo>
+                    <a:pt x="1260" y="330"/>
+                    <a:pt x="960" y="510"/>
+                    <a:pt x="720" y="750"/>
+                  </a:cubicBezTo>
+                  <a:cubicBezTo>
+                    <a:pt x="480" y="990"/>
+                    <a:pt x="300" y="1350"/>
+                    <a:pt x="180" y="1650"/>
+                  </a:cubicBezTo>
+                  <a:cubicBezTo>
+                    <a:pt x="60" y="1950"/>
+                    <a:pt x="30" y="2400"/>
+                    <a:pt x="0" y="2550"/>
+                  </a:cubicBezTo>
+                </a:path>
+              </a:pathLst>
+            </a:custGeom>
+            <a:noFill/>
+            <a:ln w="9525">
+              <a:solidFill>
+                <a:srgbClr val="000000"/>
+              </a:solidFill>
+              <a:round/>
+              <a:headEnd/>
+              <a:tailEnd type="triangle" w="med" len="med"/>
+            </a:ln>
+            <a:extLst>
+              <a:ext uri="{909E8E84-426E-40DD-AFC4-6F175D3DCCD1}">
+                <a14:hiddenFill xmlns:a14="http://schemas.microsoft.com/office/drawing/2010/main">
+                  <a:solidFill>
+                    <a:srgbClr val="FFFFFF"/>
+                  </a:solidFill>
+                </a14:hiddenFill>
+              </a:ext>
+            </a:extLst>
+          </p:spPr>
+          <p:txBody>
+            <a:bodyPr vert="horz" wrap="square" lIns="91440" tIns="45720" rIns="91440" bIns="45720" numCol="1" anchor="t" anchorCtr="0" compatLnSpc="1">
+              <a:prstTxWarp prst="textNoShape">
+                <a:avLst/>
+              </a:prstTxWarp>
+            </a:bodyPr>
+            <a:lstStyle/>
+            <a:p>
+              <a:endParaRPr lang="ko-KR" altLang="en-US"/>
+            </a:p>
+          </p:txBody>
+        </p:sp>
+        <p:sp>
+          <p:nvSpPr>
+            <p:cNvPr id="2094" name="Text Box 33"/>
+            <p:cNvSpPr txBox="1">
+              <a:spLocks noChangeArrowheads="1"/>
+            </p:cNvSpPr>
+            <p:nvPr/>
+          </p:nvSpPr>
+          <p:spPr bwMode="auto">
+            <a:xfrm>
+              <a:off x="7632" y="7662"/>
+              <a:ext cx="1755" cy="540"/>
+            </a:xfrm>
+            <a:prstGeom prst="rect">
+              <a:avLst/>
+            </a:prstGeom>
+            <a:noFill/>
+            <a:ln>
+              <a:noFill/>
+            </a:ln>
+            <a:extLst>
+              <a:ext uri="{909E8E84-426E-40DD-AFC4-6F175D3DCCD1}">
+                <a14:hiddenFill xmlns:a14="http://schemas.microsoft.com/office/drawing/2010/main">
+                  <a:solidFill>
+                    <a:srgbClr val="FFFFFF"/>
+                  </a:solidFill>
+                </a14:hiddenFill>
+              </a:ext>
+              <a:ext uri="{91240B29-F687-4F45-9708-019B960494DF}">
+                <a14:hiddenLine xmlns:a14="http://schemas.microsoft.com/office/drawing/2010/main" w="9525">
+                  <a:solidFill>
+                    <a:srgbClr val="000000"/>
+                  </a:solidFill>
+                  <a:miter lim="800000"/>
+                  <a:headEnd/>
+                  <a:tailEnd/>
+                </a14:hiddenLine>
+              </a:ext>
+            </a:extLst>
+          </p:spPr>
+          <p:txBody>
+            <a:bodyPr vert="horz" wrap="square" lIns="91440" tIns="45720" rIns="91440" bIns="45720" numCol="1" anchor="t" anchorCtr="0" compatLnSpc="1">
+              <a:prstTxWarp prst="textNoShape">
+                <a:avLst/>
+              </a:prstTxWarp>
+            </a:bodyPr>
+            <a:lstStyle/>
+            <a:p>
+              <a:pPr marL="0" marR="0" lvl="0" indent="0" algn="l" defTabSz="914400" rtl="0" eaLnBrk="0" fontAlgn="base" latinLnBrk="0" hangingPunct="0">
+                <a:lnSpc>
+                  <a:spcPct val="100000"/>
+                </a:lnSpc>
+                <a:spcBef>
+                  <a:spcPct val="0"/>
+                </a:spcBef>
+                <a:spcAft>
+                  <a:spcPct val="0"/>
+                </a:spcAft>
+                <a:buClrTx/>
+                <a:buSzTx/>
+                <a:buFontTx/>
+                <a:buNone/>
+                <a:tabLst/>
+              </a:pPr>
+              <a:r>
+                <a:rPr kumimoji="0" lang="en-US" altLang="ko-KR" sz="800" b="0" i="0" u="none" strike="noStrike" cap="none" normalizeH="0" baseline="0" dirty="0" smtClean="0">
+                  <a:ln>
+                    <a:noFill/>
+                  </a:ln>
+                  <a:solidFill>
+                    <a:schemeClr val="tx1"/>
+                  </a:solidFill>
+                  <a:effectLst/>
+                  <a:latin typeface="Times New Roman" panose="02020603050405020304" pitchFamily="18" charset="0"/>
+                  <a:ea typeface="맑은 고딕" panose="020B0503020000020004" pitchFamily="50" charset="-127"/>
+                  <a:cs typeface="Times New Roman" panose="02020603050405020304" pitchFamily="18" charset="0"/>
+                </a:rPr>
+                <a:t>Functionality </a:t>
+              </a:r>
+              <a:r>
+                <a:rPr kumimoji="0" lang="en-US" altLang="ko-KR" sz="800" b="0" i="0" u="none" strike="noStrike" cap="none" normalizeH="0" baseline="0" dirty="0" err="1" smtClean="0">
+                  <a:ln>
+                    <a:noFill/>
+                  </a:ln>
+                  <a:solidFill>
+                    <a:schemeClr val="tx1"/>
+                  </a:solidFill>
+                  <a:effectLst/>
+                  <a:latin typeface="Times New Roman" panose="02020603050405020304" pitchFamily="18" charset="0"/>
+                  <a:ea typeface="맑은 고딕" panose="020B0503020000020004" pitchFamily="50" charset="-127"/>
+                  <a:cs typeface="Times New Roman" panose="02020603050405020304" pitchFamily="18" charset="0"/>
+                </a:rPr>
+                <a:t>vs</a:t>
+              </a:r>
+              <a:r>
+                <a:rPr kumimoji="0" lang="en-US" altLang="ko-KR" sz="800" b="0" i="0" u="none" strike="noStrike" cap="none" normalizeH="0" baseline="0" dirty="0" smtClean="0">
+                  <a:ln>
+                    <a:noFill/>
+                  </a:ln>
+                  <a:solidFill>
+                    <a:schemeClr val="tx1"/>
+                  </a:solidFill>
+                  <a:effectLst/>
+                  <a:latin typeface="Times New Roman" panose="02020603050405020304" pitchFamily="18" charset="0"/>
+                  <a:ea typeface="맑은 고딕" panose="020B0503020000020004" pitchFamily="50" charset="-127"/>
+                  <a:cs typeface="Times New Roman" panose="02020603050405020304" pitchFamily="18" charset="0"/>
+                </a:rPr>
+                <a:t> component matrix</a:t>
+              </a:r>
+              <a:endParaRPr kumimoji="0" lang="en-US" altLang="ko-KR" sz="1800" b="0" i="0" u="none" strike="noStrike" cap="none" normalizeH="0" baseline="0" dirty="0" smtClean="0">
+                <a:ln>
+                  <a:noFill/>
+                </a:ln>
+                <a:solidFill>
+                  <a:schemeClr val="tx1"/>
+                </a:solidFill>
+                <a:effectLst/>
+                <a:latin typeface="Arial" panose="020B0604020202020204" pitchFamily="34" charset="0"/>
+              </a:endParaRPr>
+            </a:p>
+          </p:txBody>
+        </p:sp>
+        <p:sp>
+          <p:nvSpPr>
+            <p:cNvPr id="2095" name="Text Box 32"/>
+            <p:cNvSpPr txBox="1">
+              <a:spLocks noChangeArrowheads="1"/>
+            </p:cNvSpPr>
+            <p:nvPr/>
+          </p:nvSpPr>
+          <p:spPr bwMode="auto">
+            <a:xfrm>
+              <a:off x="5667" y="6732"/>
+              <a:ext cx="1980" cy="1080"/>
+            </a:xfrm>
+            <a:prstGeom prst="rect">
+              <a:avLst/>
+            </a:prstGeom>
+            <a:noFill/>
+            <a:ln>
+              <a:noFill/>
+            </a:ln>
+            <a:extLst>
+              <a:ext uri="{909E8E84-426E-40DD-AFC4-6F175D3DCCD1}">
+                <a14:hiddenFill xmlns:a14="http://schemas.microsoft.com/office/drawing/2010/main">
+                  <a:solidFill>
+                    <a:srgbClr val="FFFFFF"/>
+                  </a:solidFill>
+                </a14:hiddenFill>
+              </a:ext>
+              <a:ext uri="{91240B29-F687-4F45-9708-019B960494DF}">
+                <a14:hiddenLine xmlns:a14="http://schemas.microsoft.com/office/drawing/2010/main" w="9525">
+                  <a:solidFill>
+                    <a:srgbClr val="000000"/>
+                  </a:solidFill>
+                  <a:miter lim="800000"/>
+                  <a:headEnd/>
+                  <a:tailEnd/>
+                </a14:hiddenLine>
+              </a:ext>
+            </a:extLst>
+          </p:spPr>
+          <p:txBody>
+            <a:bodyPr vert="horz" wrap="square" lIns="91440" tIns="45720" rIns="91440" bIns="45720" numCol="1" anchor="t" anchorCtr="0" compatLnSpc="1">
+              <a:prstTxWarp prst="textNoShape">
+                <a:avLst/>
+              </a:prstTxWarp>
+            </a:bodyPr>
+            <a:lstStyle/>
+            <a:p>
+              <a:pPr marL="0" marR="0" lvl="0" indent="0" algn="l" defTabSz="914400" rtl="0" eaLnBrk="0" fontAlgn="base" latinLnBrk="0" hangingPunct="0">
+                <a:lnSpc>
+                  <a:spcPct val="100000"/>
+                </a:lnSpc>
+                <a:spcBef>
+                  <a:spcPct val="0"/>
+                </a:spcBef>
+                <a:spcAft>
+                  <a:spcPct val="0"/>
+                </a:spcAft>
+                <a:buClrTx/>
+                <a:buSzTx/>
+                <a:buFontTx/>
+                <a:buNone/>
+                <a:tabLst/>
+              </a:pPr>
+              <a:r>
+                <a:rPr kumimoji="0" lang="en-GB" altLang="ko-KR" sz="800" b="0" i="0" u="none" strike="noStrike" cap="none" normalizeH="0" baseline="0" smtClean="0">
+                  <a:ln>
+                    <a:noFill/>
+                  </a:ln>
+                  <a:solidFill>
+                    <a:schemeClr val="tx1"/>
+                  </a:solidFill>
+                  <a:effectLst/>
+                  <a:latin typeface="Times New Roman" panose="02020603050405020304" pitchFamily="18" charset="0"/>
+                  <a:ea typeface="맑은 고딕" panose="020B0503020000020004" pitchFamily="50" charset="-127"/>
+                  <a:cs typeface="Times New Roman" panose="02020603050405020304" pitchFamily="18" charset="0"/>
+                </a:rPr>
+                <a:t>Story cards’ functionalities are translated into software functionalities</a:t>
+              </a:r>
+              <a:r>
+                <a:rPr kumimoji="0" lang="en-GB" altLang="ko-KR" sz="800" b="1" i="0" u="none" strike="noStrike" cap="none" normalizeH="0" baseline="0" smtClean="0">
+                  <a:ln>
+                    <a:noFill/>
+                  </a:ln>
+                  <a:solidFill>
+                    <a:srgbClr val="0000FF"/>
+                  </a:solidFill>
+                  <a:effectLst/>
+                  <a:latin typeface="Microsoft Sans Serif" panose="020B0604020202020204" pitchFamily="34" charset="0"/>
+                  <a:ea typeface="맑은 고딕" panose="020B0503020000020004" pitchFamily="50" charset="-127"/>
+                  <a:cs typeface="Microsoft Sans Serif" panose="020B0604020202020204" pitchFamily="34" charset="0"/>
+                </a:rPr>
+                <a:t> </a:t>
+              </a:r>
+              <a:r>
+                <a:rPr kumimoji="0" lang="en-GB" altLang="ko-KR" sz="800" b="0" i="0" u="none" strike="noStrike" cap="none" normalizeH="0" baseline="0" smtClean="0">
+                  <a:ln>
+                    <a:noFill/>
+                  </a:ln>
+                  <a:solidFill>
+                    <a:schemeClr val="tx1"/>
+                  </a:solidFill>
+                  <a:effectLst/>
+                  <a:latin typeface="Times New Roman" panose="02020603050405020304" pitchFamily="18" charset="0"/>
+                  <a:ea typeface="맑은 고딕" panose="020B0503020000020004" pitchFamily="50" charset="-127"/>
+                  <a:cs typeface="Times New Roman" panose="02020603050405020304" pitchFamily="18" charset="0"/>
+                </a:rPr>
+                <a:t>and lower level</a:t>
+              </a:r>
+              <a:r>
+                <a:rPr kumimoji="0" lang="en-GB" altLang="ko-KR" sz="800" b="1" i="0" u="none" strike="noStrike" cap="none" normalizeH="0" baseline="0" smtClean="0">
+                  <a:ln>
+                    <a:noFill/>
+                  </a:ln>
+                  <a:solidFill>
+                    <a:srgbClr val="0000FF"/>
+                  </a:solidFill>
+                  <a:effectLst/>
+                  <a:latin typeface="Microsoft Sans Serif" panose="020B0604020202020204" pitchFamily="34" charset="0"/>
+                  <a:ea typeface="맑은 고딕" panose="020B0503020000020004" pitchFamily="50" charset="-127"/>
+                  <a:cs typeface="Microsoft Sans Serif" panose="020B0604020202020204" pitchFamily="34" charset="0"/>
+                </a:rPr>
+                <a:t> </a:t>
+              </a:r>
+              <a:r>
+                <a:rPr kumimoji="0" lang="en-GB" altLang="ko-KR" sz="800" b="0" i="0" u="none" strike="noStrike" cap="none" normalizeH="0" baseline="0" smtClean="0">
+                  <a:ln>
+                    <a:noFill/>
+                  </a:ln>
+                  <a:solidFill>
+                    <a:schemeClr val="tx1"/>
+                  </a:solidFill>
+                  <a:effectLst/>
+                  <a:latin typeface="Times New Roman" panose="02020603050405020304" pitchFamily="18" charset="0"/>
+                  <a:ea typeface="맑은 고딕" panose="020B0503020000020004" pitchFamily="50" charset="-127"/>
+                  <a:cs typeface="Times New Roman" panose="02020603050405020304" pitchFamily="18" charset="0"/>
+                </a:rPr>
+                <a:t>components</a:t>
+              </a:r>
+              <a:endParaRPr kumimoji="0" lang="en-GB" altLang="ko-KR" sz="1800" b="0" i="0" u="none" strike="noStrike" cap="none" normalizeH="0" baseline="0" smtClean="0">
+                <a:ln>
+                  <a:noFill/>
+                </a:ln>
+                <a:solidFill>
+                  <a:schemeClr val="tx1"/>
+                </a:solidFill>
+                <a:effectLst/>
+                <a:latin typeface="Arial" panose="020B0604020202020204" pitchFamily="34" charset="0"/>
+              </a:endParaRPr>
+            </a:p>
+          </p:txBody>
+        </p:sp>
+        <p:sp>
+          <p:nvSpPr>
+            <p:cNvPr id="2096" name="Text Box 31"/>
+            <p:cNvSpPr txBox="1">
+              <a:spLocks noChangeArrowheads="1"/>
+            </p:cNvSpPr>
+            <p:nvPr/>
+          </p:nvSpPr>
+          <p:spPr bwMode="auto">
+            <a:xfrm>
+              <a:off x="9717" y="6732"/>
+              <a:ext cx="1800" cy="985"/>
+            </a:xfrm>
+            <a:prstGeom prst="rect">
+              <a:avLst/>
+            </a:prstGeom>
+            <a:noFill/>
+            <a:ln>
+              <a:noFill/>
+            </a:ln>
+            <a:extLst>
+              <a:ext uri="{909E8E84-426E-40DD-AFC4-6F175D3DCCD1}">
+                <a14:hiddenFill xmlns:a14="http://schemas.microsoft.com/office/drawing/2010/main">
+                  <a:solidFill>
+                    <a:srgbClr val="FFFFFF"/>
+                  </a:solidFill>
+                </a14:hiddenFill>
+              </a:ext>
+              <a:ext uri="{91240B29-F687-4F45-9708-019B960494DF}">
+                <a14:hiddenLine xmlns:a14="http://schemas.microsoft.com/office/drawing/2010/main" w="9525">
+                  <a:solidFill>
+                    <a:srgbClr val="000000"/>
+                  </a:solidFill>
+                  <a:miter lim="800000"/>
+                  <a:headEnd/>
+                  <a:tailEnd/>
+                </a14:hiddenLine>
+              </a:ext>
+            </a:extLst>
+          </p:spPr>
+          <p:txBody>
+            <a:bodyPr vert="horz" wrap="square" lIns="91440" tIns="45720" rIns="91440" bIns="45720" numCol="1" anchor="t" anchorCtr="0" compatLnSpc="1">
+              <a:prstTxWarp prst="textNoShape">
+                <a:avLst/>
+              </a:prstTxWarp>
+            </a:bodyPr>
+            <a:lstStyle/>
+            <a:p>
+              <a:pPr marL="0" marR="0" lvl="0" indent="0" algn="l" defTabSz="914400" rtl="0" eaLnBrk="0" fontAlgn="base" latinLnBrk="0" hangingPunct="0">
+                <a:lnSpc>
+                  <a:spcPct val="100000"/>
+                </a:lnSpc>
+                <a:spcBef>
+                  <a:spcPct val="0"/>
+                </a:spcBef>
+                <a:spcAft>
+                  <a:spcPct val="0"/>
+                </a:spcAft>
+                <a:buClrTx/>
+                <a:buSzTx/>
+                <a:buFontTx/>
+                <a:buNone/>
+                <a:tabLst/>
+              </a:pPr>
+              <a:r>
+                <a:rPr kumimoji="0" lang="en-GB" altLang="ko-KR" sz="800" b="0" i="0" u="none" strike="noStrike" cap="none" normalizeH="0" baseline="0" smtClean="0">
+                  <a:ln>
+                    <a:noFill/>
+                  </a:ln>
+                  <a:solidFill>
+                    <a:schemeClr val="tx1"/>
+                  </a:solidFill>
+                  <a:effectLst/>
+                  <a:latin typeface="Times New Roman" panose="02020603050405020304" pitchFamily="18" charset="0"/>
+                  <a:ea typeface="맑은 고딕" panose="020B0503020000020004" pitchFamily="50" charset="-127"/>
+                  <a:cs typeface="Times New Roman" panose="02020603050405020304" pitchFamily="18" charset="0"/>
+                </a:rPr>
+                <a:t>Increment is tested in customers’ facilities using test cases from story cards</a:t>
+              </a:r>
+              <a:endParaRPr kumimoji="0" lang="en-GB" altLang="ko-KR" sz="1800" b="0" i="0" u="none" strike="noStrike" cap="none" normalizeH="0" baseline="0" smtClean="0">
+                <a:ln>
+                  <a:noFill/>
+                </a:ln>
+                <a:solidFill>
+                  <a:schemeClr val="tx1"/>
+                </a:solidFill>
+                <a:effectLst/>
+                <a:latin typeface="Arial" panose="020B0604020202020204" pitchFamily="34" charset="0"/>
+              </a:endParaRPr>
+            </a:p>
+          </p:txBody>
+        </p:sp>
+        <p:sp>
+          <p:nvSpPr>
+            <p:cNvPr id="2097" name="Line 30"/>
+            <p:cNvSpPr>
+              <a:spLocks noChangeShapeType="1"/>
+            </p:cNvSpPr>
+            <p:nvPr/>
+          </p:nvSpPr>
+          <p:spPr bwMode="auto">
+            <a:xfrm>
+              <a:off x="7647" y="6791"/>
+              <a:ext cx="180" cy="180"/>
+            </a:xfrm>
+            <a:prstGeom prst="line">
+              <a:avLst/>
+            </a:prstGeom>
+            <a:noFill/>
+            <a:ln w="9525">
+              <a:solidFill>
+                <a:srgbClr val="000000"/>
+              </a:solidFill>
+              <a:round/>
+              <a:headEnd/>
+              <a:tailEnd/>
+            </a:ln>
+            <a:extLst>
+              <a:ext uri="{909E8E84-426E-40DD-AFC4-6F175D3DCCD1}">
+                <a14:hiddenFill xmlns:a14="http://schemas.microsoft.com/office/drawing/2010/main">
+                  <a:noFill/>
+                </a14:hiddenFill>
+              </a:ext>
+            </a:extLst>
+          </p:spPr>
+          <p:txBody>
+            <a:bodyPr vert="horz" wrap="square" lIns="91440" tIns="45720" rIns="91440" bIns="45720" numCol="1" anchor="t" anchorCtr="0" compatLnSpc="1">
+              <a:prstTxWarp prst="textNoShape">
+                <a:avLst/>
+              </a:prstTxWarp>
+            </a:bodyPr>
+            <a:lstStyle/>
+            <a:p>
+              <a:endParaRPr lang="ko-KR" altLang="en-US"/>
+            </a:p>
+          </p:txBody>
+        </p:sp>
+        <p:sp>
+          <p:nvSpPr>
+            <p:cNvPr id="2098" name="Line 29"/>
+            <p:cNvSpPr>
+              <a:spLocks noChangeShapeType="1"/>
+            </p:cNvSpPr>
+            <p:nvPr/>
+          </p:nvSpPr>
+          <p:spPr bwMode="auto">
+            <a:xfrm flipH="1">
+              <a:off x="7647" y="6798"/>
+              <a:ext cx="180" cy="180"/>
+            </a:xfrm>
+            <a:prstGeom prst="line">
+              <a:avLst/>
+            </a:prstGeom>
+            <a:noFill/>
+            <a:ln w="9525">
+              <a:solidFill>
+                <a:srgbClr val="000000"/>
+              </a:solidFill>
+              <a:round/>
+              <a:headEnd/>
+              <a:tailEnd/>
+            </a:ln>
+            <a:extLst>
+              <a:ext uri="{909E8E84-426E-40DD-AFC4-6F175D3DCCD1}">
+                <a14:hiddenFill xmlns:a14="http://schemas.microsoft.com/office/drawing/2010/main">
+                  <a:noFill/>
+                </a14:hiddenFill>
+              </a:ext>
+            </a:extLst>
+          </p:spPr>
+          <p:txBody>
+            <a:bodyPr vert="horz" wrap="square" lIns="91440" tIns="45720" rIns="91440" bIns="45720" numCol="1" anchor="t" anchorCtr="0" compatLnSpc="1">
+              <a:prstTxWarp prst="textNoShape">
+                <a:avLst/>
+              </a:prstTxWarp>
+            </a:bodyPr>
+            <a:lstStyle/>
+            <a:p>
+              <a:endParaRPr lang="ko-KR" altLang="en-US"/>
+            </a:p>
+          </p:txBody>
+        </p:sp>
+        <p:sp>
+          <p:nvSpPr>
+            <p:cNvPr id="2099" name="Line 28"/>
+            <p:cNvSpPr>
+              <a:spLocks noChangeShapeType="1"/>
+            </p:cNvSpPr>
+            <p:nvPr/>
+          </p:nvSpPr>
+          <p:spPr bwMode="auto">
+            <a:xfrm>
+              <a:off x="8008" y="6967"/>
+              <a:ext cx="180" cy="180"/>
+            </a:xfrm>
+            <a:prstGeom prst="line">
+              <a:avLst/>
+            </a:prstGeom>
+            <a:noFill/>
+            <a:ln w="9525">
+              <a:solidFill>
+                <a:srgbClr val="000000"/>
+              </a:solidFill>
+              <a:round/>
+              <a:headEnd/>
+              <a:tailEnd/>
+            </a:ln>
+            <a:extLst>
+              <a:ext uri="{909E8E84-426E-40DD-AFC4-6F175D3DCCD1}">
+                <a14:hiddenFill xmlns:a14="http://schemas.microsoft.com/office/drawing/2010/main">
+                  <a:noFill/>
+                </a14:hiddenFill>
+              </a:ext>
+            </a:extLst>
+          </p:spPr>
+          <p:txBody>
+            <a:bodyPr vert="horz" wrap="square" lIns="91440" tIns="45720" rIns="91440" bIns="45720" numCol="1" anchor="t" anchorCtr="0" compatLnSpc="1">
+              <a:prstTxWarp prst="textNoShape">
+                <a:avLst/>
+              </a:prstTxWarp>
+            </a:bodyPr>
+            <a:lstStyle/>
+            <a:p>
+              <a:endParaRPr lang="ko-KR" altLang="en-US"/>
+            </a:p>
+          </p:txBody>
+        </p:sp>
+        <p:sp>
+          <p:nvSpPr>
+            <p:cNvPr id="2100" name="Line 27"/>
+            <p:cNvSpPr>
+              <a:spLocks noChangeShapeType="1"/>
+            </p:cNvSpPr>
+            <p:nvPr/>
+          </p:nvSpPr>
+          <p:spPr bwMode="auto">
+            <a:xfrm flipH="1">
+              <a:off x="8008" y="6974"/>
+              <a:ext cx="180" cy="180"/>
+            </a:xfrm>
+            <a:prstGeom prst="line">
+              <a:avLst/>
+            </a:prstGeom>
+            <a:noFill/>
+            <a:ln w="9525">
+              <a:solidFill>
+                <a:srgbClr val="000000"/>
+              </a:solidFill>
+              <a:round/>
+              <a:headEnd/>
+              <a:tailEnd/>
+            </a:ln>
+            <a:extLst>
+              <a:ext uri="{909E8E84-426E-40DD-AFC4-6F175D3DCCD1}">
+                <a14:hiddenFill xmlns:a14="http://schemas.microsoft.com/office/drawing/2010/main">
+                  <a:noFill/>
+                </a14:hiddenFill>
+              </a:ext>
+            </a:extLst>
+          </p:spPr>
+          <p:txBody>
+            <a:bodyPr vert="horz" wrap="square" lIns="91440" tIns="45720" rIns="91440" bIns="45720" numCol="1" anchor="t" anchorCtr="0" compatLnSpc="1">
+              <a:prstTxWarp prst="textNoShape">
+                <a:avLst/>
+              </a:prstTxWarp>
+            </a:bodyPr>
+            <a:lstStyle/>
+            <a:p>
+              <a:endParaRPr lang="ko-KR" altLang="en-US"/>
+            </a:p>
+          </p:txBody>
+        </p:sp>
+        <p:sp>
+          <p:nvSpPr>
+            <p:cNvPr id="2101" name="Line 26"/>
+            <p:cNvSpPr>
+              <a:spLocks noChangeShapeType="1"/>
+            </p:cNvSpPr>
+            <p:nvPr/>
+          </p:nvSpPr>
+          <p:spPr bwMode="auto">
+            <a:xfrm>
+              <a:off x="7832" y="6789"/>
+              <a:ext cx="180" cy="180"/>
+            </a:xfrm>
+            <a:prstGeom prst="line">
+              <a:avLst/>
+            </a:prstGeom>
+            <a:noFill/>
+            <a:ln w="9525">
+              <a:solidFill>
+                <a:srgbClr val="000000"/>
+              </a:solidFill>
+              <a:round/>
+              <a:headEnd/>
+              <a:tailEnd/>
+            </a:ln>
+            <a:extLst>
+              <a:ext uri="{909E8E84-426E-40DD-AFC4-6F175D3DCCD1}">
+                <a14:hiddenFill xmlns:a14="http://schemas.microsoft.com/office/drawing/2010/main">
+                  <a:noFill/>
+                </a14:hiddenFill>
+              </a:ext>
+            </a:extLst>
+          </p:spPr>
+          <p:txBody>
+            <a:bodyPr vert="horz" wrap="square" lIns="91440" tIns="45720" rIns="91440" bIns="45720" numCol="1" anchor="t" anchorCtr="0" compatLnSpc="1">
+              <a:prstTxWarp prst="textNoShape">
+                <a:avLst/>
+              </a:prstTxWarp>
+            </a:bodyPr>
+            <a:lstStyle/>
+            <a:p>
+              <a:endParaRPr lang="ko-KR" altLang="en-US"/>
+            </a:p>
+          </p:txBody>
+        </p:sp>
+        <p:sp>
+          <p:nvSpPr>
+            <p:cNvPr id="2102" name="Line 25"/>
+            <p:cNvSpPr>
+              <a:spLocks noChangeShapeType="1"/>
+            </p:cNvSpPr>
+            <p:nvPr/>
+          </p:nvSpPr>
+          <p:spPr bwMode="auto">
+            <a:xfrm flipH="1">
+              <a:off x="7832" y="6796"/>
+              <a:ext cx="180" cy="180"/>
+            </a:xfrm>
+            <a:prstGeom prst="line">
+              <a:avLst/>
+            </a:prstGeom>
+            <a:noFill/>
+            <a:ln w="9525">
+              <a:solidFill>
+                <a:srgbClr val="000000"/>
+              </a:solidFill>
+              <a:round/>
+              <a:headEnd/>
+              <a:tailEnd/>
+            </a:ln>
+            <a:extLst>
+              <a:ext uri="{909E8E84-426E-40DD-AFC4-6F175D3DCCD1}">
+                <a14:hiddenFill xmlns:a14="http://schemas.microsoft.com/office/drawing/2010/main">
+                  <a:noFill/>
+                </a14:hiddenFill>
+              </a:ext>
+            </a:extLst>
+          </p:spPr>
+          <p:txBody>
+            <a:bodyPr vert="horz" wrap="square" lIns="91440" tIns="45720" rIns="91440" bIns="45720" numCol="1" anchor="t" anchorCtr="0" compatLnSpc="1">
+              <a:prstTxWarp prst="textNoShape">
+                <a:avLst/>
+              </a:prstTxWarp>
+            </a:bodyPr>
+            <a:lstStyle/>
+            <a:p>
+              <a:endParaRPr lang="ko-KR" altLang="en-US"/>
+            </a:p>
+          </p:txBody>
+        </p:sp>
+        <p:sp>
+          <p:nvSpPr>
+            <p:cNvPr id="2103" name="Line 24"/>
+            <p:cNvSpPr>
+              <a:spLocks noChangeShapeType="1"/>
+            </p:cNvSpPr>
+            <p:nvPr/>
+          </p:nvSpPr>
+          <p:spPr bwMode="auto">
+            <a:xfrm>
+              <a:off x="7832" y="7331"/>
+              <a:ext cx="180" cy="180"/>
+            </a:xfrm>
+            <a:prstGeom prst="line">
+              <a:avLst/>
+            </a:prstGeom>
+            <a:noFill/>
+            <a:ln w="9525">
+              <a:solidFill>
+                <a:srgbClr val="000000"/>
+              </a:solidFill>
+              <a:round/>
+              <a:headEnd/>
+              <a:tailEnd/>
+            </a:ln>
+            <a:extLst>
+              <a:ext uri="{909E8E84-426E-40DD-AFC4-6F175D3DCCD1}">
+                <a14:hiddenFill xmlns:a14="http://schemas.microsoft.com/office/drawing/2010/main">
+                  <a:noFill/>
+                </a14:hiddenFill>
+              </a:ext>
+            </a:extLst>
+          </p:spPr>
+          <p:txBody>
+            <a:bodyPr vert="horz" wrap="square" lIns="91440" tIns="45720" rIns="91440" bIns="45720" numCol="1" anchor="t" anchorCtr="0" compatLnSpc="1">
+              <a:prstTxWarp prst="textNoShape">
+                <a:avLst/>
+              </a:prstTxWarp>
+            </a:bodyPr>
+            <a:lstStyle/>
+            <a:p>
+              <a:endParaRPr lang="ko-KR" altLang="en-US"/>
+            </a:p>
+          </p:txBody>
+        </p:sp>
+        <p:sp>
+          <p:nvSpPr>
+            <p:cNvPr id="2104" name="Line 23"/>
+            <p:cNvSpPr>
+              <a:spLocks noChangeShapeType="1"/>
+            </p:cNvSpPr>
+            <p:nvPr/>
+          </p:nvSpPr>
+          <p:spPr bwMode="auto">
+            <a:xfrm flipH="1">
+              <a:off x="7832" y="7338"/>
+              <a:ext cx="180" cy="180"/>
+            </a:xfrm>
+            <a:prstGeom prst="line">
+              <a:avLst/>
+            </a:prstGeom>
+            <a:noFill/>
+            <a:ln w="9525">
+              <a:solidFill>
+                <a:srgbClr val="000000"/>
+              </a:solidFill>
+              <a:round/>
+              <a:headEnd/>
+              <a:tailEnd/>
+            </a:ln>
+            <a:extLst>
+              <a:ext uri="{909E8E84-426E-40DD-AFC4-6F175D3DCCD1}">
+                <a14:hiddenFill xmlns:a14="http://schemas.microsoft.com/office/drawing/2010/main">
+                  <a:noFill/>
+                </a14:hiddenFill>
+              </a:ext>
+            </a:extLst>
+          </p:spPr>
+          <p:txBody>
+            <a:bodyPr vert="horz" wrap="square" lIns="91440" tIns="45720" rIns="91440" bIns="45720" numCol="1" anchor="t" anchorCtr="0" compatLnSpc="1">
+              <a:prstTxWarp prst="textNoShape">
+                <a:avLst/>
+              </a:prstTxWarp>
+            </a:bodyPr>
+            <a:lstStyle/>
+            <a:p>
+              <a:endParaRPr lang="ko-KR" altLang="en-US"/>
+            </a:p>
+          </p:txBody>
+        </p:sp>
+        <p:sp>
+          <p:nvSpPr>
+            <p:cNvPr id="2105" name="Line 22"/>
+            <p:cNvSpPr>
+              <a:spLocks noChangeShapeType="1"/>
+            </p:cNvSpPr>
+            <p:nvPr/>
+          </p:nvSpPr>
+          <p:spPr bwMode="auto">
+            <a:xfrm>
+              <a:off x="8367" y="7141"/>
+              <a:ext cx="180" cy="180"/>
+            </a:xfrm>
+            <a:prstGeom prst="line">
+              <a:avLst/>
+            </a:prstGeom>
+            <a:noFill/>
+            <a:ln w="9525">
+              <a:solidFill>
+                <a:srgbClr val="000000"/>
+              </a:solidFill>
+              <a:round/>
+              <a:headEnd/>
+              <a:tailEnd/>
+            </a:ln>
+            <a:extLst>
+              <a:ext uri="{909E8E84-426E-40DD-AFC4-6F175D3DCCD1}">
+                <a14:hiddenFill xmlns:a14="http://schemas.microsoft.com/office/drawing/2010/main">
+                  <a:noFill/>
+                </a14:hiddenFill>
+              </a:ext>
+            </a:extLst>
+          </p:spPr>
+          <p:txBody>
+            <a:bodyPr vert="horz" wrap="square" lIns="91440" tIns="45720" rIns="91440" bIns="45720" numCol="1" anchor="t" anchorCtr="0" compatLnSpc="1">
+              <a:prstTxWarp prst="textNoShape">
+                <a:avLst/>
+              </a:prstTxWarp>
+            </a:bodyPr>
+            <a:lstStyle/>
+            <a:p>
+              <a:endParaRPr lang="ko-KR" altLang="en-US"/>
+            </a:p>
+          </p:txBody>
+        </p:sp>
+        <p:sp>
+          <p:nvSpPr>
+            <p:cNvPr id="2106" name="Line 21"/>
+            <p:cNvSpPr>
+              <a:spLocks noChangeShapeType="1"/>
+            </p:cNvSpPr>
+            <p:nvPr/>
+          </p:nvSpPr>
+          <p:spPr bwMode="auto">
+            <a:xfrm flipH="1">
+              <a:off x="8367" y="7148"/>
+              <a:ext cx="180" cy="180"/>
+            </a:xfrm>
+            <a:prstGeom prst="line">
+              <a:avLst/>
+            </a:prstGeom>
+            <a:noFill/>
+            <a:ln w="9525">
+              <a:solidFill>
+                <a:srgbClr val="000000"/>
+              </a:solidFill>
+              <a:round/>
+              <a:headEnd/>
+              <a:tailEnd/>
+            </a:ln>
+            <a:extLst>
+              <a:ext uri="{909E8E84-426E-40DD-AFC4-6F175D3DCCD1}">
+                <a14:hiddenFill xmlns:a14="http://schemas.microsoft.com/office/drawing/2010/main">
+                  <a:noFill/>
+                </a14:hiddenFill>
+              </a:ext>
+            </a:extLst>
+          </p:spPr>
+          <p:txBody>
+            <a:bodyPr vert="horz" wrap="square" lIns="91440" tIns="45720" rIns="91440" bIns="45720" numCol="1" anchor="t" anchorCtr="0" compatLnSpc="1">
+              <a:prstTxWarp prst="textNoShape">
+                <a:avLst/>
+              </a:prstTxWarp>
+            </a:bodyPr>
+            <a:lstStyle/>
+            <a:p>
+              <a:endParaRPr lang="ko-KR" altLang="en-US"/>
+            </a:p>
+          </p:txBody>
+        </p:sp>
+        <p:sp>
+          <p:nvSpPr>
+            <p:cNvPr id="2107" name="Line 20"/>
+            <p:cNvSpPr>
+              <a:spLocks noChangeShapeType="1"/>
+            </p:cNvSpPr>
+            <p:nvPr/>
+          </p:nvSpPr>
+          <p:spPr bwMode="auto">
+            <a:xfrm>
+              <a:off x="8187" y="7500"/>
+              <a:ext cx="180" cy="180"/>
+            </a:xfrm>
+            <a:prstGeom prst="line">
+              <a:avLst/>
+            </a:prstGeom>
+            <a:noFill/>
+            <a:ln w="9525">
+              <a:solidFill>
+                <a:srgbClr val="000000"/>
+              </a:solidFill>
+              <a:round/>
+              <a:headEnd/>
+              <a:tailEnd/>
+            </a:ln>
+            <a:extLst>
+              <a:ext uri="{909E8E84-426E-40DD-AFC4-6F175D3DCCD1}">
+                <a14:hiddenFill xmlns:a14="http://schemas.microsoft.com/office/drawing/2010/main">
+                  <a:noFill/>
+                </a14:hiddenFill>
+              </a:ext>
+            </a:extLst>
+          </p:spPr>
+          <p:txBody>
+            <a:bodyPr vert="horz" wrap="square" lIns="91440" tIns="45720" rIns="91440" bIns="45720" numCol="1" anchor="t" anchorCtr="0" compatLnSpc="1">
+              <a:prstTxWarp prst="textNoShape">
+                <a:avLst/>
+              </a:prstTxWarp>
+            </a:bodyPr>
+            <a:lstStyle/>
+            <a:p>
+              <a:endParaRPr lang="ko-KR" altLang="en-US"/>
+            </a:p>
+          </p:txBody>
+        </p:sp>
+        <p:sp>
+          <p:nvSpPr>
+            <p:cNvPr id="2108" name="Line 19"/>
+            <p:cNvSpPr>
+              <a:spLocks noChangeShapeType="1"/>
+            </p:cNvSpPr>
+            <p:nvPr/>
+          </p:nvSpPr>
+          <p:spPr bwMode="auto">
+            <a:xfrm flipH="1">
+              <a:off x="8187" y="7507"/>
+              <a:ext cx="180" cy="180"/>
+            </a:xfrm>
+            <a:prstGeom prst="line">
+              <a:avLst/>
+            </a:prstGeom>
+            <a:noFill/>
+            <a:ln w="9525">
+              <a:solidFill>
+                <a:srgbClr val="000000"/>
+              </a:solidFill>
+              <a:round/>
+              <a:headEnd/>
+              <a:tailEnd/>
+            </a:ln>
+            <a:extLst>
+              <a:ext uri="{909E8E84-426E-40DD-AFC4-6F175D3DCCD1}">
+                <a14:hiddenFill xmlns:a14="http://schemas.microsoft.com/office/drawing/2010/main">
+                  <a:noFill/>
+                </a14:hiddenFill>
+              </a:ext>
+            </a:extLst>
+          </p:spPr>
+          <p:txBody>
+            <a:bodyPr vert="horz" wrap="square" lIns="91440" tIns="45720" rIns="91440" bIns="45720" numCol="1" anchor="t" anchorCtr="0" compatLnSpc="1">
+              <a:prstTxWarp prst="textNoShape">
+                <a:avLst/>
+              </a:prstTxWarp>
+            </a:bodyPr>
+            <a:lstStyle/>
+            <a:p>
+              <a:endParaRPr lang="ko-KR" altLang="en-US"/>
+            </a:p>
+          </p:txBody>
+        </p:sp>
+        <p:sp>
+          <p:nvSpPr>
+            <p:cNvPr id="2109" name="Line 18"/>
+            <p:cNvSpPr>
+              <a:spLocks noChangeShapeType="1"/>
+            </p:cNvSpPr>
+            <p:nvPr/>
+          </p:nvSpPr>
+          <p:spPr bwMode="auto">
+            <a:xfrm>
+              <a:off x="8547" y="7320"/>
+              <a:ext cx="180" cy="180"/>
+            </a:xfrm>
+            <a:prstGeom prst="line">
+              <a:avLst/>
+            </a:prstGeom>
+            <a:noFill/>
+            <a:ln w="9525">
+              <a:solidFill>
+                <a:srgbClr val="000000"/>
+              </a:solidFill>
+              <a:round/>
+              <a:headEnd/>
+              <a:tailEnd/>
+            </a:ln>
+            <a:extLst>
+              <a:ext uri="{909E8E84-426E-40DD-AFC4-6F175D3DCCD1}">
+                <a14:hiddenFill xmlns:a14="http://schemas.microsoft.com/office/drawing/2010/main">
+                  <a:noFill/>
+                </a14:hiddenFill>
+              </a:ext>
+            </a:extLst>
+          </p:spPr>
+          <p:txBody>
+            <a:bodyPr vert="horz" wrap="square" lIns="91440" tIns="45720" rIns="91440" bIns="45720" numCol="1" anchor="t" anchorCtr="0" compatLnSpc="1">
+              <a:prstTxWarp prst="textNoShape">
+                <a:avLst/>
+              </a:prstTxWarp>
+            </a:bodyPr>
+            <a:lstStyle/>
+            <a:p>
+              <a:endParaRPr lang="ko-KR" altLang="en-US"/>
+            </a:p>
+          </p:txBody>
+        </p:sp>
+        <p:sp>
+          <p:nvSpPr>
+            <p:cNvPr id="2111" name="Line 17"/>
+            <p:cNvSpPr>
+              <a:spLocks noChangeShapeType="1"/>
+            </p:cNvSpPr>
+            <p:nvPr/>
+          </p:nvSpPr>
+          <p:spPr bwMode="auto">
+            <a:xfrm flipH="1">
+              <a:off x="8547" y="7327"/>
+              <a:ext cx="180" cy="180"/>
+            </a:xfrm>
+            <a:prstGeom prst="line">
+              <a:avLst/>
+            </a:prstGeom>
+            <a:noFill/>
+            <a:ln w="9525">
+              <a:solidFill>
+                <a:srgbClr val="000000"/>
+              </a:solidFill>
+              <a:round/>
+              <a:headEnd/>
+              <a:tailEnd/>
+            </a:ln>
+            <a:extLst>
+              <a:ext uri="{909E8E84-426E-40DD-AFC4-6F175D3DCCD1}">
+                <a14:hiddenFill xmlns:a14="http://schemas.microsoft.com/office/drawing/2010/main">
+                  <a:noFill/>
+                </a14:hiddenFill>
+              </a:ext>
+            </a:extLst>
+          </p:spPr>
+          <p:txBody>
+            <a:bodyPr vert="horz" wrap="square" lIns="91440" tIns="45720" rIns="91440" bIns="45720" numCol="1" anchor="t" anchorCtr="0" compatLnSpc="1">
+              <a:prstTxWarp prst="textNoShape">
+                <a:avLst/>
+              </a:prstTxWarp>
+            </a:bodyPr>
+            <a:lstStyle/>
+            <a:p>
+              <a:endParaRPr lang="ko-KR" altLang="en-US"/>
+            </a:p>
+          </p:txBody>
+        </p:sp>
+        <p:sp>
+          <p:nvSpPr>
+            <p:cNvPr id="2112" name="Line 16"/>
+            <p:cNvSpPr>
+              <a:spLocks noChangeShapeType="1"/>
+            </p:cNvSpPr>
+            <p:nvPr/>
+          </p:nvSpPr>
+          <p:spPr bwMode="auto">
+            <a:xfrm>
+              <a:off x="8727" y="7500"/>
+              <a:ext cx="180" cy="180"/>
+            </a:xfrm>
+            <a:prstGeom prst="line">
+              <a:avLst/>
+            </a:prstGeom>
+            <a:noFill/>
+            <a:ln w="9525">
+              <a:solidFill>
+                <a:srgbClr val="000000"/>
+              </a:solidFill>
+              <a:round/>
+              <a:headEnd/>
+              <a:tailEnd/>
+            </a:ln>
+            <a:extLst>
+              <a:ext uri="{909E8E84-426E-40DD-AFC4-6F175D3DCCD1}">
+                <a14:hiddenFill xmlns:a14="http://schemas.microsoft.com/office/drawing/2010/main">
+                  <a:noFill/>
+                </a14:hiddenFill>
+              </a:ext>
+            </a:extLst>
+          </p:spPr>
+          <p:txBody>
+            <a:bodyPr vert="horz" wrap="square" lIns="91440" tIns="45720" rIns="91440" bIns="45720" numCol="1" anchor="t" anchorCtr="0" compatLnSpc="1">
+              <a:prstTxWarp prst="textNoShape">
+                <a:avLst/>
+              </a:prstTxWarp>
+            </a:bodyPr>
+            <a:lstStyle/>
+            <a:p>
+              <a:endParaRPr lang="ko-KR" altLang="en-US"/>
+            </a:p>
+          </p:txBody>
+        </p:sp>
+        <p:sp>
+          <p:nvSpPr>
+            <p:cNvPr id="2114" name="Line 15"/>
+            <p:cNvSpPr>
+              <a:spLocks noChangeShapeType="1"/>
+            </p:cNvSpPr>
+            <p:nvPr/>
+          </p:nvSpPr>
+          <p:spPr bwMode="auto">
+            <a:xfrm flipH="1">
+              <a:off x="8727" y="7507"/>
+              <a:ext cx="180" cy="180"/>
+            </a:xfrm>
+            <a:prstGeom prst="line">
+              <a:avLst/>
+            </a:prstGeom>
+            <a:noFill/>
+            <a:ln w="9525">
+              <a:solidFill>
+                <a:srgbClr val="000000"/>
+              </a:solidFill>
+              <a:round/>
+              <a:headEnd/>
+              <a:tailEnd/>
+            </a:ln>
+            <a:extLst>
+              <a:ext uri="{909E8E84-426E-40DD-AFC4-6F175D3DCCD1}">
+                <a14:hiddenFill xmlns:a14="http://schemas.microsoft.com/office/drawing/2010/main">
+                  <a:noFill/>
+                </a14:hiddenFill>
+              </a:ext>
+            </a:extLst>
+          </p:spPr>
+          <p:txBody>
+            <a:bodyPr vert="horz" wrap="square" lIns="91440" tIns="45720" rIns="91440" bIns="45720" numCol="1" anchor="t" anchorCtr="0" compatLnSpc="1">
+              <a:prstTxWarp prst="textNoShape">
+                <a:avLst/>
+              </a:prstTxWarp>
+            </a:bodyPr>
+            <a:lstStyle/>
+            <a:p>
+              <a:endParaRPr lang="ko-KR" altLang="en-US"/>
+            </a:p>
+          </p:txBody>
+        </p:sp>
+        <p:sp>
+          <p:nvSpPr>
+            <p:cNvPr id="2115" name="AutoShape 14"/>
+            <p:cNvSpPr>
+              <a:spLocks noChangeArrowheads="1"/>
+            </p:cNvSpPr>
+            <p:nvPr/>
+          </p:nvSpPr>
+          <p:spPr bwMode="auto">
+            <a:xfrm>
+              <a:off x="3147" y="4752"/>
+              <a:ext cx="482" cy="369"/>
+            </a:xfrm>
+            <a:prstGeom prst="foldedCorner">
+              <a:avLst>
+                <a:gd name="adj" fmla="val 12500"/>
+              </a:avLst>
+            </a:prstGeom>
+            <a:solidFill>
+              <a:srgbClr val="FFFFFF"/>
+            </a:solidFill>
+            <a:ln w="9525">
+              <a:solidFill>
+                <a:srgbClr val="000000"/>
+              </a:solidFill>
+              <a:round/>
+              <a:headEnd/>
+              <a:tailEnd/>
+            </a:ln>
+          </p:spPr>
+          <p:txBody>
+            <a:bodyPr vert="horz" wrap="square" lIns="91440" tIns="45720" rIns="91440" bIns="45720" numCol="1" anchor="t" anchorCtr="0" compatLnSpc="1">
+              <a:prstTxWarp prst="textNoShape">
+                <a:avLst/>
+              </a:prstTxWarp>
+            </a:bodyPr>
+            <a:lstStyle/>
+            <a:p>
+              <a:endParaRPr lang="ko-KR" altLang="en-US"/>
+            </a:p>
+          </p:txBody>
+        </p:sp>
+        <p:sp>
+          <p:nvSpPr>
+            <p:cNvPr id="2116" name="Line 13"/>
+            <p:cNvSpPr>
+              <a:spLocks noChangeShapeType="1"/>
+            </p:cNvSpPr>
+            <p:nvPr/>
+          </p:nvSpPr>
+          <p:spPr bwMode="auto">
+            <a:xfrm flipV="1">
+              <a:off x="2427" y="5112"/>
+              <a:ext cx="360" cy="900"/>
+            </a:xfrm>
+            <a:prstGeom prst="line">
+              <a:avLst/>
+            </a:prstGeom>
+            <a:noFill/>
+            <a:ln w="9525">
+              <a:solidFill>
+                <a:srgbClr val="000000"/>
+              </a:solidFill>
+              <a:round/>
+              <a:headEnd/>
+              <a:tailEnd type="triangle" w="med" len="med"/>
+            </a:ln>
+            <a:extLst>
+              <a:ext uri="{909E8E84-426E-40DD-AFC4-6F175D3DCCD1}">
+                <a14:hiddenFill xmlns:a14="http://schemas.microsoft.com/office/drawing/2010/main">
+                  <a:noFill/>
+                </a14:hiddenFill>
+              </a:ext>
+            </a:extLst>
+          </p:spPr>
+          <p:txBody>
+            <a:bodyPr vert="horz" wrap="square" lIns="91440" tIns="45720" rIns="91440" bIns="45720" numCol="1" anchor="t" anchorCtr="0" compatLnSpc="1">
+              <a:prstTxWarp prst="textNoShape">
+                <a:avLst/>
+              </a:prstTxWarp>
+            </a:bodyPr>
+            <a:lstStyle/>
+            <a:p>
+              <a:endParaRPr lang="ko-KR" altLang="en-US"/>
+            </a:p>
+          </p:txBody>
+        </p:sp>
+        <p:sp>
+          <p:nvSpPr>
+            <p:cNvPr id="2117" name="Text Box 12"/>
+            <p:cNvSpPr txBox="1">
+              <a:spLocks noChangeArrowheads="1"/>
+            </p:cNvSpPr>
+            <p:nvPr/>
+          </p:nvSpPr>
+          <p:spPr bwMode="auto">
+            <a:xfrm>
+              <a:off x="9867" y="3747"/>
+              <a:ext cx="1260" cy="720"/>
+            </a:xfrm>
+            <a:prstGeom prst="rect">
+              <a:avLst/>
+            </a:prstGeom>
+            <a:noFill/>
+            <a:ln>
+              <a:noFill/>
+            </a:ln>
+            <a:extLst>
+              <a:ext uri="{909E8E84-426E-40DD-AFC4-6F175D3DCCD1}">
+                <a14:hiddenFill xmlns:a14="http://schemas.microsoft.com/office/drawing/2010/main">
+                  <a:solidFill>
+                    <a:srgbClr val="FFFFFF"/>
+                  </a:solidFill>
+                </a14:hiddenFill>
+              </a:ext>
+              <a:ext uri="{91240B29-F687-4F45-9708-019B960494DF}">
+                <a14:hiddenLine xmlns:a14="http://schemas.microsoft.com/office/drawing/2010/main" w="9525">
+                  <a:solidFill>
+                    <a:srgbClr val="000000"/>
+                  </a:solidFill>
+                  <a:miter lim="800000"/>
+                  <a:headEnd/>
+                  <a:tailEnd/>
+                </a14:hiddenLine>
+              </a:ext>
+            </a:extLst>
+          </p:spPr>
+          <p:txBody>
+            <a:bodyPr vert="horz" wrap="square" lIns="91440" tIns="45720" rIns="91440" bIns="45720" numCol="1" anchor="t" anchorCtr="0" compatLnSpc="1">
+              <a:prstTxWarp prst="textNoShape">
+                <a:avLst/>
+              </a:prstTxWarp>
+            </a:bodyPr>
+            <a:lstStyle/>
+            <a:p>
+              <a:pPr marL="0" marR="0" lvl="0" indent="0" algn="l" defTabSz="914400" rtl="0" eaLnBrk="0" fontAlgn="base" latinLnBrk="0" hangingPunct="0">
+                <a:lnSpc>
+                  <a:spcPct val="100000"/>
+                </a:lnSpc>
+                <a:spcBef>
+                  <a:spcPct val="0"/>
+                </a:spcBef>
+                <a:spcAft>
+                  <a:spcPct val="0"/>
+                </a:spcAft>
+                <a:buClrTx/>
+                <a:buSzTx/>
+                <a:buFontTx/>
+                <a:buNone/>
+                <a:tabLst/>
+              </a:pPr>
+              <a:r>
+                <a:rPr kumimoji="0" lang="en-GB" altLang="ko-KR" sz="800" b="0" i="0" u="none" strike="noStrike" cap="none" normalizeH="0" baseline="0" smtClean="0">
+                  <a:ln>
+                    <a:noFill/>
+                  </a:ln>
+                  <a:solidFill>
+                    <a:schemeClr val="tx1"/>
+                  </a:solidFill>
+                  <a:effectLst/>
+                  <a:latin typeface="Times New Roman" panose="02020603050405020304" pitchFamily="18" charset="0"/>
+                  <a:ea typeface="맑은 고딕" panose="020B0503020000020004" pitchFamily="50" charset="-127"/>
+                  <a:cs typeface="Times New Roman" panose="02020603050405020304" pitchFamily="18" charset="0"/>
+                </a:rPr>
+                <a:t>Get next set of story cards</a:t>
+              </a:r>
+              <a:endParaRPr kumimoji="0" lang="en-GB" altLang="ko-KR" sz="1800" b="0" i="0" u="none" strike="noStrike" cap="none" normalizeH="0" baseline="0" smtClean="0">
+                <a:ln>
+                  <a:noFill/>
+                </a:ln>
+                <a:solidFill>
+                  <a:schemeClr val="tx1"/>
+                </a:solidFill>
+                <a:effectLst/>
+                <a:latin typeface="Arial" panose="020B0604020202020204" pitchFamily="34" charset="0"/>
+              </a:endParaRPr>
+            </a:p>
+          </p:txBody>
+        </p:sp>
+        <p:sp>
+          <p:nvSpPr>
+            <p:cNvPr id="2118" name="Freeform 11"/>
+            <p:cNvSpPr>
+              <a:spLocks/>
+            </p:cNvSpPr>
+            <p:nvPr/>
+          </p:nvSpPr>
+          <p:spPr bwMode="auto">
+            <a:xfrm rot="-1080273">
+              <a:off x="6402" y="6162"/>
+              <a:ext cx="960" cy="900"/>
+            </a:xfrm>
+            <a:custGeom>
+              <a:avLst/>
+              <a:gdLst>
+                <a:gd name="T0" fmla="*/ 60 w 960"/>
+                <a:gd name="T1" fmla="*/ 0 h 900"/>
+                <a:gd name="T2" fmla="*/ 60 w 960"/>
+                <a:gd name="T3" fmla="*/ 360 h 900"/>
+                <a:gd name="T4" fmla="*/ 420 w 960"/>
+                <a:gd name="T5" fmla="*/ 720 h 900"/>
+                <a:gd name="T6" fmla="*/ 960 w 960"/>
+                <a:gd name="T7" fmla="*/ 900 h 900"/>
+              </a:gdLst>
+              <a:ahLst/>
+              <a:cxnLst>
+                <a:cxn ang="0">
+                  <a:pos x="T0" y="T1"/>
+                </a:cxn>
+                <a:cxn ang="0">
+                  <a:pos x="T2" y="T3"/>
+                </a:cxn>
+                <a:cxn ang="0">
+                  <a:pos x="T4" y="T5"/>
+                </a:cxn>
+                <a:cxn ang="0">
+                  <a:pos x="T6" y="T7"/>
+                </a:cxn>
+              </a:cxnLst>
+              <a:rect l="0" t="0" r="r" b="b"/>
+              <a:pathLst>
+                <a:path w="960" h="900">
+                  <a:moveTo>
+                    <a:pt x="60" y="0"/>
+                  </a:moveTo>
+                  <a:cubicBezTo>
+                    <a:pt x="30" y="120"/>
+                    <a:pt x="0" y="240"/>
+                    <a:pt x="60" y="360"/>
+                  </a:cubicBezTo>
+                  <a:cubicBezTo>
+                    <a:pt x="120" y="480"/>
+                    <a:pt x="270" y="630"/>
+                    <a:pt x="420" y="720"/>
+                  </a:cubicBezTo>
+                  <a:cubicBezTo>
+                    <a:pt x="570" y="810"/>
+                    <a:pt x="765" y="855"/>
+                    <a:pt x="960" y="900"/>
+                  </a:cubicBezTo>
+                </a:path>
+              </a:pathLst>
+            </a:custGeom>
+            <a:noFill/>
+            <a:ln w="9525">
+              <a:solidFill>
+                <a:srgbClr val="000000"/>
+              </a:solidFill>
+              <a:round/>
+              <a:headEnd/>
+              <a:tailEnd type="triangle" w="med" len="med"/>
+            </a:ln>
+            <a:extLst>
+              <a:ext uri="{909E8E84-426E-40DD-AFC4-6F175D3DCCD1}">
+                <a14:hiddenFill xmlns:a14="http://schemas.microsoft.com/office/drawing/2010/main">
+                  <a:solidFill>
+                    <a:srgbClr val="FFFFFF"/>
+                  </a:solidFill>
+                </a14:hiddenFill>
+              </a:ext>
+            </a:extLst>
+          </p:spPr>
+          <p:txBody>
+            <a:bodyPr vert="horz" wrap="square" lIns="91440" tIns="45720" rIns="91440" bIns="45720" numCol="1" anchor="t" anchorCtr="0" compatLnSpc="1">
+              <a:prstTxWarp prst="textNoShape">
+                <a:avLst/>
+              </a:prstTxWarp>
+            </a:bodyPr>
+            <a:lstStyle/>
+            <a:p>
+              <a:endParaRPr lang="ko-KR" altLang="en-US"/>
+            </a:p>
+          </p:txBody>
+        </p:sp>
+        <p:sp>
+          <p:nvSpPr>
+            <p:cNvPr id="2119" name="Line 10"/>
+            <p:cNvSpPr>
+              <a:spLocks noChangeShapeType="1"/>
+            </p:cNvSpPr>
+            <p:nvPr/>
+          </p:nvSpPr>
+          <p:spPr bwMode="auto">
+            <a:xfrm>
+              <a:off x="2247" y="8173"/>
+              <a:ext cx="8820" cy="1"/>
+            </a:xfrm>
+            <a:prstGeom prst="line">
+              <a:avLst/>
+            </a:prstGeom>
+            <a:noFill/>
+            <a:ln w="9525">
+              <a:solidFill>
+                <a:srgbClr val="000000"/>
+              </a:solidFill>
+              <a:round/>
+              <a:headEnd/>
+              <a:tailEnd/>
+            </a:ln>
+            <a:extLst>
+              <a:ext uri="{909E8E84-426E-40DD-AFC4-6F175D3DCCD1}">
+                <a14:hiddenFill xmlns:a14="http://schemas.microsoft.com/office/drawing/2010/main">
+                  <a:noFill/>
+                </a14:hiddenFill>
+              </a:ext>
+            </a:extLst>
+          </p:spPr>
+          <p:txBody>
+            <a:bodyPr vert="horz" wrap="square" lIns="91440" tIns="45720" rIns="91440" bIns="45720" numCol="1" anchor="t" anchorCtr="0" compatLnSpc="1">
+              <a:prstTxWarp prst="textNoShape">
+                <a:avLst/>
+              </a:prstTxWarp>
+            </a:bodyPr>
+            <a:lstStyle/>
+            <a:p>
+              <a:endParaRPr lang="ko-KR" altLang="en-US"/>
+            </a:p>
+          </p:txBody>
+        </p:sp>
+        <p:sp>
+          <p:nvSpPr>
+            <p:cNvPr id="2120" name="Line 9"/>
+            <p:cNvSpPr>
+              <a:spLocks noChangeShapeType="1"/>
+            </p:cNvSpPr>
+            <p:nvPr/>
+          </p:nvSpPr>
+          <p:spPr bwMode="auto">
+            <a:xfrm>
+              <a:off x="2247" y="7812"/>
+              <a:ext cx="1" cy="885"/>
+            </a:xfrm>
+            <a:prstGeom prst="line">
+              <a:avLst/>
+            </a:prstGeom>
+            <a:noFill/>
+            <a:ln w="9525">
+              <a:solidFill>
+                <a:srgbClr val="000000"/>
+              </a:solidFill>
+              <a:round/>
+              <a:headEnd/>
+              <a:tailEnd/>
+            </a:ln>
+            <a:extLst>
+              <a:ext uri="{909E8E84-426E-40DD-AFC4-6F175D3DCCD1}">
+                <a14:hiddenFill xmlns:a14="http://schemas.microsoft.com/office/drawing/2010/main">
+                  <a:noFill/>
+                </a14:hiddenFill>
+              </a:ext>
+            </a:extLst>
+          </p:spPr>
+          <p:txBody>
+            <a:bodyPr vert="horz" wrap="square" lIns="91440" tIns="45720" rIns="91440" bIns="45720" numCol="1" anchor="t" anchorCtr="0" compatLnSpc="1">
+              <a:prstTxWarp prst="textNoShape">
+                <a:avLst/>
+              </a:prstTxWarp>
+            </a:bodyPr>
+            <a:lstStyle/>
+            <a:p>
+              <a:endParaRPr lang="ko-KR" altLang="en-US"/>
+            </a:p>
+          </p:txBody>
+        </p:sp>
+        <p:sp>
+          <p:nvSpPr>
+            <p:cNvPr id="2122" name="Line 8"/>
+            <p:cNvSpPr>
+              <a:spLocks noChangeShapeType="1"/>
+            </p:cNvSpPr>
+            <p:nvPr/>
+          </p:nvSpPr>
+          <p:spPr bwMode="auto">
+            <a:xfrm>
+              <a:off x="6387" y="7812"/>
+              <a:ext cx="1" cy="885"/>
+            </a:xfrm>
+            <a:prstGeom prst="line">
+              <a:avLst/>
+            </a:prstGeom>
+            <a:noFill/>
+            <a:ln w="9525">
+              <a:solidFill>
+                <a:srgbClr val="000000"/>
+              </a:solidFill>
+              <a:round/>
+              <a:headEnd/>
+              <a:tailEnd/>
+            </a:ln>
+            <a:extLst>
+              <a:ext uri="{909E8E84-426E-40DD-AFC4-6F175D3DCCD1}">
+                <a14:hiddenFill xmlns:a14="http://schemas.microsoft.com/office/drawing/2010/main">
+                  <a:noFill/>
+                </a14:hiddenFill>
+              </a:ext>
+            </a:extLst>
+          </p:spPr>
+          <p:txBody>
+            <a:bodyPr vert="horz" wrap="square" lIns="91440" tIns="45720" rIns="91440" bIns="45720" numCol="1" anchor="t" anchorCtr="0" compatLnSpc="1">
+              <a:prstTxWarp prst="textNoShape">
+                <a:avLst/>
+              </a:prstTxWarp>
+            </a:bodyPr>
+            <a:lstStyle/>
+            <a:p>
+              <a:endParaRPr lang="ko-KR" altLang="en-US"/>
+            </a:p>
+          </p:txBody>
+        </p:sp>
+        <p:sp>
+          <p:nvSpPr>
+            <p:cNvPr id="2123" name="Line 7"/>
+            <p:cNvSpPr>
+              <a:spLocks noChangeShapeType="1"/>
+            </p:cNvSpPr>
+            <p:nvPr/>
+          </p:nvSpPr>
+          <p:spPr bwMode="auto">
+            <a:xfrm>
+              <a:off x="9524" y="7812"/>
+              <a:ext cx="1" cy="885"/>
+            </a:xfrm>
+            <a:prstGeom prst="line">
+              <a:avLst/>
+            </a:prstGeom>
+            <a:noFill/>
+            <a:ln w="9525">
+              <a:solidFill>
+                <a:srgbClr val="000000"/>
+              </a:solidFill>
+              <a:round/>
+              <a:headEnd/>
+              <a:tailEnd/>
+            </a:ln>
+            <a:extLst>
+              <a:ext uri="{909E8E84-426E-40DD-AFC4-6F175D3DCCD1}">
+                <a14:hiddenFill xmlns:a14="http://schemas.microsoft.com/office/drawing/2010/main">
+                  <a:noFill/>
+                </a14:hiddenFill>
+              </a:ext>
+            </a:extLst>
+          </p:spPr>
+          <p:txBody>
+            <a:bodyPr vert="horz" wrap="square" lIns="91440" tIns="45720" rIns="91440" bIns="45720" numCol="1" anchor="t" anchorCtr="0" compatLnSpc="1">
+              <a:prstTxWarp prst="textNoShape">
+                <a:avLst/>
+              </a:prstTxWarp>
+            </a:bodyPr>
+            <a:lstStyle/>
+            <a:p>
+              <a:endParaRPr lang="ko-KR" altLang="en-US"/>
+            </a:p>
+          </p:txBody>
+        </p:sp>
+        <p:sp>
+          <p:nvSpPr>
+            <p:cNvPr id="2124" name="Line 6"/>
+            <p:cNvSpPr>
+              <a:spLocks noChangeShapeType="1"/>
+            </p:cNvSpPr>
+            <p:nvPr/>
+          </p:nvSpPr>
+          <p:spPr bwMode="auto">
+            <a:xfrm>
+              <a:off x="11066" y="7813"/>
+              <a:ext cx="1" cy="885"/>
+            </a:xfrm>
+            <a:prstGeom prst="line">
+              <a:avLst/>
+            </a:prstGeom>
+            <a:noFill/>
+            <a:ln w="9525">
+              <a:solidFill>
+                <a:srgbClr val="000000"/>
+              </a:solidFill>
+              <a:round/>
+              <a:headEnd/>
+              <a:tailEnd/>
+            </a:ln>
+            <a:extLst>
+              <a:ext uri="{909E8E84-426E-40DD-AFC4-6F175D3DCCD1}">
+                <a14:hiddenFill xmlns:a14="http://schemas.microsoft.com/office/drawing/2010/main">
+                  <a:noFill/>
+                </a14:hiddenFill>
+              </a:ext>
+            </a:extLst>
+          </p:spPr>
+          <p:txBody>
+            <a:bodyPr vert="horz" wrap="square" lIns="91440" tIns="45720" rIns="91440" bIns="45720" numCol="1" anchor="t" anchorCtr="0" compatLnSpc="1">
+              <a:prstTxWarp prst="textNoShape">
+                <a:avLst/>
+              </a:prstTxWarp>
+            </a:bodyPr>
+            <a:lstStyle/>
+            <a:p>
+              <a:endParaRPr lang="ko-KR" altLang="en-US"/>
+            </a:p>
+          </p:txBody>
+        </p:sp>
+        <p:sp>
+          <p:nvSpPr>
+            <p:cNvPr id="2125" name="Text Box 5"/>
+            <p:cNvSpPr txBox="1">
+              <a:spLocks noChangeArrowheads="1"/>
+            </p:cNvSpPr>
+            <p:nvPr/>
+          </p:nvSpPr>
+          <p:spPr bwMode="auto">
+            <a:xfrm>
+              <a:off x="3327" y="8173"/>
+              <a:ext cx="1800" cy="360"/>
+            </a:xfrm>
+            <a:prstGeom prst="rect">
+              <a:avLst/>
+            </a:prstGeom>
+            <a:noFill/>
+            <a:ln>
+              <a:noFill/>
+            </a:ln>
+            <a:extLst>
+              <a:ext uri="{909E8E84-426E-40DD-AFC4-6F175D3DCCD1}">
+                <a14:hiddenFill xmlns:a14="http://schemas.microsoft.com/office/drawing/2010/main">
+                  <a:solidFill>
+                    <a:srgbClr val="FFFFFF"/>
+                  </a:solidFill>
+                </a14:hiddenFill>
+              </a:ext>
+              <a:ext uri="{91240B29-F687-4F45-9708-019B960494DF}">
+                <a14:hiddenLine xmlns:a14="http://schemas.microsoft.com/office/drawing/2010/main" w="9525">
+                  <a:solidFill>
+                    <a:srgbClr val="000000"/>
+                  </a:solidFill>
+                  <a:miter lim="800000"/>
+                  <a:headEnd/>
+                  <a:tailEnd/>
+                </a14:hiddenLine>
+              </a:ext>
+            </a:extLst>
+          </p:spPr>
+          <p:txBody>
+            <a:bodyPr vert="horz" wrap="square" lIns="91440" tIns="45720" rIns="91440" bIns="45720" numCol="1" anchor="t" anchorCtr="0" compatLnSpc="1">
+              <a:prstTxWarp prst="textNoShape">
+                <a:avLst/>
+              </a:prstTxWarp>
+            </a:bodyPr>
+            <a:lstStyle/>
+            <a:p>
+              <a:pPr marL="0" marR="0" lvl="0" indent="0" algn="l" defTabSz="914400" rtl="0" eaLnBrk="0" fontAlgn="base" latinLnBrk="0" hangingPunct="0">
+                <a:lnSpc>
+                  <a:spcPct val="100000"/>
+                </a:lnSpc>
+                <a:spcBef>
+                  <a:spcPct val="0"/>
+                </a:spcBef>
+                <a:spcAft>
+                  <a:spcPct val="0"/>
+                </a:spcAft>
+                <a:buClrTx/>
+                <a:buSzTx/>
+                <a:buFontTx/>
+                <a:buNone/>
+                <a:tabLst/>
+              </a:pPr>
+              <a:r>
+                <a:rPr kumimoji="0" lang="en-GB" altLang="ko-KR" sz="800" b="0" i="0" u="none" strike="noStrike" cap="none" normalizeH="0" baseline="0" smtClean="0">
+                  <a:ln>
+                    <a:noFill/>
+                  </a:ln>
+                  <a:solidFill>
+                    <a:schemeClr val="tx1"/>
+                  </a:solidFill>
+                  <a:effectLst/>
+                  <a:latin typeface="Times New Roman" panose="02020603050405020304" pitchFamily="18" charset="0"/>
+                  <a:ea typeface="맑은 고딕" panose="020B0503020000020004" pitchFamily="50" charset="-127"/>
+                  <a:cs typeface="Times New Roman" panose="02020603050405020304" pitchFamily="18" charset="0"/>
+                </a:rPr>
+                <a:t>Requirements Phase</a:t>
+              </a:r>
+              <a:endParaRPr kumimoji="0" lang="en-GB" altLang="ko-KR" sz="1800" b="0" i="0" u="none" strike="noStrike" cap="none" normalizeH="0" baseline="0" smtClean="0">
+                <a:ln>
+                  <a:noFill/>
+                </a:ln>
+                <a:solidFill>
+                  <a:schemeClr val="tx1"/>
+                </a:solidFill>
+                <a:effectLst/>
+                <a:latin typeface="Arial" panose="020B0604020202020204" pitchFamily="34" charset="0"/>
+              </a:endParaRPr>
+            </a:p>
+          </p:txBody>
+        </p:sp>
+        <p:sp>
+          <p:nvSpPr>
+            <p:cNvPr id="2126" name="Text Box 4"/>
+            <p:cNvSpPr txBox="1">
+              <a:spLocks noChangeArrowheads="1"/>
+            </p:cNvSpPr>
+            <p:nvPr/>
+          </p:nvSpPr>
+          <p:spPr bwMode="auto">
+            <a:xfrm>
+              <a:off x="6387" y="8173"/>
+              <a:ext cx="3060" cy="360"/>
+            </a:xfrm>
+            <a:prstGeom prst="rect">
+              <a:avLst/>
+            </a:prstGeom>
+            <a:noFill/>
+            <a:ln>
+              <a:noFill/>
+            </a:ln>
+            <a:extLst>
+              <a:ext uri="{909E8E84-426E-40DD-AFC4-6F175D3DCCD1}">
+                <a14:hiddenFill xmlns:a14="http://schemas.microsoft.com/office/drawing/2010/main">
+                  <a:solidFill>
+                    <a:srgbClr val="FFFFFF"/>
+                  </a:solidFill>
+                </a14:hiddenFill>
+              </a:ext>
+              <a:ext uri="{91240B29-F687-4F45-9708-019B960494DF}">
+                <a14:hiddenLine xmlns:a14="http://schemas.microsoft.com/office/drawing/2010/main" w="9525">
+                  <a:solidFill>
+                    <a:srgbClr val="000000"/>
+                  </a:solidFill>
+                  <a:miter lim="800000"/>
+                  <a:headEnd/>
+                  <a:tailEnd/>
+                </a14:hiddenLine>
+              </a:ext>
+            </a:extLst>
+          </p:spPr>
+          <p:txBody>
+            <a:bodyPr vert="horz" wrap="square" lIns="91440" tIns="45720" rIns="91440" bIns="45720" numCol="1" anchor="t" anchorCtr="0" compatLnSpc="1">
+              <a:prstTxWarp prst="textNoShape">
+                <a:avLst/>
+              </a:prstTxWarp>
+            </a:bodyPr>
+            <a:lstStyle/>
+            <a:p>
+              <a:pPr marL="0" marR="0" lvl="0" indent="0" algn="l" defTabSz="914400" rtl="0" eaLnBrk="0" fontAlgn="base" latinLnBrk="0" hangingPunct="0">
+                <a:lnSpc>
+                  <a:spcPct val="100000"/>
+                </a:lnSpc>
+                <a:spcBef>
+                  <a:spcPct val="0"/>
+                </a:spcBef>
+                <a:spcAft>
+                  <a:spcPct val="0"/>
+                </a:spcAft>
+                <a:buClrTx/>
+                <a:buSzTx/>
+                <a:buFontTx/>
+                <a:buNone/>
+                <a:tabLst/>
+              </a:pPr>
+              <a:r>
+                <a:rPr kumimoji="0" lang="en-GB" altLang="ko-KR" sz="800" b="0" i="0" u="none" strike="noStrike" cap="none" normalizeH="0" baseline="0" smtClean="0">
+                  <a:ln>
+                    <a:noFill/>
+                  </a:ln>
+                  <a:solidFill>
+                    <a:schemeClr val="tx1"/>
+                  </a:solidFill>
+                  <a:effectLst/>
+                  <a:latin typeface="Times New Roman" panose="02020603050405020304" pitchFamily="18" charset="0"/>
+                  <a:ea typeface="맑은 고딕" panose="020B0503020000020004" pitchFamily="50" charset="-127"/>
+                  <a:cs typeface="Times New Roman" panose="02020603050405020304" pitchFamily="18" charset="0"/>
+                </a:rPr>
+                <a:t>Design, Engineering and Validation  Phase</a:t>
+              </a:r>
+              <a:endParaRPr kumimoji="0" lang="en-GB" altLang="ko-KR" sz="1800" b="0" i="0" u="none" strike="noStrike" cap="none" normalizeH="0" baseline="0" smtClean="0">
+                <a:ln>
+                  <a:noFill/>
+                </a:ln>
+                <a:solidFill>
+                  <a:schemeClr val="tx1"/>
+                </a:solidFill>
+                <a:effectLst/>
+                <a:latin typeface="Arial" panose="020B0604020202020204" pitchFamily="34" charset="0"/>
+              </a:endParaRPr>
+            </a:p>
+          </p:txBody>
+        </p:sp>
+        <p:sp>
+          <p:nvSpPr>
+            <p:cNvPr id="2127" name="Text Box 3"/>
+            <p:cNvSpPr txBox="1">
+              <a:spLocks noChangeArrowheads="1"/>
+            </p:cNvSpPr>
+            <p:nvPr/>
+          </p:nvSpPr>
+          <p:spPr bwMode="auto">
+            <a:xfrm>
+              <a:off x="9507" y="8173"/>
+              <a:ext cx="1620" cy="360"/>
+            </a:xfrm>
+            <a:prstGeom prst="rect">
+              <a:avLst/>
+            </a:prstGeom>
+            <a:noFill/>
+            <a:ln>
+              <a:noFill/>
+            </a:ln>
+            <a:extLst>
+              <a:ext uri="{909E8E84-426E-40DD-AFC4-6F175D3DCCD1}">
+                <a14:hiddenFill xmlns:a14="http://schemas.microsoft.com/office/drawing/2010/main">
+                  <a:solidFill>
+                    <a:srgbClr val="FFFFFF"/>
+                  </a:solidFill>
+                </a14:hiddenFill>
+              </a:ext>
+              <a:ext uri="{91240B29-F687-4F45-9708-019B960494DF}">
+                <a14:hiddenLine xmlns:a14="http://schemas.microsoft.com/office/drawing/2010/main" w="9525">
+                  <a:solidFill>
+                    <a:srgbClr val="000000"/>
+                  </a:solidFill>
+                  <a:miter lim="800000"/>
+                  <a:headEnd/>
+                  <a:tailEnd/>
+                </a14:hiddenLine>
+              </a:ext>
+            </a:extLst>
+          </p:spPr>
+          <p:txBody>
+            <a:bodyPr vert="horz" wrap="square" lIns="91440" tIns="45720" rIns="91440" bIns="45720" numCol="1" anchor="t" anchorCtr="0" compatLnSpc="1">
+              <a:prstTxWarp prst="textNoShape">
+                <a:avLst/>
+              </a:prstTxWarp>
+            </a:bodyPr>
+            <a:lstStyle/>
+            <a:p>
+              <a:pPr marL="0" marR="0" lvl="0" indent="0" algn="l" defTabSz="914400" rtl="0" eaLnBrk="0" fontAlgn="base" latinLnBrk="0" hangingPunct="0">
+                <a:lnSpc>
+                  <a:spcPct val="100000"/>
+                </a:lnSpc>
+                <a:spcBef>
+                  <a:spcPct val="0"/>
+                </a:spcBef>
+                <a:spcAft>
+                  <a:spcPct val="0"/>
+                </a:spcAft>
+                <a:buClrTx/>
+                <a:buSzTx/>
+                <a:buFontTx/>
+                <a:buNone/>
+                <a:tabLst/>
+              </a:pPr>
+              <a:r>
+                <a:rPr kumimoji="0" lang="en-GB" altLang="ko-KR" sz="800" b="0" i="0" u="none" strike="noStrike" cap="none" normalizeH="0" baseline="0" smtClean="0">
+                  <a:ln>
+                    <a:noFill/>
+                  </a:ln>
+                  <a:solidFill>
+                    <a:schemeClr val="tx1"/>
+                  </a:solidFill>
+                  <a:effectLst/>
+                  <a:latin typeface="Times New Roman" panose="02020603050405020304" pitchFamily="18" charset="0"/>
+                  <a:ea typeface="맑은 고딕" panose="020B0503020000020004" pitchFamily="50" charset="-127"/>
+                  <a:cs typeface="Times New Roman" panose="02020603050405020304" pitchFamily="18" charset="0"/>
+                </a:rPr>
+                <a:t>Acceptance Phase</a:t>
+              </a:r>
+              <a:endParaRPr kumimoji="0" lang="en-GB" altLang="ko-KR" sz="1800" b="0" i="0" u="none" strike="noStrike" cap="none" normalizeH="0" baseline="0" smtClean="0">
+                <a:ln>
+                  <a:noFill/>
+                </a:ln>
+                <a:solidFill>
+                  <a:schemeClr val="tx1"/>
+                </a:solidFill>
+                <a:effectLst/>
+                <a:latin typeface="Arial" panose="020B0604020202020204" pitchFamily="34" charset="0"/>
+              </a:endParaRPr>
+            </a:p>
+          </p:txBody>
+        </p:sp>
+        <p:sp>
+          <p:nvSpPr>
+            <p:cNvPr id="2128" name="Text Box 2"/>
+            <p:cNvSpPr txBox="1">
+              <a:spLocks noChangeArrowheads="1"/>
+            </p:cNvSpPr>
+            <p:nvPr/>
+          </p:nvSpPr>
+          <p:spPr bwMode="auto">
+            <a:xfrm>
+              <a:off x="6012" y="3267"/>
+              <a:ext cx="1260" cy="360"/>
+            </a:xfrm>
+            <a:prstGeom prst="rect">
+              <a:avLst/>
+            </a:prstGeom>
+            <a:noFill/>
+            <a:ln>
+              <a:noFill/>
+            </a:ln>
+            <a:extLst>
+              <a:ext uri="{909E8E84-426E-40DD-AFC4-6F175D3DCCD1}">
+                <a14:hiddenFill xmlns:a14="http://schemas.microsoft.com/office/drawing/2010/main">
+                  <a:solidFill>
+                    <a:srgbClr val="FFFFFF"/>
+                  </a:solidFill>
+                </a14:hiddenFill>
+              </a:ext>
+              <a:ext uri="{91240B29-F687-4F45-9708-019B960494DF}">
+                <a14:hiddenLine xmlns:a14="http://schemas.microsoft.com/office/drawing/2010/main" w="9525">
+                  <a:solidFill>
+                    <a:srgbClr val="000000"/>
+                  </a:solidFill>
+                  <a:miter lim="800000"/>
+                  <a:headEnd/>
+                  <a:tailEnd/>
+                </a14:hiddenLine>
+              </a:ext>
+            </a:extLst>
+          </p:spPr>
+          <p:txBody>
+            <a:bodyPr vert="horz" wrap="square" lIns="91440" tIns="45720" rIns="91440" bIns="45720" numCol="1" anchor="t" anchorCtr="0" compatLnSpc="1">
+              <a:prstTxWarp prst="textNoShape">
+                <a:avLst/>
+              </a:prstTxWarp>
+            </a:bodyPr>
+            <a:lstStyle/>
+            <a:p>
+              <a:pPr marL="0" marR="0" lvl="0" indent="0" algn="l" defTabSz="914400" rtl="0" eaLnBrk="0" fontAlgn="base" latinLnBrk="0" hangingPunct="0">
+                <a:lnSpc>
+                  <a:spcPct val="100000"/>
+                </a:lnSpc>
+                <a:spcBef>
+                  <a:spcPct val="0"/>
+                </a:spcBef>
+                <a:spcAft>
+                  <a:spcPct val="0"/>
+                </a:spcAft>
+                <a:buClrTx/>
+                <a:buSzTx/>
+                <a:buFontTx/>
+                <a:buNone/>
+                <a:tabLst/>
+              </a:pPr>
+              <a:r>
+                <a:rPr kumimoji="0" lang="pt-PT" altLang="ko-KR" sz="800" b="0" i="0" u="none" strike="noStrike" cap="none" normalizeH="0" baseline="0" smtClean="0">
+                  <a:ln>
+                    <a:noFill/>
+                  </a:ln>
+                  <a:solidFill>
+                    <a:schemeClr val="tx1"/>
+                  </a:solidFill>
+                  <a:effectLst/>
+                  <a:latin typeface="Times New Roman" panose="02020603050405020304" pitchFamily="18" charset="0"/>
+                  <a:ea typeface="맑은 고딕" panose="020B0503020000020004" pitchFamily="50" charset="-127"/>
+                  <a:cs typeface="Times New Roman" panose="02020603050405020304" pitchFamily="18" charset="0"/>
+                </a:rPr>
+                <a:t>create</a:t>
+              </a:r>
+              <a:endParaRPr kumimoji="0" lang="pt-PT" altLang="ko-KR" sz="1800" b="0" i="0" u="none" strike="noStrike" cap="none" normalizeH="0" baseline="0" smtClean="0">
+                <a:ln>
+                  <a:noFill/>
+                </a:ln>
+                <a:solidFill>
+                  <a:schemeClr val="tx1"/>
+                </a:solidFill>
+                <a:effectLst/>
+                <a:latin typeface="Arial" panose="020B0604020202020204" pitchFamily="34" charset="0"/>
+              </a:endParaRPr>
+            </a:p>
+          </p:txBody>
+        </p:sp>
+      </p:grpSp>
+      <p:sp>
+        <p:nvSpPr>
+          <p:cNvPr id="2142" name="직사각형 2141"/>
+          <p:cNvSpPr/>
+          <p:nvPr/>
+        </p:nvSpPr>
+        <p:spPr>
+          <a:xfrm>
+            <a:off x="1714500" y="4629835"/>
+            <a:ext cx="3429000" cy="215444"/>
+          </a:xfrm>
+          <a:prstGeom prst="rect">
+            <a:avLst/>
+          </a:prstGeom>
+        </p:spPr>
+        <p:txBody>
+          <a:bodyPr>
+            <a:spAutoFit/>
+          </a:bodyPr>
+          <a:lstStyle/>
+          <a:p>
+            <a:r>
+              <a:rPr lang="en-US" altLang="ko-KR" sz="800" dirty="0">
+                <a:latin typeface="Times New Roman" panose="02020603050405020304" pitchFamily="18" charset="0"/>
+              </a:rPr>
+              <a:t>Software development process details</a:t>
+            </a:r>
+            <a:endParaRPr lang="ko-KR" altLang="en-US" sz="800" dirty="0"/>
+          </a:p>
+        </p:txBody>
+      </p:sp>
+    </p:spTree>
+    <p:extLst>
+      <p:ext uri="{BB962C8B-B14F-4D97-AF65-F5344CB8AC3E}">
+        <p14:creationId xmlns:p14="http://schemas.microsoft.com/office/powerpoint/2010/main" val="1514931698"/>
+      </p:ext>
+    </p:extLst>
+  </p:cSld>
+  <p:clrMapOvr>
+    <a:masterClrMapping/>
+  </p:clrMapOvr>
+</p:sld>
+</file>
+
 <file path=ppt/theme/theme1.xml><?xml version="1.0" encoding="utf-8"?>
 <a:theme xmlns:a="http://schemas.openxmlformats.org/drawingml/2006/main" name="Office 테마">
   <a:themeElements>
